--- a/Tạo trang liên hệ trong WebSite.pptx
+++ b/Tạo trang liên hệ trong WebSite.pptx
@@ -10,13 +10,31 @@
     <p:sldId id="257" r:id="rId4"/>
     <p:sldId id="266" r:id="rId5"/>
     <p:sldId id="267" r:id="rId6"/>
-    <p:sldId id="258" r:id="rId7"/>
-    <p:sldId id="259" r:id="rId8"/>
-    <p:sldId id="260" r:id="rId9"/>
-    <p:sldId id="261" r:id="rId10"/>
-    <p:sldId id="262" r:id="rId11"/>
-    <p:sldId id="263" r:id="rId12"/>
-    <p:sldId id="264" r:id="rId13"/>
+    <p:sldId id="268" r:id="rId7"/>
+    <p:sldId id="271" r:id="rId8"/>
+    <p:sldId id="272" r:id="rId9"/>
+    <p:sldId id="276" r:id="rId10"/>
+    <p:sldId id="273" r:id="rId11"/>
+    <p:sldId id="269" r:id="rId12"/>
+    <p:sldId id="270" r:id="rId13"/>
+    <p:sldId id="258" r:id="rId14"/>
+    <p:sldId id="274" r:id="rId15"/>
+    <p:sldId id="275" r:id="rId16"/>
+    <p:sldId id="259" r:id="rId17"/>
+    <p:sldId id="260" r:id="rId18"/>
+    <p:sldId id="261" r:id="rId19"/>
+    <p:sldId id="262" r:id="rId20"/>
+    <p:sldId id="263" r:id="rId21"/>
+    <p:sldId id="277" r:id="rId22"/>
+    <p:sldId id="278" r:id="rId23"/>
+    <p:sldId id="279" r:id="rId24"/>
+    <p:sldId id="280" r:id="rId25"/>
+    <p:sldId id="281" r:id="rId26"/>
+    <p:sldId id="282" r:id="rId27"/>
+    <p:sldId id="264" r:id="rId28"/>
+    <p:sldId id="283" r:id="rId29"/>
+    <p:sldId id="284" r:id="rId30"/>
+    <p:sldId id="285" r:id="rId31"/>
   </p:sldIdLst>
   <p:sldSz cx="12192000" cy="6858000"/>
   <p:notesSz cx="6858000" cy="9144000"/>
@@ -270,7 +288,7 @@
           <a:p>
             <a:fld id="{4C6F0748-1381-4B42-9D0A-07F66729CA70}" type="datetimeFigureOut">
               <a:rPr lang="en-US" smtClean="0"/>
-              <a:t>14/10/2024</a:t>
+              <a:t>15/10/2024</a:t>
             </a:fld>
             <a:endParaRPr lang="en-US"/>
           </a:p>
@@ -468,7 +486,7 @@
           <a:p>
             <a:fld id="{4C6F0748-1381-4B42-9D0A-07F66729CA70}" type="datetimeFigureOut">
               <a:rPr lang="en-US" smtClean="0"/>
-              <a:t>14/10/2024</a:t>
+              <a:t>15/10/2024</a:t>
             </a:fld>
             <a:endParaRPr lang="en-US"/>
           </a:p>
@@ -676,7 +694,7 @@
           <a:p>
             <a:fld id="{4C6F0748-1381-4B42-9D0A-07F66729CA70}" type="datetimeFigureOut">
               <a:rPr lang="en-US" smtClean="0"/>
-              <a:t>14/10/2024</a:t>
+              <a:t>15/10/2024</a:t>
             </a:fld>
             <a:endParaRPr lang="en-US"/>
           </a:p>
@@ -874,7 +892,7 @@
           <a:p>
             <a:fld id="{4C6F0748-1381-4B42-9D0A-07F66729CA70}" type="datetimeFigureOut">
               <a:rPr lang="en-US" smtClean="0"/>
-              <a:t>14/10/2024</a:t>
+              <a:t>15/10/2024</a:t>
             </a:fld>
             <a:endParaRPr lang="en-US"/>
           </a:p>
@@ -1149,7 +1167,7 @@
           <a:p>
             <a:fld id="{4C6F0748-1381-4B42-9D0A-07F66729CA70}" type="datetimeFigureOut">
               <a:rPr lang="en-US" smtClean="0"/>
-              <a:t>14/10/2024</a:t>
+              <a:t>15/10/2024</a:t>
             </a:fld>
             <a:endParaRPr lang="en-US"/>
           </a:p>
@@ -1414,7 +1432,7 @@
           <a:p>
             <a:fld id="{4C6F0748-1381-4B42-9D0A-07F66729CA70}" type="datetimeFigureOut">
               <a:rPr lang="en-US" smtClean="0"/>
-              <a:t>14/10/2024</a:t>
+              <a:t>15/10/2024</a:t>
             </a:fld>
             <a:endParaRPr lang="en-US"/>
           </a:p>
@@ -1826,7 +1844,7 @@
           <a:p>
             <a:fld id="{4C6F0748-1381-4B42-9D0A-07F66729CA70}" type="datetimeFigureOut">
               <a:rPr lang="en-US" smtClean="0"/>
-              <a:t>14/10/2024</a:t>
+              <a:t>15/10/2024</a:t>
             </a:fld>
             <a:endParaRPr lang="en-US"/>
           </a:p>
@@ -1967,7 +1985,7 @@
           <a:p>
             <a:fld id="{4C6F0748-1381-4B42-9D0A-07F66729CA70}" type="datetimeFigureOut">
               <a:rPr lang="en-US" smtClean="0"/>
-              <a:t>14/10/2024</a:t>
+              <a:t>15/10/2024</a:t>
             </a:fld>
             <a:endParaRPr lang="en-US"/>
           </a:p>
@@ -2080,7 +2098,7 @@
           <a:p>
             <a:fld id="{4C6F0748-1381-4B42-9D0A-07F66729CA70}" type="datetimeFigureOut">
               <a:rPr lang="en-US" smtClean="0"/>
-              <a:t>14/10/2024</a:t>
+              <a:t>15/10/2024</a:t>
             </a:fld>
             <a:endParaRPr lang="en-US"/>
           </a:p>
@@ -2391,7 +2409,7 @@
           <a:p>
             <a:fld id="{4C6F0748-1381-4B42-9D0A-07F66729CA70}" type="datetimeFigureOut">
               <a:rPr lang="en-US" smtClean="0"/>
-              <a:t>14/10/2024</a:t>
+              <a:t>15/10/2024</a:t>
             </a:fld>
             <a:endParaRPr lang="en-US"/>
           </a:p>
@@ -2679,7 +2697,7 @@
           <a:p>
             <a:fld id="{4C6F0748-1381-4B42-9D0A-07F66729CA70}" type="datetimeFigureOut">
               <a:rPr lang="en-US" smtClean="0"/>
-              <a:t>14/10/2024</a:t>
+              <a:t>15/10/2024</a:t>
             </a:fld>
             <a:endParaRPr lang="en-US"/>
           </a:p>
@@ -2920,7 +2938,7 @@
           <a:p>
             <a:fld id="{4C6F0748-1381-4B42-9D0A-07F66729CA70}" type="datetimeFigureOut">
               <a:rPr lang="en-US" smtClean="0"/>
-              <a:t>14/10/2024</a:t>
+              <a:t>15/10/2024</a:t>
             </a:fld>
             <a:endParaRPr lang="en-US"/>
           </a:p>
@@ -3353,7 +3371,12 @@
             <p:ph type="ctrTitle"/>
           </p:nvPr>
         </p:nvSpPr>
-        <p:spPr/>
+        <p:spPr>
+          <a:xfrm>
+            <a:off x="1524000" y="1144812"/>
+            <a:ext cx="9144000" cy="990522"/>
+          </a:xfrm>
+        </p:spPr>
         <p:txBody>
           <a:bodyPr/>
           <a:lstStyle/>
@@ -3381,7 +3404,12 @@
             <p:ph type="subTitle" idx="1"/>
           </p:nvPr>
         </p:nvSpPr>
-        <p:spPr/>
+        <p:spPr>
+          <a:xfrm>
+            <a:off x="1959006" y="2248269"/>
+            <a:ext cx="6492536" cy="472812"/>
+          </a:xfrm>
+        </p:spPr>
         <p:txBody>
           <a:bodyPr/>
           <a:lstStyle/>
@@ -3423,60 +3451,122 @@
           <a:chExt cx="0" cy="0"/>
         </a:xfrm>
       </p:grpSpPr>
-      <p:sp>
-        <p:nvSpPr>
-          <p:cNvPr id="2" name="Title 1">
-            <a:extLst>
-              <a:ext uri="{FF2B5EF4-FFF2-40B4-BE49-F238E27FC236}">
-                <a16:creationId xmlns:a16="http://schemas.microsoft.com/office/drawing/2014/main" id="{1544897B-C3BF-40E2-B3A8-3E842F272790}"/>
-              </a:ext>
-            </a:extLst>
-          </p:cNvPr>
-          <p:cNvSpPr>
-            <a:spLocks noGrp="1"/>
-          </p:cNvSpPr>
-          <p:nvPr>
-            <p:ph type="title"/>
-          </p:nvPr>
-        </p:nvSpPr>
-        <p:spPr/>
-        <p:txBody>
-          <a:bodyPr/>
-          <a:lstStyle/>
-          <a:p>
-            <a:endParaRPr lang="en-US"/>
-          </a:p>
-        </p:txBody>
-      </p:sp>
-      <p:sp>
-        <p:nvSpPr>
-          <p:cNvPr id="3" name="Content Placeholder 2">
-            <a:extLst>
-              <a:ext uri="{FF2B5EF4-FFF2-40B4-BE49-F238E27FC236}">
-                <a16:creationId xmlns:a16="http://schemas.microsoft.com/office/drawing/2014/main" id="{4E3C81DC-BE71-4567-BA3A-89537F19621E}"/>
-              </a:ext>
-            </a:extLst>
-          </p:cNvPr>
-          <p:cNvSpPr>
-            <a:spLocks noGrp="1"/>
-          </p:cNvSpPr>
-          <p:nvPr>
-            <p:ph idx="1"/>
-          </p:nvPr>
-        </p:nvSpPr>
-        <p:spPr/>
-        <p:txBody>
-          <a:bodyPr/>
-          <a:lstStyle/>
-          <a:p>
-            <a:endParaRPr lang="en-US"/>
-          </a:p>
-        </p:txBody>
-      </p:sp>
+      <p:pic>
+        <p:nvPicPr>
+          <p:cNvPr id="4" name="Picture 3">
+            <a:extLst>
+              <a:ext uri="{FF2B5EF4-FFF2-40B4-BE49-F238E27FC236}">
+                <a16:creationId xmlns:a16="http://schemas.microsoft.com/office/drawing/2014/main" id="{D487E153-E5C8-4C9C-9BBD-EE077F205569}"/>
+              </a:ext>
+            </a:extLst>
+          </p:cNvPr>
+          <p:cNvPicPr>
+            <a:picLocks noChangeAspect="1"/>
+          </p:cNvPicPr>
+          <p:nvPr/>
+        </p:nvPicPr>
+        <p:blipFill>
+          <a:blip r:embed="rId2"/>
+          <a:stretch>
+            <a:fillRect/>
+          </a:stretch>
+        </p:blipFill>
+        <p:spPr>
+          <a:xfrm>
+            <a:off x="268787" y="296893"/>
+            <a:ext cx="4534533" cy="3696216"/>
+          </a:xfrm>
+          <a:prstGeom prst="rect">
+            <a:avLst/>
+          </a:prstGeom>
+        </p:spPr>
+      </p:pic>
+      <p:sp>
+        <p:nvSpPr>
+          <p:cNvPr id="5" name="TextBox 4">
+            <a:extLst>
+              <a:ext uri="{FF2B5EF4-FFF2-40B4-BE49-F238E27FC236}">
+                <a16:creationId xmlns:a16="http://schemas.microsoft.com/office/drawing/2014/main" id="{55D5BB95-BB55-4CA0-BC70-DD9190139EF4}"/>
+              </a:ext>
+            </a:extLst>
+          </p:cNvPr>
+          <p:cNvSpPr txBox="1"/>
+          <p:nvPr/>
+        </p:nvSpPr>
+        <p:spPr>
+          <a:xfrm>
+            <a:off x="4971495" y="337351"/>
+            <a:ext cx="7013359" cy="369332"/>
+          </a:xfrm>
+          <a:prstGeom prst="rect">
+            <a:avLst/>
+          </a:prstGeom>
+          <a:noFill/>
+        </p:spPr>
+        <p:txBody>
+          <a:bodyPr wrap="square" rtlCol="0">
+            <a:spAutoFit/>
+          </a:bodyPr>
+          <a:lstStyle/>
+          <a:p>
+            <a:r>
+              <a:rPr lang="en-US"/>
+              <a:t>Sau khi tạo xong các ô cho khách hàng điền vào thì nhấn “ l</a:t>
+            </a:r>
+            <a:r>
+              <a:rPr lang="vi-VN"/>
+              <a:t>ư</a:t>
+            </a:r>
+            <a:r>
+              <a:rPr lang="en-US"/>
+              <a:t>u “ </a:t>
+            </a:r>
+          </a:p>
+        </p:txBody>
+      </p:sp>
+      <p:cxnSp>
+        <p:nvCxnSpPr>
+          <p:cNvPr id="7" name="Straight Arrow Connector 6">
+            <a:extLst>
+              <a:ext uri="{FF2B5EF4-FFF2-40B4-BE49-F238E27FC236}">
+                <a16:creationId xmlns:a16="http://schemas.microsoft.com/office/drawing/2014/main" id="{618199C4-8142-40EE-A4D1-26C4E45910DC}"/>
+              </a:ext>
+            </a:extLst>
+          </p:cNvPr>
+          <p:cNvCxnSpPr/>
+          <p:nvPr/>
+        </p:nvCxnSpPr>
+        <p:spPr>
+          <a:xfrm flipV="1">
+            <a:off x="816746" y="745724"/>
+            <a:ext cx="5279254" cy="3036163"/>
+          </a:xfrm>
+          <a:prstGeom prst="straightConnector1">
+            <a:avLst/>
+          </a:prstGeom>
+          <a:ln>
+            <a:tailEnd type="triangle"/>
+          </a:ln>
+        </p:spPr>
+        <p:style>
+          <a:lnRef idx="1">
+            <a:schemeClr val="dk1"/>
+          </a:lnRef>
+          <a:fillRef idx="0">
+            <a:schemeClr val="dk1"/>
+          </a:fillRef>
+          <a:effectRef idx="0">
+            <a:schemeClr val="dk1"/>
+          </a:effectRef>
+          <a:fontRef idx="minor">
+            <a:schemeClr val="tx1"/>
+          </a:fontRef>
+        </p:style>
+      </p:cxnSp>
     </p:spTree>
     <p:extLst>
       <p:ext uri="{BB962C8B-B14F-4D97-AF65-F5344CB8AC3E}">
-        <p14:creationId xmlns:p14="http://schemas.microsoft.com/office/powerpoint/2010/main" val="3328070256"/>
+        <p14:creationId xmlns:p14="http://schemas.microsoft.com/office/powerpoint/2010/main" val="1506854364"/>
       </p:ext>
     </p:extLst>
   </p:cSld>
@@ -3508,7 +3598,7 @@
           <p:cNvPr id="2" name="Title 1">
             <a:extLst>
               <a:ext uri="{FF2B5EF4-FFF2-40B4-BE49-F238E27FC236}">
-                <a16:creationId xmlns:a16="http://schemas.microsoft.com/office/drawing/2014/main" id="{7C160B5E-DD75-4701-86C1-AC44997499DE}"/>
+                <a16:creationId xmlns:a16="http://schemas.microsoft.com/office/drawing/2014/main" id="{0354C786-A136-4308-9206-7FBD9F864457}"/>
               </a:ext>
             </a:extLst>
           </p:cNvPr>
@@ -3519,44 +3609,198 @@
             <p:ph type="title"/>
           </p:nvPr>
         </p:nvSpPr>
-        <p:spPr/>
+        <p:spPr>
+          <a:xfrm>
+            <a:off x="0" y="18255"/>
+            <a:ext cx="11353800" cy="762107"/>
+          </a:xfrm>
+        </p:spPr>
         <p:txBody>
           <a:bodyPr/>
           <a:lstStyle/>
           <a:p>
-            <a:endParaRPr lang="en-US"/>
-          </a:p>
-        </p:txBody>
-      </p:sp>
-      <p:sp>
-        <p:nvSpPr>
-          <p:cNvPr id="3" name="Content Placeholder 2">
-            <a:extLst>
-              <a:ext uri="{FF2B5EF4-FFF2-40B4-BE49-F238E27FC236}">
-                <a16:creationId xmlns:a16="http://schemas.microsoft.com/office/drawing/2014/main" id="{DF336304-8C4D-483D-93E0-40CD3306BCEE}"/>
-              </a:ext>
-            </a:extLst>
-          </p:cNvPr>
-          <p:cNvSpPr>
-            <a:spLocks noGrp="1"/>
-          </p:cNvSpPr>
-          <p:nvPr>
-            <p:ph idx="1"/>
-          </p:nvPr>
-        </p:nvSpPr>
-        <p:spPr/>
-        <p:txBody>
-          <a:bodyPr/>
-          <a:lstStyle/>
-          <a:p>
-            <a:endParaRPr lang="en-US"/>
+            <a:r>
+              <a:rPr lang="en-US"/>
+              <a:t>Show Form liên hệ ra ngoài WebSite.</a:t>
+            </a:r>
+          </a:p>
+        </p:txBody>
+      </p:sp>
+      <p:pic>
+        <p:nvPicPr>
+          <p:cNvPr id="4" name="Picture 3">
+            <a:extLst>
+              <a:ext uri="{FF2B5EF4-FFF2-40B4-BE49-F238E27FC236}">
+                <a16:creationId xmlns:a16="http://schemas.microsoft.com/office/drawing/2014/main" id="{4703C719-11EB-4849-BE74-18E148D91AE9}"/>
+              </a:ext>
+            </a:extLst>
+          </p:cNvPr>
+          <p:cNvPicPr>
+            <a:picLocks noChangeAspect="1"/>
+          </p:cNvPicPr>
+          <p:nvPr/>
+        </p:nvPicPr>
+        <p:blipFill>
+          <a:blip r:embed="rId2"/>
+          <a:stretch>
+            <a:fillRect/>
+          </a:stretch>
+        </p:blipFill>
+        <p:spPr>
+          <a:xfrm>
+            <a:off x="293195" y="1228025"/>
+            <a:ext cx="3296110" cy="762106"/>
+          </a:xfrm>
+          <a:prstGeom prst="rect">
+            <a:avLst/>
+          </a:prstGeom>
+        </p:spPr>
+      </p:pic>
+      <p:sp>
+        <p:nvSpPr>
+          <p:cNvPr id="5" name="TextBox 4">
+            <a:extLst>
+              <a:ext uri="{FF2B5EF4-FFF2-40B4-BE49-F238E27FC236}">
+                <a16:creationId xmlns:a16="http://schemas.microsoft.com/office/drawing/2014/main" id="{A6EF9C33-5E06-42FF-81DE-C5E7722465B0}"/>
+              </a:ext>
+            </a:extLst>
+          </p:cNvPr>
+          <p:cNvSpPr txBox="1"/>
+          <p:nvPr/>
+        </p:nvSpPr>
+        <p:spPr>
+          <a:xfrm>
+            <a:off x="4110361" y="843379"/>
+            <a:ext cx="7243439" cy="369332"/>
+          </a:xfrm>
+          <a:prstGeom prst="rect">
+            <a:avLst/>
+          </a:prstGeom>
+          <a:noFill/>
+        </p:spPr>
+        <p:txBody>
+          <a:bodyPr wrap="square" rtlCol="0">
+            <a:spAutoFit/>
+          </a:bodyPr>
+          <a:lstStyle/>
+          <a:p>
+            <a:r>
+              <a:rPr lang="en-US"/>
+              <a:t>Đoạn Code để nhúng Form liên hệ này vào bất kỳ chỗ nào trên WebSite</a:t>
+            </a:r>
+          </a:p>
+        </p:txBody>
+      </p:sp>
+      <p:cxnSp>
+        <p:nvCxnSpPr>
+          <p:cNvPr id="7" name="Straight Arrow Connector 6">
+            <a:extLst>
+              <a:ext uri="{FF2B5EF4-FFF2-40B4-BE49-F238E27FC236}">
+                <a16:creationId xmlns:a16="http://schemas.microsoft.com/office/drawing/2014/main" id="{99AFE1A6-F038-4E45-A774-43B5E3FEAF8B}"/>
+              </a:ext>
+            </a:extLst>
+          </p:cNvPr>
+          <p:cNvCxnSpPr>
+            <a:cxnSpLocks/>
+          </p:cNvCxnSpPr>
+          <p:nvPr/>
+        </p:nvCxnSpPr>
+        <p:spPr>
+          <a:xfrm flipV="1">
+            <a:off x="2281561" y="1212711"/>
+            <a:ext cx="1828800" cy="577440"/>
+          </a:xfrm>
+          <a:prstGeom prst="straightConnector1">
+            <a:avLst/>
+          </a:prstGeom>
+          <a:ln>
+            <a:tailEnd type="triangle"/>
+          </a:ln>
+        </p:spPr>
+        <p:style>
+          <a:lnRef idx="1">
+            <a:schemeClr val="dk1"/>
+          </a:lnRef>
+          <a:fillRef idx="0">
+            <a:schemeClr val="dk1"/>
+          </a:fillRef>
+          <a:effectRef idx="0">
+            <a:schemeClr val="dk1"/>
+          </a:effectRef>
+          <a:fontRef idx="minor">
+            <a:schemeClr val="tx1"/>
+          </a:fontRef>
+        </p:style>
+      </p:cxnSp>
+      <p:pic>
+        <p:nvPicPr>
+          <p:cNvPr id="11" name="Picture 10">
+            <a:extLst>
+              <a:ext uri="{FF2B5EF4-FFF2-40B4-BE49-F238E27FC236}">
+                <a16:creationId xmlns:a16="http://schemas.microsoft.com/office/drawing/2014/main" id="{C7B2BB3A-3094-4474-ADD1-D278946E2815}"/>
+              </a:ext>
+            </a:extLst>
+          </p:cNvPr>
+          <p:cNvPicPr>
+            <a:picLocks noChangeAspect="1"/>
+          </p:cNvPicPr>
+          <p:nvPr/>
+        </p:nvPicPr>
+        <p:blipFill>
+          <a:blip r:embed="rId3"/>
+          <a:stretch>
+            <a:fillRect/>
+          </a:stretch>
+        </p:blipFill>
+        <p:spPr>
+          <a:xfrm>
+            <a:off x="299113" y="3597807"/>
+            <a:ext cx="9947956" cy="2734057"/>
+          </a:xfrm>
+          <a:prstGeom prst="rect">
+            <a:avLst/>
+          </a:prstGeom>
+        </p:spPr>
+      </p:pic>
+      <p:sp>
+        <p:nvSpPr>
+          <p:cNvPr id="12" name="TextBox 11">
+            <a:extLst>
+              <a:ext uri="{FF2B5EF4-FFF2-40B4-BE49-F238E27FC236}">
+                <a16:creationId xmlns:a16="http://schemas.microsoft.com/office/drawing/2014/main" id="{F8286E40-00C5-41AC-97C5-34579847565D}"/>
+              </a:ext>
+            </a:extLst>
+          </p:cNvPr>
+          <p:cNvSpPr txBox="1"/>
+          <p:nvPr/>
+        </p:nvSpPr>
+        <p:spPr>
+          <a:xfrm>
+            <a:off x="293195" y="3083980"/>
+            <a:ext cx="4989019" cy="369332"/>
+          </a:xfrm>
+          <a:prstGeom prst="rect">
+            <a:avLst/>
+          </a:prstGeom>
+          <a:noFill/>
+        </p:spPr>
+        <p:txBody>
+          <a:bodyPr wrap="square" rtlCol="0">
+            <a:spAutoFit/>
+          </a:bodyPr>
+          <a:lstStyle/>
+          <a:p>
+            <a:r>
+              <a:rPr lang="en-US"/>
+              <a:t>Dán đoạn code vào trang liên hệ rồi nhấn Đăng.</a:t>
+            </a:r>
           </a:p>
         </p:txBody>
       </p:sp>
     </p:spTree>
     <p:extLst>
       <p:ext uri="{BB962C8B-B14F-4D97-AF65-F5344CB8AC3E}">
-        <p14:creationId xmlns:p14="http://schemas.microsoft.com/office/powerpoint/2010/main" val="4128047197"/>
+        <p14:creationId xmlns:p14="http://schemas.microsoft.com/office/powerpoint/2010/main" val="3364421373"/>
       </p:ext>
     </p:extLst>
   </p:cSld>
@@ -3583,12 +3827,218 @@
           <a:chExt cx="0" cy="0"/>
         </a:xfrm>
       </p:grpSpPr>
+      <p:pic>
+        <p:nvPicPr>
+          <p:cNvPr id="4" name="Picture 3">
+            <a:extLst>
+              <a:ext uri="{FF2B5EF4-FFF2-40B4-BE49-F238E27FC236}">
+                <a16:creationId xmlns:a16="http://schemas.microsoft.com/office/drawing/2014/main" id="{92C6A0D4-9D0A-4160-86F6-B8C6D3C99EC1}"/>
+              </a:ext>
+            </a:extLst>
+          </p:cNvPr>
+          <p:cNvPicPr>
+            <a:picLocks noChangeAspect="1"/>
+          </p:cNvPicPr>
+          <p:nvPr/>
+        </p:nvPicPr>
+        <p:blipFill>
+          <a:blip r:embed="rId2"/>
+          <a:stretch>
+            <a:fillRect/>
+          </a:stretch>
+        </p:blipFill>
+        <p:spPr>
+          <a:xfrm>
+            <a:off x="448661" y="691550"/>
+            <a:ext cx="9094834" cy="4001388"/>
+          </a:xfrm>
+          <a:prstGeom prst="rect">
+            <a:avLst/>
+          </a:prstGeom>
+        </p:spPr>
+      </p:pic>
+      <p:sp>
+        <p:nvSpPr>
+          <p:cNvPr id="5" name="TextBox 4">
+            <a:extLst>
+              <a:ext uri="{FF2B5EF4-FFF2-40B4-BE49-F238E27FC236}">
+                <a16:creationId xmlns:a16="http://schemas.microsoft.com/office/drawing/2014/main" id="{F5249137-97E0-404B-9F3F-B985AAEAE4CA}"/>
+              </a:ext>
+            </a:extLst>
+          </p:cNvPr>
+          <p:cNvSpPr txBox="1"/>
+          <p:nvPr/>
+        </p:nvSpPr>
+        <p:spPr>
+          <a:xfrm>
+            <a:off x="448661" y="5379868"/>
+            <a:ext cx="5175681" cy="369332"/>
+          </a:xfrm>
+          <a:prstGeom prst="rect">
+            <a:avLst/>
+          </a:prstGeom>
+          <a:noFill/>
+        </p:spPr>
+        <p:txBody>
+          <a:bodyPr wrap="square" rtlCol="0">
+            <a:spAutoFit/>
+          </a:bodyPr>
+          <a:lstStyle/>
+          <a:p>
+            <a:r>
+              <a:rPr lang="en-US"/>
+              <a:t>Mới chỉ tạo ra đ</a:t>
+            </a:r>
+            <a:r>
+              <a:rPr lang="vi-VN"/>
+              <a:t>ư</a:t>
+            </a:r>
+            <a:r>
+              <a:rPr lang="en-US"/>
+              <a:t>ợc các ô trống, ch</a:t>
+            </a:r>
+            <a:r>
+              <a:rPr lang="vi-VN"/>
+              <a:t>ư</a:t>
+            </a:r>
+            <a:r>
+              <a:rPr lang="en-US"/>
+              <a:t>a có tiêu đề.</a:t>
+            </a:r>
+          </a:p>
+        </p:txBody>
+      </p:sp>
+    </p:spTree>
+    <p:extLst>
+      <p:ext uri="{BB962C8B-B14F-4D97-AF65-F5344CB8AC3E}">
+        <p14:creationId xmlns:p14="http://schemas.microsoft.com/office/powerpoint/2010/main" val="3755878088"/>
+      </p:ext>
+    </p:extLst>
+  </p:cSld>
+  <p:clrMapOvr>
+    <a:masterClrMapping/>
+  </p:clrMapOvr>
+</p:sld>
+</file>
+
+<file path=ppt/slides/slide13.xml><?xml version="1.0" encoding="utf-8"?>
+<p:sld xmlns:a="http://schemas.openxmlformats.org/drawingml/2006/main" xmlns:r="http://schemas.openxmlformats.org/officeDocument/2006/relationships" xmlns:p="http://schemas.openxmlformats.org/presentationml/2006/main">
+  <p:cSld>
+    <p:spTree>
+      <p:nvGrpSpPr>
+        <p:cNvPr id="1" name=""/>
+        <p:cNvGrpSpPr/>
+        <p:nvPr/>
+      </p:nvGrpSpPr>
+      <p:grpSpPr>
+        <a:xfrm>
+          <a:off x="0" y="0"/>
+          <a:ext cx="0" cy="0"/>
+          <a:chOff x="0" y="0"/>
+          <a:chExt cx="0" cy="0"/>
+        </a:xfrm>
+      </p:grpSpPr>
+      <p:pic>
+        <p:nvPicPr>
+          <p:cNvPr id="6" name="Picture 5">
+            <a:extLst>
+              <a:ext uri="{FF2B5EF4-FFF2-40B4-BE49-F238E27FC236}">
+                <a16:creationId xmlns:a16="http://schemas.microsoft.com/office/drawing/2014/main" id="{91C3EA2E-A495-431B-A01B-CCB6568E40A9}"/>
+              </a:ext>
+            </a:extLst>
+          </p:cNvPr>
+          <p:cNvPicPr>
+            <a:picLocks noChangeAspect="1"/>
+          </p:cNvPicPr>
+          <p:nvPr/>
+        </p:nvPicPr>
+        <p:blipFill>
+          <a:blip r:embed="rId2"/>
+          <a:stretch>
+            <a:fillRect/>
+          </a:stretch>
+        </p:blipFill>
+        <p:spPr>
+          <a:xfrm>
+            <a:off x="425953" y="813890"/>
+            <a:ext cx="3829584" cy="2495898"/>
+          </a:xfrm>
+          <a:prstGeom prst="rect">
+            <a:avLst/>
+          </a:prstGeom>
+        </p:spPr>
+      </p:pic>
+      <p:sp>
+        <p:nvSpPr>
+          <p:cNvPr id="9" name="TextBox 8">
+            <a:extLst>
+              <a:ext uri="{FF2B5EF4-FFF2-40B4-BE49-F238E27FC236}">
+                <a16:creationId xmlns:a16="http://schemas.microsoft.com/office/drawing/2014/main" id="{617D3915-FACE-4FDA-AF0E-2C7FB48254EC}"/>
+              </a:ext>
+            </a:extLst>
+          </p:cNvPr>
+          <p:cNvSpPr txBox="1"/>
+          <p:nvPr/>
+        </p:nvSpPr>
+        <p:spPr>
+          <a:xfrm>
+            <a:off x="346230" y="150920"/>
+            <a:ext cx="8913180" cy="369332"/>
+          </a:xfrm>
+          <a:prstGeom prst="rect">
+            <a:avLst/>
+          </a:prstGeom>
+          <a:noFill/>
+        </p:spPr>
+        <p:txBody>
+          <a:bodyPr wrap="square" rtlCol="0">
+            <a:spAutoFit/>
+          </a:bodyPr>
+          <a:lstStyle/>
+          <a:p>
+            <a:r>
+              <a:rPr lang="en-US"/>
+              <a:t>Điền tiêu đề chìm vào trong ô.</a:t>
+            </a:r>
+          </a:p>
+        </p:txBody>
+      </p:sp>
+    </p:spTree>
+    <p:extLst>
+      <p:ext uri="{BB962C8B-B14F-4D97-AF65-F5344CB8AC3E}">
+        <p14:creationId xmlns:p14="http://schemas.microsoft.com/office/powerpoint/2010/main" val="3625803650"/>
+      </p:ext>
+    </p:extLst>
+  </p:cSld>
+  <p:clrMapOvr>
+    <a:masterClrMapping/>
+  </p:clrMapOvr>
+</p:sld>
+</file>
+
+<file path=ppt/slides/slide14.xml><?xml version="1.0" encoding="utf-8"?>
+<p:sld xmlns:a="http://schemas.openxmlformats.org/drawingml/2006/main" xmlns:r="http://schemas.openxmlformats.org/officeDocument/2006/relationships" xmlns:p="http://schemas.openxmlformats.org/presentationml/2006/main">
+  <p:cSld>
+    <p:spTree>
+      <p:nvGrpSpPr>
+        <p:cNvPr id="1" name=""/>
+        <p:cNvGrpSpPr/>
+        <p:nvPr/>
+      </p:nvGrpSpPr>
+      <p:grpSpPr>
+        <a:xfrm>
+          <a:off x="0" y="0"/>
+          <a:ext cx="0" cy="0"/>
+          <a:chOff x="0" y="0"/>
+          <a:chExt cx="0" cy="0"/>
+        </a:xfrm>
+      </p:grpSpPr>
       <p:sp>
         <p:nvSpPr>
           <p:cNvPr id="2" name="Title 1">
             <a:extLst>
               <a:ext uri="{FF2B5EF4-FFF2-40B4-BE49-F238E27FC236}">
-                <a16:creationId xmlns:a16="http://schemas.microsoft.com/office/drawing/2014/main" id="{E8D4726A-6A18-40D8-8645-29B9944EC407}"/>
+                <a16:creationId xmlns:a16="http://schemas.microsoft.com/office/drawing/2014/main" id="{CB7F1B25-127E-48C3-815F-2C947C7FED0B}"/>
               </a:ext>
             </a:extLst>
           </p:cNvPr>
@@ -3599,21 +4049,368 @@
             <p:ph type="title"/>
           </p:nvPr>
         </p:nvSpPr>
-        <p:spPr/>
+        <p:spPr>
+          <a:xfrm>
+            <a:off x="0" y="0"/>
+            <a:ext cx="8105313" cy="762339"/>
+          </a:xfrm>
+        </p:spPr>
         <p:txBody>
           <a:bodyPr/>
           <a:lstStyle/>
           <a:p>
-            <a:endParaRPr lang="en-US"/>
-          </a:p>
-        </p:txBody>
-      </p:sp>
-      <p:sp>
-        <p:nvSpPr>
-          <p:cNvPr id="3" name="Content Placeholder 2">
-            <a:extLst>
-              <a:ext uri="{FF2B5EF4-FFF2-40B4-BE49-F238E27FC236}">
-                <a16:creationId xmlns:a16="http://schemas.microsoft.com/office/drawing/2014/main" id="{BB92B579-68E3-4258-A042-6CF53D284394}"/>
+            <a:r>
+              <a:rPr lang="en-US"/>
+              <a:t>Điền tiêu đề lên trên ô.</a:t>
+            </a:r>
+          </a:p>
+        </p:txBody>
+      </p:sp>
+      <p:pic>
+        <p:nvPicPr>
+          <p:cNvPr id="4" name="Content Placeholder 3">
+            <a:extLst>
+              <a:ext uri="{FF2B5EF4-FFF2-40B4-BE49-F238E27FC236}">
+                <a16:creationId xmlns:a16="http://schemas.microsoft.com/office/drawing/2014/main" id="{C5DA57BB-2661-44BC-ABBB-A50B90693B7D}"/>
+              </a:ext>
+            </a:extLst>
+          </p:cNvPr>
+          <p:cNvPicPr>
+            <a:picLocks noGrp="1" noChangeAspect="1"/>
+          </p:cNvPicPr>
+          <p:nvPr>
+            <p:ph idx="1"/>
+          </p:nvPr>
+        </p:nvPicPr>
+        <p:blipFill>
+          <a:blip r:embed="rId2"/>
+          <a:stretch>
+            <a:fillRect/>
+          </a:stretch>
+        </p:blipFill>
+        <p:spPr>
+          <a:xfrm>
+            <a:off x="793995" y="1072521"/>
+            <a:ext cx="2667372" cy="1090754"/>
+          </a:xfrm>
+          <a:prstGeom prst="rect">
+            <a:avLst/>
+          </a:prstGeom>
+        </p:spPr>
+      </p:pic>
+      <p:cxnSp>
+        <p:nvCxnSpPr>
+          <p:cNvPr id="6" name="Straight Arrow Connector 5">
+            <a:extLst>
+              <a:ext uri="{FF2B5EF4-FFF2-40B4-BE49-F238E27FC236}">
+                <a16:creationId xmlns:a16="http://schemas.microsoft.com/office/drawing/2014/main" id="{0EE54B16-8EF1-483B-BFB2-12A4FB95D173}"/>
+              </a:ext>
+            </a:extLst>
+          </p:cNvPr>
+          <p:cNvCxnSpPr>
+            <a:cxnSpLocks/>
+          </p:cNvCxnSpPr>
+          <p:nvPr/>
+        </p:nvCxnSpPr>
+        <p:spPr>
+          <a:xfrm flipV="1">
+            <a:off x="2689934" y="1287262"/>
+            <a:ext cx="2361460" cy="1"/>
+          </a:xfrm>
+          <a:prstGeom prst="straightConnector1">
+            <a:avLst/>
+          </a:prstGeom>
+          <a:ln>
+            <a:tailEnd type="triangle"/>
+          </a:ln>
+        </p:spPr>
+        <p:style>
+          <a:lnRef idx="1">
+            <a:schemeClr val="dk1"/>
+          </a:lnRef>
+          <a:fillRef idx="0">
+            <a:schemeClr val="dk1"/>
+          </a:fillRef>
+          <a:effectRef idx="0">
+            <a:schemeClr val="dk1"/>
+          </a:effectRef>
+          <a:fontRef idx="minor">
+            <a:schemeClr val="tx1"/>
+          </a:fontRef>
+        </p:style>
+      </p:cxnSp>
+      <p:sp>
+        <p:nvSpPr>
+          <p:cNvPr id="7" name="TextBox 6">
+            <a:extLst>
+              <a:ext uri="{FF2B5EF4-FFF2-40B4-BE49-F238E27FC236}">
+                <a16:creationId xmlns:a16="http://schemas.microsoft.com/office/drawing/2014/main" id="{8737BBC2-59DB-46FE-9C99-EBB15A5C2B79}"/>
+              </a:ext>
+            </a:extLst>
+          </p:cNvPr>
+          <p:cNvSpPr txBox="1"/>
+          <p:nvPr/>
+        </p:nvSpPr>
+        <p:spPr>
+          <a:xfrm>
+            <a:off x="5051394" y="953441"/>
+            <a:ext cx="2805344" cy="369332"/>
+          </a:xfrm>
+          <a:prstGeom prst="rect">
+            <a:avLst/>
+          </a:prstGeom>
+          <a:noFill/>
+        </p:spPr>
+        <p:txBody>
+          <a:bodyPr wrap="square" rtlCol="0">
+            <a:spAutoFit/>
+          </a:bodyPr>
+          <a:lstStyle/>
+          <a:p>
+            <a:r>
+              <a:rPr lang="en-US"/>
+              <a:t>Sử dụng nhãn Label.</a:t>
+            </a:r>
+          </a:p>
+        </p:txBody>
+      </p:sp>
+      <p:pic>
+        <p:nvPicPr>
+          <p:cNvPr id="9" name="Picture 8">
+            <a:extLst>
+              <a:ext uri="{FF2B5EF4-FFF2-40B4-BE49-F238E27FC236}">
+                <a16:creationId xmlns:a16="http://schemas.microsoft.com/office/drawing/2014/main" id="{B833D83F-3D75-4B2F-8B9B-EE468FADBF99}"/>
+              </a:ext>
+            </a:extLst>
+          </p:cNvPr>
+          <p:cNvPicPr>
+            <a:picLocks noChangeAspect="1"/>
+          </p:cNvPicPr>
+          <p:nvPr/>
+        </p:nvPicPr>
+        <p:blipFill>
+          <a:blip r:embed="rId3"/>
+          <a:stretch>
+            <a:fillRect/>
+          </a:stretch>
+        </p:blipFill>
+        <p:spPr>
+          <a:xfrm>
+            <a:off x="927567" y="3429000"/>
+            <a:ext cx="2133898" cy="1419423"/>
+          </a:xfrm>
+          <a:prstGeom prst="rect">
+            <a:avLst/>
+          </a:prstGeom>
+        </p:spPr>
+      </p:pic>
+      <p:cxnSp>
+        <p:nvCxnSpPr>
+          <p:cNvPr id="11" name="Straight Arrow Connector 10">
+            <a:extLst>
+              <a:ext uri="{FF2B5EF4-FFF2-40B4-BE49-F238E27FC236}">
+                <a16:creationId xmlns:a16="http://schemas.microsoft.com/office/drawing/2014/main" id="{A509542A-2135-4E35-8450-A5D5967CC73A}"/>
+              </a:ext>
+            </a:extLst>
+          </p:cNvPr>
+          <p:cNvCxnSpPr>
+            <a:cxnSpLocks/>
+          </p:cNvCxnSpPr>
+          <p:nvPr/>
+        </p:nvCxnSpPr>
+        <p:spPr>
+          <a:xfrm>
+            <a:off x="2885243" y="3764132"/>
+            <a:ext cx="1953087" cy="0"/>
+          </a:xfrm>
+          <a:prstGeom prst="straightConnector1">
+            <a:avLst/>
+          </a:prstGeom>
+          <a:ln>
+            <a:tailEnd type="triangle"/>
+          </a:ln>
+        </p:spPr>
+        <p:style>
+          <a:lnRef idx="1">
+            <a:schemeClr val="dk1"/>
+          </a:lnRef>
+          <a:fillRef idx="0">
+            <a:schemeClr val="dk1"/>
+          </a:fillRef>
+          <a:effectRef idx="0">
+            <a:schemeClr val="dk1"/>
+          </a:effectRef>
+          <a:fontRef idx="minor">
+            <a:schemeClr val="tx1"/>
+          </a:fontRef>
+        </p:style>
+      </p:cxnSp>
+      <p:sp>
+        <p:nvSpPr>
+          <p:cNvPr id="14" name="TextBox 13">
+            <a:extLst>
+              <a:ext uri="{FF2B5EF4-FFF2-40B4-BE49-F238E27FC236}">
+                <a16:creationId xmlns:a16="http://schemas.microsoft.com/office/drawing/2014/main" id="{AEA318D9-83B5-4753-A703-ACDB890E10C2}"/>
+              </a:ext>
+            </a:extLst>
+          </p:cNvPr>
+          <p:cNvSpPr txBox="1"/>
+          <p:nvPr/>
+        </p:nvSpPr>
+        <p:spPr>
+          <a:xfrm>
+            <a:off x="4946341" y="3579466"/>
+            <a:ext cx="2805344" cy="369332"/>
+          </a:xfrm>
+          <a:prstGeom prst="rect">
+            <a:avLst/>
+          </a:prstGeom>
+          <a:noFill/>
+        </p:spPr>
+        <p:txBody>
+          <a:bodyPr wrap="square" rtlCol="0">
+            <a:spAutoFit/>
+          </a:bodyPr>
+          <a:lstStyle/>
+          <a:p>
+            <a:r>
+              <a:rPr lang="en-US"/>
+              <a:t>Sử dụng nhãn Label.</a:t>
+            </a:r>
+          </a:p>
+        </p:txBody>
+      </p:sp>
+    </p:spTree>
+    <p:extLst>
+      <p:ext uri="{BB962C8B-B14F-4D97-AF65-F5344CB8AC3E}">
+        <p14:creationId xmlns:p14="http://schemas.microsoft.com/office/powerpoint/2010/main" val="2577675783"/>
+      </p:ext>
+    </p:extLst>
+  </p:cSld>
+  <p:clrMapOvr>
+    <a:masterClrMapping/>
+  </p:clrMapOvr>
+</p:sld>
+</file>
+
+<file path=ppt/slides/slide15.xml><?xml version="1.0" encoding="utf-8"?>
+<p:sld xmlns:a="http://schemas.openxmlformats.org/drawingml/2006/main" xmlns:r="http://schemas.openxmlformats.org/officeDocument/2006/relationships" xmlns:p="http://schemas.openxmlformats.org/presentationml/2006/main">
+  <p:cSld>
+    <p:spTree>
+      <p:nvGrpSpPr>
+        <p:cNvPr id="1" name=""/>
+        <p:cNvGrpSpPr/>
+        <p:nvPr/>
+      </p:nvGrpSpPr>
+      <p:grpSpPr>
+        <a:xfrm>
+          <a:off x="0" y="0"/>
+          <a:ext cx="0" cy="0"/>
+          <a:chOff x="0" y="0"/>
+          <a:chExt cx="0" cy="0"/>
+        </a:xfrm>
+      </p:grpSpPr>
+      <p:pic>
+        <p:nvPicPr>
+          <p:cNvPr id="4" name="Picture 3">
+            <a:extLst>
+              <a:ext uri="{FF2B5EF4-FFF2-40B4-BE49-F238E27FC236}">
+                <a16:creationId xmlns:a16="http://schemas.microsoft.com/office/drawing/2014/main" id="{F912D57B-E35A-45D9-9E60-D7CB3BABDEEC}"/>
+              </a:ext>
+            </a:extLst>
+          </p:cNvPr>
+          <p:cNvPicPr>
+            <a:picLocks noChangeAspect="1"/>
+          </p:cNvPicPr>
+          <p:nvPr/>
+        </p:nvPicPr>
+        <p:blipFill>
+          <a:blip r:embed="rId2"/>
+          <a:stretch>
+            <a:fillRect/>
+          </a:stretch>
+        </p:blipFill>
+        <p:spPr>
+          <a:xfrm>
+            <a:off x="633535" y="504838"/>
+            <a:ext cx="3583359" cy="1412738"/>
+          </a:xfrm>
+          <a:prstGeom prst="rect">
+            <a:avLst/>
+          </a:prstGeom>
+        </p:spPr>
+      </p:pic>
+      <p:sp>
+        <p:nvSpPr>
+          <p:cNvPr id="5" name="TextBox 4">
+            <a:extLst>
+              <a:ext uri="{FF2B5EF4-FFF2-40B4-BE49-F238E27FC236}">
+                <a16:creationId xmlns:a16="http://schemas.microsoft.com/office/drawing/2014/main" id="{4F4D57E4-94D7-4AC3-9188-9130AD588071}"/>
+              </a:ext>
+            </a:extLst>
+          </p:cNvPr>
+          <p:cNvSpPr txBox="1"/>
+          <p:nvPr/>
+        </p:nvSpPr>
+        <p:spPr>
+          <a:xfrm>
+            <a:off x="4705165" y="736847"/>
+            <a:ext cx="5104660" cy="369332"/>
+          </a:xfrm>
+          <a:prstGeom prst="rect">
+            <a:avLst/>
+          </a:prstGeom>
+          <a:noFill/>
+        </p:spPr>
+        <p:txBody>
+          <a:bodyPr wrap="square" rtlCol="0">
+            <a:spAutoFit/>
+          </a:bodyPr>
+          <a:lstStyle/>
+          <a:p>
+            <a:r>
+              <a:rPr lang="en-US"/>
+              <a:t>Chèn tiêu đề chìm vào trong ô.</a:t>
+            </a:r>
+          </a:p>
+        </p:txBody>
+      </p:sp>
+    </p:spTree>
+    <p:extLst>
+      <p:ext uri="{BB962C8B-B14F-4D97-AF65-F5344CB8AC3E}">
+        <p14:creationId xmlns:p14="http://schemas.microsoft.com/office/powerpoint/2010/main" val="1890540719"/>
+      </p:ext>
+    </p:extLst>
+  </p:cSld>
+  <p:clrMapOvr>
+    <a:masterClrMapping/>
+  </p:clrMapOvr>
+</p:sld>
+</file>
+
+<file path=ppt/slides/slide16.xml><?xml version="1.0" encoding="utf-8"?>
+<p:sld xmlns:a="http://schemas.openxmlformats.org/drawingml/2006/main" xmlns:r="http://schemas.openxmlformats.org/officeDocument/2006/relationships" xmlns:p="http://schemas.openxmlformats.org/presentationml/2006/main">
+  <p:cSld>
+    <p:spTree>
+      <p:nvGrpSpPr>
+        <p:cNvPr id="1" name=""/>
+        <p:cNvGrpSpPr/>
+        <p:nvPr/>
+      </p:nvGrpSpPr>
+      <p:grpSpPr>
+        <a:xfrm>
+          <a:off x="0" y="0"/>
+          <a:ext cx="0" cy="0"/>
+          <a:chOff x="0" y="0"/>
+          <a:chExt cx="0" cy="0"/>
+        </a:xfrm>
+      </p:grpSpPr>
+      <p:sp>
+        <p:nvSpPr>
+          <p:cNvPr id="2" name="Title 1">
+            <a:extLst>
+              <a:ext uri="{FF2B5EF4-FFF2-40B4-BE49-F238E27FC236}">
+                <a16:creationId xmlns:a16="http://schemas.microsoft.com/office/drawing/2014/main" id="{8A34DCBE-5B51-411F-A520-CEBB7A284E6A}"/>
               </a:ext>
             </a:extLst>
           </p:cNvPr>
@@ -3621,22 +4418,800 @@
             <a:spLocks noGrp="1"/>
           </p:cNvSpPr>
           <p:nvPr>
+            <p:ph type="title"/>
+          </p:nvPr>
+        </p:nvSpPr>
+        <p:spPr>
+          <a:xfrm>
+            <a:off x="0" y="213064"/>
+            <a:ext cx="12192000" cy="923278"/>
+          </a:xfrm>
+        </p:spPr>
+        <p:txBody>
+          <a:bodyPr>
+            <a:normAutofit fontScale="90000"/>
+          </a:bodyPr>
+          <a:lstStyle/>
+          <a:p>
+            <a:r>
+              <a:rPr lang="en-US"/>
+              <a:t>Cài Plugin để khi khách hàng gửi liên hệ sẽ gửi thông báo về Mail</a:t>
+            </a:r>
+          </a:p>
+        </p:txBody>
+      </p:sp>
+      <p:pic>
+        <p:nvPicPr>
+          <p:cNvPr id="4" name="Content Placeholder 3">
+            <a:extLst>
+              <a:ext uri="{FF2B5EF4-FFF2-40B4-BE49-F238E27FC236}">
+                <a16:creationId xmlns:a16="http://schemas.microsoft.com/office/drawing/2014/main" id="{81D83E1D-FF81-428C-A103-6F7CFB7EA1CB}"/>
+              </a:ext>
+            </a:extLst>
+          </p:cNvPr>
+          <p:cNvPicPr>
+            <a:picLocks noGrp="1" noChangeAspect="1"/>
+          </p:cNvPicPr>
+          <p:nvPr>
             <p:ph idx="1"/>
           </p:nvPr>
-        </p:nvSpPr>
-        <p:spPr/>
-        <p:txBody>
-          <a:bodyPr/>
-          <a:lstStyle/>
-          <a:p>
-            <a:endParaRPr lang="en-US"/>
-          </a:p>
-        </p:txBody>
-      </p:sp>
+        </p:nvPicPr>
+        <p:blipFill>
+          <a:blip r:embed="rId2"/>
+          <a:stretch>
+            <a:fillRect/>
+          </a:stretch>
+        </p:blipFill>
+        <p:spPr>
+          <a:xfrm>
+            <a:off x="280023" y="1571366"/>
+            <a:ext cx="11079121" cy="3715268"/>
+          </a:xfrm>
+          <a:prstGeom prst="rect">
+            <a:avLst/>
+          </a:prstGeom>
+        </p:spPr>
+      </p:pic>
     </p:spTree>
     <p:extLst>
       <p:ext uri="{BB962C8B-B14F-4D97-AF65-F5344CB8AC3E}">
-        <p14:creationId xmlns:p14="http://schemas.microsoft.com/office/powerpoint/2010/main" val="3160566839"/>
+        <p14:creationId xmlns:p14="http://schemas.microsoft.com/office/powerpoint/2010/main" val="4086854235"/>
+      </p:ext>
+    </p:extLst>
+  </p:cSld>
+  <p:clrMapOvr>
+    <a:masterClrMapping/>
+  </p:clrMapOvr>
+</p:sld>
+</file>
+
+<file path=ppt/slides/slide17.xml><?xml version="1.0" encoding="utf-8"?>
+<p:sld xmlns:a="http://schemas.openxmlformats.org/drawingml/2006/main" xmlns:r="http://schemas.openxmlformats.org/officeDocument/2006/relationships" xmlns:p="http://schemas.openxmlformats.org/presentationml/2006/main">
+  <p:cSld>
+    <p:spTree>
+      <p:nvGrpSpPr>
+        <p:cNvPr id="1" name=""/>
+        <p:cNvGrpSpPr/>
+        <p:nvPr/>
+      </p:nvGrpSpPr>
+      <p:grpSpPr>
+        <a:xfrm>
+          <a:off x="0" y="0"/>
+          <a:ext cx="0" cy="0"/>
+          <a:chOff x="0" y="0"/>
+          <a:chExt cx="0" cy="0"/>
+        </a:xfrm>
+      </p:grpSpPr>
+      <p:pic>
+        <p:nvPicPr>
+          <p:cNvPr id="4" name="Picture 3">
+            <a:extLst>
+              <a:ext uri="{FF2B5EF4-FFF2-40B4-BE49-F238E27FC236}">
+                <a16:creationId xmlns:a16="http://schemas.microsoft.com/office/drawing/2014/main" id="{E4173B90-B548-4B57-86A8-8D121AC88F3D}"/>
+              </a:ext>
+            </a:extLst>
+          </p:cNvPr>
+          <p:cNvPicPr>
+            <a:picLocks noChangeAspect="1"/>
+          </p:cNvPicPr>
+          <p:nvPr/>
+        </p:nvPicPr>
+        <p:blipFill>
+          <a:blip r:embed="rId2"/>
+          <a:stretch>
+            <a:fillRect/>
+          </a:stretch>
+        </p:blipFill>
+        <p:spPr>
+          <a:xfrm>
+            <a:off x="204185" y="2339266"/>
+            <a:ext cx="8837674" cy="4438835"/>
+          </a:xfrm>
+          <a:prstGeom prst="rect">
+            <a:avLst/>
+          </a:prstGeom>
+        </p:spPr>
+      </p:pic>
+      <p:sp>
+        <p:nvSpPr>
+          <p:cNvPr id="5" name="TextBox 4">
+            <a:extLst>
+              <a:ext uri="{FF2B5EF4-FFF2-40B4-BE49-F238E27FC236}">
+                <a16:creationId xmlns:a16="http://schemas.microsoft.com/office/drawing/2014/main" id="{CA5DF2A1-0472-4E88-BF06-205998A6121B}"/>
+              </a:ext>
+            </a:extLst>
+          </p:cNvPr>
+          <p:cNvSpPr txBox="1"/>
+          <p:nvPr/>
+        </p:nvSpPr>
+        <p:spPr>
+          <a:xfrm>
+            <a:off x="0" y="79899"/>
+            <a:ext cx="1660124" cy="369332"/>
+          </a:xfrm>
+          <a:prstGeom prst="rect">
+            <a:avLst/>
+          </a:prstGeom>
+          <a:noFill/>
+        </p:spPr>
+        <p:txBody>
+          <a:bodyPr wrap="square" rtlCol="0">
+            <a:spAutoFit/>
+          </a:bodyPr>
+          <a:lstStyle/>
+          <a:p>
+            <a:r>
+              <a:rPr lang="en-US"/>
+              <a:t>Cấu hình Mail.</a:t>
+            </a:r>
+          </a:p>
+        </p:txBody>
+      </p:sp>
+      <p:sp>
+        <p:nvSpPr>
+          <p:cNvPr id="6" name="TextBox 5">
+            <a:extLst>
+              <a:ext uri="{FF2B5EF4-FFF2-40B4-BE49-F238E27FC236}">
+                <a16:creationId xmlns:a16="http://schemas.microsoft.com/office/drawing/2014/main" id="{8823ADA7-CA14-4F22-B138-1F58F5B0C6D9}"/>
+              </a:ext>
+            </a:extLst>
+          </p:cNvPr>
+          <p:cNvSpPr txBox="1"/>
+          <p:nvPr/>
+        </p:nvSpPr>
+        <p:spPr>
+          <a:xfrm>
+            <a:off x="28828" y="541538"/>
+            <a:ext cx="9188389" cy="369332"/>
+          </a:xfrm>
+          <a:prstGeom prst="rect">
+            <a:avLst/>
+          </a:prstGeom>
+          <a:noFill/>
+        </p:spPr>
+        <p:txBody>
+          <a:bodyPr wrap="square" rtlCol="0">
+            <a:spAutoFit/>
+          </a:bodyPr>
+          <a:lstStyle/>
+          <a:p>
+            <a:r>
+              <a:rPr lang="en-US"/>
+              <a:t>Để nhận đ</a:t>
+            </a:r>
+            <a:r>
+              <a:rPr lang="vi-VN"/>
+              <a:t>ư</a:t>
+            </a:r>
+            <a:r>
+              <a:rPr lang="en-US"/>
+              <a:t>ợc 1 Email thông tin thì bắt buộc phải có 1 Email khác gửi thông tin đó cho chúng ta</a:t>
+            </a:r>
+          </a:p>
+        </p:txBody>
+      </p:sp>
+      <p:sp>
+        <p:nvSpPr>
+          <p:cNvPr id="7" name="TextBox 6">
+            <a:extLst>
+              <a:ext uri="{FF2B5EF4-FFF2-40B4-BE49-F238E27FC236}">
+                <a16:creationId xmlns:a16="http://schemas.microsoft.com/office/drawing/2014/main" id="{C3A0214C-2C04-468F-B186-A905550F28A1}"/>
+              </a:ext>
+            </a:extLst>
+          </p:cNvPr>
+          <p:cNvSpPr txBox="1"/>
+          <p:nvPr/>
+        </p:nvSpPr>
+        <p:spPr>
+          <a:xfrm>
+            <a:off x="106532" y="1071070"/>
+            <a:ext cx="6454066" cy="369332"/>
+          </a:xfrm>
+          <a:prstGeom prst="rect">
+            <a:avLst/>
+          </a:prstGeom>
+          <a:noFill/>
+        </p:spPr>
+        <p:txBody>
+          <a:bodyPr wrap="square" rtlCol="0">
+            <a:spAutoFit/>
+          </a:bodyPr>
+          <a:lstStyle/>
+          <a:p>
+            <a:r>
+              <a:rPr lang="en-US"/>
+              <a:t>Cần chuẩn bị 2 Email: 1 Email để gửi và 1 Email để nhận.</a:t>
+            </a:r>
+          </a:p>
+        </p:txBody>
+      </p:sp>
+      <p:cxnSp>
+        <p:nvCxnSpPr>
+          <p:cNvPr id="9" name="Straight Arrow Connector 8">
+            <a:extLst>
+              <a:ext uri="{FF2B5EF4-FFF2-40B4-BE49-F238E27FC236}">
+                <a16:creationId xmlns:a16="http://schemas.microsoft.com/office/drawing/2014/main" id="{A8A7FC6C-106A-4A77-A2E8-21CC36125083}"/>
+              </a:ext>
+            </a:extLst>
+          </p:cNvPr>
+          <p:cNvCxnSpPr>
+            <a:cxnSpLocks/>
+          </p:cNvCxnSpPr>
+          <p:nvPr/>
+        </p:nvCxnSpPr>
+        <p:spPr>
+          <a:xfrm flipV="1">
+            <a:off x="4527612" y="1906480"/>
+            <a:ext cx="2565646" cy="962318"/>
+          </a:xfrm>
+          <a:prstGeom prst="straightConnector1">
+            <a:avLst/>
+          </a:prstGeom>
+          <a:ln>
+            <a:tailEnd type="triangle"/>
+          </a:ln>
+        </p:spPr>
+        <p:style>
+          <a:lnRef idx="1">
+            <a:schemeClr val="dk1"/>
+          </a:lnRef>
+          <a:fillRef idx="0">
+            <a:schemeClr val="dk1"/>
+          </a:fillRef>
+          <a:effectRef idx="0">
+            <a:schemeClr val="dk1"/>
+          </a:effectRef>
+          <a:fontRef idx="minor">
+            <a:schemeClr val="tx1"/>
+          </a:fontRef>
+        </p:style>
+      </p:cxnSp>
+      <p:sp>
+        <p:nvSpPr>
+          <p:cNvPr id="12" name="TextBox 11">
+            <a:extLst>
+              <a:ext uri="{FF2B5EF4-FFF2-40B4-BE49-F238E27FC236}">
+                <a16:creationId xmlns:a16="http://schemas.microsoft.com/office/drawing/2014/main" id="{249AC5F7-6543-42A8-90EA-F404B04E4B97}"/>
+              </a:ext>
+            </a:extLst>
+          </p:cNvPr>
+          <p:cNvSpPr txBox="1"/>
+          <p:nvPr/>
+        </p:nvSpPr>
+        <p:spPr>
+          <a:xfrm>
+            <a:off x="7190914" y="1625068"/>
+            <a:ext cx="4731798" cy="369332"/>
+          </a:xfrm>
+          <a:prstGeom prst="rect">
+            <a:avLst/>
+          </a:prstGeom>
+          <a:noFill/>
+        </p:spPr>
+        <p:txBody>
+          <a:bodyPr wrap="square" rtlCol="0">
+            <a:spAutoFit/>
+          </a:bodyPr>
+          <a:lstStyle/>
+          <a:p>
+            <a:r>
+              <a:rPr lang="en-US"/>
+              <a:t>Là Mail để nhận thông tin mà Form này gửi tới.</a:t>
+            </a:r>
+          </a:p>
+        </p:txBody>
+      </p:sp>
+      <p:sp>
+        <p:nvSpPr>
+          <p:cNvPr id="15" name="Rectangle 14">
+            <a:extLst>
+              <a:ext uri="{FF2B5EF4-FFF2-40B4-BE49-F238E27FC236}">
+                <a16:creationId xmlns:a16="http://schemas.microsoft.com/office/drawing/2014/main" id="{E94D062D-0B4D-4D02-B2F3-59A3FB64F6BD}"/>
+              </a:ext>
+            </a:extLst>
+          </p:cNvPr>
+          <p:cNvSpPr/>
+          <p:nvPr/>
+        </p:nvSpPr>
+        <p:spPr>
+          <a:xfrm>
+            <a:off x="2139518" y="4296792"/>
+            <a:ext cx="2565646" cy="390618"/>
+          </a:xfrm>
+          <a:prstGeom prst="rect">
+            <a:avLst/>
+          </a:prstGeom>
+          <a:noFill/>
+        </p:spPr>
+        <p:style>
+          <a:lnRef idx="2">
+            <a:schemeClr val="accent2">
+              <a:shade val="50000"/>
+            </a:schemeClr>
+          </a:lnRef>
+          <a:fillRef idx="1">
+            <a:schemeClr val="accent2"/>
+          </a:fillRef>
+          <a:effectRef idx="0">
+            <a:schemeClr val="accent2"/>
+          </a:effectRef>
+          <a:fontRef idx="minor">
+            <a:schemeClr val="lt1"/>
+          </a:fontRef>
+        </p:style>
+        <p:txBody>
+          <a:bodyPr rtlCol="0" anchor="ctr"/>
+          <a:lstStyle/>
+          <a:p>
+            <a:pPr algn="ctr"/>
+            <a:endParaRPr lang="en-US"/>
+          </a:p>
+        </p:txBody>
+      </p:sp>
+      <p:cxnSp>
+        <p:nvCxnSpPr>
+          <p:cNvPr id="17" name="Straight Arrow Connector 16">
+            <a:extLst>
+              <a:ext uri="{FF2B5EF4-FFF2-40B4-BE49-F238E27FC236}">
+                <a16:creationId xmlns:a16="http://schemas.microsoft.com/office/drawing/2014/main" id="{5662D7C4-29C0-4C41-AE52-360A70773FB8}"/>
+              </a:ext>
+            </a:extLst>
+          </p:cNvPr>
+          <p:cNvCxnSpPr>
+            <a:cxnSpLocks/>
+            <a:endCxn id="18" idx="1"/>
+          </p:cNvCxnSpPr>
+          <p:nvPr/>
+        </p:nvCxnSpPr>
+        <p:spPr>
+          <a:xfrm flipV="1">
+            <a:off x="4776186" y="4090828"/>
+            <a:ext cx="4527612" cy="392396"/>
+          </a:xfrm>
+          <a:prstGeom prst="straightConnector1">
+            <a:avLst/>
+          </a:prstGeom>
+          <a:ln>
+            <a:tailEnd type="triangle"/>
+          </a:ln>
+        </p:spPr>
+        <p:style>
+          <a:lnRef idx="1">
+            <a:schemeClr val="dk1"/>
+          </a:lnRef>
+          <a:fillRef idx="0">
+            <a:schemeClr val="dk1"/>
+          </a:fillRef>
+          <a:effectRef idx="0">
+            <a:schemeClr val="dk1"/>
+          </a:effectRef>
+          <a:fontRef idx="minor">
+            <a:schemeClr val="tx1"/>
+          </a:fontRef>
+        </p:style>
+      </p:cxnSp>
+      <p:sp>
+        <p:nvSpPr>
+          <p:cNvPr id="18" name="TextBox 17">
+            <a:extLst>
+              <a:ext uri="{FF2B5EF4-FFF2-40B4-BE49-F238E27FC236}">
+                <a16:creationId xmlns:a16="http://schemas.microsoft.com/office/drawing/2014/main" id="{3B54CA87-565A-4790-914F-33AD0497D10C}"/>
+              </a:ext>
+            </a:extLst>
+          </p:cNvPr>
+          <p:cNvSpPr txBox="1"/>
+          <p:nvPr/>
+        </p:nvSpPr>
+        <p:spPr>
+          <a:xfrm>
+            <a:off x="9303798" y="3767662"/>
+            <a:ext cx="2684017" cy="646331"/>
+          </a:xfrm>
+          <a:prstGeom prst="rect">
+            <a:avLst/>
+          </a:prstGeom>
+          <a:noFill/>
+        </p:spPr>
+        <p:txBody>
+          <a:bodyPr wrap="square" rtlCol="0">
+            <a:spAutoFit/>
+          </a:bodyPr>
+          <a:lstStyle/>
+          <a:p>
+            <a:r>
+              <a:rPr lang="en-US"/>
+              <a:t>Tên để biết là gửi từ Website nào.</a:t>
+            </a:r>
+          </a:p>
+        </p:txBody>
+      </p:sp>
+    </p:spTree>
+    <p:extLst>
+      <p:ext uri="{BB962C8B-B14F-4D97-AF65-F5344CB8AC3E}">
+        <p14:creationId xmlns:p14="http://schemas.microsoft.com/office/powerpoint/2010/main" val="571762488"/>
+      </p:ext>
+    </p:extLst>
+  </p:cSld>
+  <p:clrMapOvr>
+    <a:masterClrMapping/>
+  </p:clrMapOvr>
+</p:sld>
+</file>
+
+<file path=ppt/slides/slide18.xml><?xml version="1.0" encoding="utf-8"?>
+<p:sld xmlns:a="http://schemas.openxmlformats.org/drawingml/2006/main" xmlns:r="http://schemas.openxmlformats.org/officeDocument/2006/relationships" xmlns:p="http://schemas.openxmlformats.org/presentationml/2006/main">
+  <p:cSld>
+    <p:spTree>
+      <p:nvGrpSpPr>
+        <p:cNvPr id="1" name=""/>
+        <p:cNvGrpSpPr/>
+        <p:nvPr/>
+      </p:nvGrpSpPr>
+      <p:grpSpPr>
+        <a:xfrm>
+          <a:off x="0" y="0"/>
+          <a:ext cx="0" cy="0"/>
+          <a:chOff x="0" y="0"/>
+          <a:chExt cx="0" cy="0"/>
+        </a:xfrm>
+      </p:grpSpPr>
+      <p:pic>
+        <p:nvPicPr>
+          <p:cNvPr id="4" name="Picture 3">
+            <a:extLst>
+              <a:ext uri="{FF2B5EF4-FFF2-40B4-BE49-F238E27FC236}">
+                <a16:creationId xmlns:a16="http://schemas.microsoft.com/office/drawing/2014/main" id="{7A97FD8C-9C47-4637-97FE-BC18100E1ECF}"/>
+              </a:ext>
+            </a:extLst>
+          </p:cNvPr>
+          <p:cNvPicPr>
+            <a:picLocks noChangeAspect="1"/>
+          </p:cNvPicPr>
+          <p:nvPr/>
+        </p:nvPicPr>
+        <p:blipFill>
+          <a:blip r:embed="rId2"/>
+          <a:stretch>
+            <a:fillRect/>
+          </a:stretch>
+        </p:blipFill>
+        <p:spPr>
+          <a:xfrm>
+            <a:off x="618317" y="905523"/>
+            <a:ext cx="5611008" cy="1804736"/>
+          </a:xfrm>
+          <a:prstGeom prst="rect">
+            <a:avLst/>
+          </a:prstGeom>
+        </p:spPr>
+      </p:pic>
+      <p:sp>
+        <p:nvSpPr>
+          <p:cNvPr id="5" name="TextBox 4">
+            <a:extLst>
+              <a:ext uri="{FF2B5EF4-FFF2-40B4-BE49-F238E27FC236}">
+                <a16:creationId xmlns:a16="http://schemas.microsoft.com/office/drawing/2014/main" id="{BBF236D3-2642-408E-8D1B-F36CB67D676A}"/>
+              </a:ext>
+            </a:extLst>
+          </p:cNvPr>
+          <p:cNvSpPr txBox="1"/>
+          <p:nvPr/>
+        </p:nvSpPr>
+        <p:spPr>
+          <a:xfrm>
+            <a:off x="529540" y="328474"/>
+            <a:ext cx="3435658" cy="369332"/>
+          </a:xfrm>
+          <a:prstGeom prst="rect">
+            <a:avLst/>
+          </a:prstGeom>
+          <a:noFill/>
+        </p:spPr>
+        <p:txBody>
+          <a:bodyPr wrap="square" rtlCol="0">
+            <a:spAutoFit/>
+          </a:bodyPr>
+          <a:lstStyle/>
+          <a:p>
+            <a:r>
+              <a:rPr lang="en-US"/>
+              <a:t>Chọn ph</a:t>
+            </a:r>
+            <a:r>
+              <a:rPr lang="vi-VN"/>
+              <a:t>ư</a:t>
+            </a:r>
+            <a:r>
+              <a:rPr lang="en-US"/>
+              <a:t>ơng thức SMTP khác</a:t>
+            </a:r>
+          </a:p>
+        </p:txBody>
+      </p:sp>
+    </p:spTree>
+    <p:extLst>
+      <p:ext uri="{BB962C8B-B14F-4D97-AF65-F5344CB8AC3E}">
+        <p14:creationId xmlns:p14="http://schemas.microsoft.com/office/powerpoint/2010/main" val="3417404712"/>
+      </p:ext>
+    </p:extLst>
+  </p:cSld>
+  <p:clrMapOvr>
+    <a:masterClrMapping/>
+  </p:clrMapOvr>
+</p:sld>
+</file>
+
+<file path=ppt/slides/slide19.xml><?xml version="1.0" encoding="utf-8"?>
+<p:sld xmlns:a="http://schemas.openxmlformats.org/drawingml/2006/main" xmlns:r="http://schemas.openxmlformats.org/officeDocument/2006/relationships" xmlns:p="http://schemas.openxmlformats.org/presentationml/2006/main">
+  <p:cSld>
+    <p:spTree>
+      <p:nvGrpSpPr>
+        <p:cNvPr id="1" name=""/>
+        <p:cNvGrpSpPr/>
+        <p:nvPr/>
+      </p:nvGrpSpPr>
+      <p:grpSpPr>
+        <a:xfrm>
+          <a:off x="0" y="0"/>
+          <a:ext cx="0" cy="0"/>
+          <a:chOff x="0" y="0"/>
+          <a:chExt cx="0" cy="0"/>
+        </a:xfrm>
+      </p:grpSpPr>
+      <p:pic>
+        <p:nvPicPr>
+          <p:cNvPr id="4" name="Picture 3">
+            <a:extLst>
+              <a:ext uri="{FF2B5EF4-FFF2-40B4-BE49-F238E27FC236}">
+                <a16:creationId xmlns:a16="http://schemas.microsoft.com/office/drawing/2014/main" id="{83EA0F40-004E-4FCE-80B0-4B345379A01A}"/>
+              </a:ext>
+            </a:extLst>
+          </p:cNvPr>
+          <p:cNvPicPr>
+            <a:picLocks noChangeAspect="1"/>
+          </p:cNvPicPr>
+          <p:nvPr/>
+        </p:nvPicPr>
+        <p:blipFill>
+          <a:blip r:embed="rId2"/>
+          <a:stretch>
+            <a:fillRect/>
+          </a:stretch>
+        </p:blipFill>
+        <p:spPr>
+          <a:xfrm>
+            <a:off x="260412" y="497345"/>
+            <a:ext cx="6249272" cy="5606053"/>
+          </a:xfrm>
+          <a:prstGeom prst="rect">
+            <a:avLst/>
+          </a:prstGeom>
+        </p:spPr>
+      </p:pic>
+      <p:sp>
+        <p:nvSpPr>
+          <p:cNvPr id="5" name="Rectangle 4">
+            <a:extLst>
+              <a:ext uri="{FF2B5EF4-FFF2-40B4-BE49-F238E27FC236}">
+                <a16:creationId xmlns:a16="http://schemas.microsoft.com/office/drawing/2014/main" id="{E0C56BE3-C69E-438A-B3C0-7DAB841D67CA}"/>
+              </a:ext>
+            </a:extLst>
+          </p:cNvPr>
+          <p:cNvSpPr/>
+          <p:nvPr/>
+        </p:nvSpPr>
+        <p:spPr>
+          <a:xfrm>
+            <a:off x="1660124" y="754602"/>
+            <a:ext cx="2636668" cy="372862"/>
+          </a:xfrm>
+          <a:prstGeom prst="rect">
+            <a:avLst/>
+          </a:prstGeom>
+          <a:noFill/>
+        </p:spPr>
+        <p:style>
+          <a:lnRef idx="2">
+            <a:schemeClr val="accent2">
+              <a:shade val="50000"/>
+            </a:schemeClr>
+          </a:lnRef>
+          <a:fillRef idx="1">
+            <a:schemeClr val="accent2"/>
+          </a:fillRef>
+          <a:effectRef idx="0">
+            <a:schemeClr val="accent2"/>
+          </a:effectRef>
+          <a:fontRef idx="minor">
+            <a:schemeClr val="lt1"/>
+          </a:fontRef>
+        </p:style>
+        <p:txBody>
+          <a:bodyPr rtlCol="0" anchor="ctr"/>
+          <a:lstStyle/>
+          <a:p>
+            <a:pPr algn="ctr"/>
+            <a:endParaRPr lang="en-US"/>
+          </a:p>
+        </p:txBody>
+      </p:sp>
+      <p:cxnSp>
+        <p:nvCxnSpPr>
+          <p:cNvPr id="7" name="Straight Arrow Connector 6">
+            <a:extLst>
+              <a:ext uri="{FF2B5EF4-FFF2-40B4-BE49-F238E27FC236}">
+                <a16:creationId xmlns:a16="http://schemas.microsoft.com/office/drawing/2014/main" id="{8B73A881-C050-44BA-94AB-4681BB6ACEC6}"/>
+              </a:ext>
+            </a:extLst>
+          </p:cNvPr>
+          <p:cNvCxnSpPr>
+            <a:cxnSpLocks/>
+            <a:stCxn id="5" idx="3"/>
+          </p:cNvCxnSpPr>
+          <p:nvPr/>
+        </p:nvCxnSpPr>
+        <p:spPr>
+          <a:xfrm flipV="1">
+            <a:off x="4296792" y="754602"/>
+            <a:ext cx="3124940" cy="186431"/>
+          </a:xfrm>
+          <a:prstGeom prst="straightConnector1">
+            <a:avLst/>
+          </a:prstGeom>
+          <a:ln>
+            <a:tailEnd type="triangle"/>
+          </a:ln>
+        </p:spPr>
+        <p:style>
+          <a:lnRef idx="1">
+            <a:schemeClr val="dk1"/>
+          </a:lnRef>
+          <a:fillRef idx="0">
+            <a:schemeClr val="dk1"/>
+          </a:fillRef>
+          <a:effectRef idx="0">
+            <a:schemeClr val="dk1"/>
+          </a:effectRef>
+          <a:fontRef idx="minor">
+            <a:schemeClr val="tx1"/>
+          </a:fontRef>
+        </p:style>
+      </p:cxnSp>
+      <p:sp>
+        <p:nvSpPr>
+          <p:cNvPr id="9" name="TextBox 8">
+            <a:extLst>
+              <a:ext uri="{FF2B5EF4-FFF2-40B4-BE49-F238E27FC236}">
+                <a16:creationId xmlns:a16="http://schemas.microsoft.com/office/drawing/2014/main" id="{244DFFF4-9D32-4FFC-B234-1743178A1228}"/>
+              </a:ext>
+            </a:extLst>
+          </p:cNvPr>
+          <p:cNvSpPr txBox="1"/>
+          <p:nvPr/>
+        </p:nvSpPr>
+        <p:spPr>
+          <a:xfrm>
+            <a:off x="7537143" y="491802"/>
+            <a:ext cx="3213716" cy="369332"/>
+          </a:xfrm>
+          <a:prstGeom prst="rect">
+            <a:avLst/>
+          </a:prstGeom>
+          <a:noFill/>
+        </p:spPr>
+        <p:txBody>
+          <a:bodyPr wrap="square" rtlCol="0">
+            <a:spAutoFit/>
+          </a:bodyPr>
+          <a:lstStyle/>
+          <a:p>
+            <a:r>
+              <a:rPr lang="en-US"/>
+              <a:t>Điền là   “smtp.gmail.com”</a:t>
+            </a:r>
+          </a:p>
+        </p:txBody>
+      </p:sp>
+      <p:cxnSp>
+        <p:nvCxnSpPr>
+          <p:cNvPr id="12" name="Straight Arrow Connector 11">
+            <a:extLst>
+              <a:ext uri="{FF2B5EF4-FFF2-40B4-BE49-F238E27FC236}">
+                <a16:creationId xmlns:a16="http://schemas.microsoft.com/office/drawing/2014/main" id="{D975FA53-9094-46F7-9F5C-CDE2ABE81454}"/>
+              </a:ext>
+            </a:extLst>
+          </p:cNvPr>
+          <p:cNvCxnSpPr>
+            <a:cxnSpLocks/>
+          </p:cNvCxnSpPr>
+          <p:nvPr/>
+        </p:nvCxnSpPr>
+        <p:spPr>
+          <a:xfrm flipV="1">
+            <a:off x="4554245" y="3764132"/>
+            <a:ext cx="2521258" cy="736849"/>
+          </a:xfrm>
+          <a:prstGeom prst="straightConnector1">
+            <a:avLst/>
+          </a:prstGeom>
+          <a:ln>
+            <a:tailEnd type="triangle"/>
+          </a:ln>
+        </p:spPr>
+        <p:style>
+          <a:lnRef idx="1">
+            <a:schemeClr val="dk1"/>
+          </a:lnRef>
+          <a:fillRef idx="0">
+            <a:schemeClr val="dk1"/>
+          </a:fillRef>
+          <a:effectRef idx="0">
+            <a:schemeClr val="dk1"/>
+          </a:effectRef>
+          <a:fontRef idx="minor">
+            <a:schemeClr val="tx1"/>
+          </a:fontRef>
+        </p:style>
+      </p:cxnSp>
+      <p:sp>
+        <p:nvSpPr>
+          <p:cNvPr id="13" name="TextBox 12">
+            <a:extLst>
+              <a:ext uri="{FF2B5EF4-FFF2-40B4-BE49-F238E27FC236}">
+                <a16:creationId xmlns:a16="http://schemas.microsoft.com/office/drawing/2014/main" id="{BEDAD6C7-A49B-45AA-8F84-DDDC996BF62B}"/>
+              </a:ext>
+            </a:extLst>
+          </p:cNvPr>
+          <p:cNvSpPr txBox="1"/>
+          <p:nvPr/>
+        </p:nvSpPr>
+        <p:spPr>
+          <a:xfrm>
+            <a:off x="7217546" y="3528873"/>
+            <a:ext cx="4714042" cy="646331"/>
+          </a:xfrm>
+          <a:prstGeom prst="rect">
+            <a:avLst/>
+          </a:prstGeom>
+          <a:noFill/>
+        </p:spPr>
+        <p:txBody>
+          <a:bodyPr wrap="square" rtlCol="0">
+            <a:spAutoFit/>
+          </a:bodyPr>
+          <a:lstStyle/>
+          <a:p>
+            <a:r>
+              <a:rPr lang="en-US"/>
+              <a:t>Email dùng để gửi thông tin của Form đó đến mục Mail đi. </a:t>
+            </a:r>
+          </a:p>
+        </p:txBody>
+      </p:sp>
+    </p:spTree>
+    <p:extLst>
+      <p:ext uri="{BB962C8B-B14F-4D97-AF65-F5344CB8AC3E}">
+        <p14:creationId xmlns:p14="http://schemas.microsoft.com/office/powerpoint/2010/main" val="3328070256"/>
       </p:ext>
     </p:extLst>
   </p:cSld>
@@ -3685,8 +5260,278 @@
         </p:blipFill>
         <p:spPr>
           <a:xfrm>
-            <a:off x="966216" y="356298"/>
-            <a:ext cx="8900160" cy="6145403"/>
+            <a:off x="415800" y="994300"/>
+            <a:ext cx="7467570" cy="5036885"/>
+          </a:xfrm>
+          <a:prstGeom prst="rect">
+            <a:avLst/>
+          </a:prstGeom>
+        </p:spPr>
+      </p:pic>
+      <p:sp>
+        <p:nvSpPr>
+          <p:cNvPr id="2" name="TextBox 1">
+            <a:extLst>
+              <a:ext uri="{FF2B5EF4-FFF2-40B4-BE49-F238E27FC236}">
+                <a16:creationId xmlns:a16="http://schemas.microsoft.com/office/drawing/2014/main" id="{EE1BA9AA-7BDD-4700-8998-A934B39B5C39}"/>
+              </a:ext>
+            </a:extLst>
+          </p:cNvPr>
+          <p:cNvSpPr txBox="1"/>
+          <p:nvPr/>
+        </p:nvSpPr>
+        <p:spPr>
+          <a:xfrm>
+            <a:off x="292964" y="124287"/>
+            <a:ext cx="2263806" cy="369332"/>
+          </a:xfrm>
+          <a:prstGeom prst="rect">
+            <a:avLst/>
+          </a:prstGeom>
+          <a:noFill/>
+        </p:spPr>
+        <p:txBody>
+          <a:bodyPr wrap="square" rtlCol="0">
+            <a:spAutoFit/>
+          </a:bodyPr>
+          <a:lstStyle/>
+          <a:p>
+            <a:r>
+              <a:rPr lang="en-US"/>
+              <a:t>Link Video h</a:t>
+            </a:r>
+            <a:r>
+              <a:rPr lang="vi-VN"/>
+              <a:t>ư</a:t>
+            </a:r>
+            <a:r>
+              <a:rPr lang="en-US"/>
+              <a:t>ớng dẫn</a:t>
+            </a:r>
+          </a:p>
+        </p:txBody>
+      </p:sp>
+      <p:sp>
+        <p:nvSpPr>
+          <p:cNvPr id="3" name="TextBox 2">
+            <a:extLst>
+              <a:ext uri="{FF2B5EF4-FFF2-40B4-BE49-F238E27FC236}">
+                <a16:creationId xmlns:a16="http://schemas.microsoft.com/office/drawing/2014/main" id="{9290617E-6176-463A-BC4D-012F9933AC88}"/>
+              </a:ext>
+            </a:extLst>
+          </p:cNvPr>
+          <p:cNvSpPr txBox="1"/>
+          <p:nvPr/>
+        </p:nvSpPr>
+        <p:spPr>
+          <a:xfrm>
+            <a:off x="3053918" y="124287"/>
+            <a:ext cx="5140171" cy="369332"/>
+          </a:xfrm>
+          <a:prstGeom prst="rect">
+            <a:avLst/>
+          </a:prstGeom>
+          <a:noFill/>
+        </p:spPr>
+        <p:txBody>
+          <a:bodyPr wrap="square" rtlCol="0">
+            <a:spAutoFit/>
+          </a:bodyPr>
+          <a:lstStyle/>
+          <a:p>
+            <a:r>
+              <a:rPr lang="en-US"/>
+              <a:t>https://www.youtube.com/watch?v=aslno0wM8-U</a:t>
+            </a:r>
+          </a:p>
+        </p:txBody>
+      </p:sp>
+    </p:spTree>
+    <p:extLst>
+      <p:ext uri="{BB962C8B-B14F-4D97-AF65-F5344CB8AC3E}">
+        <p14:creationId xmlns:p14="http://schemas.microsoft.com/office/powerpoint/2010/main" val="3645979411"/>
+      </p:ext>
+    </p:extLst>
+  </p:cSld>
+  <p:clrMapOvr>
+    <a:masterClrMapping/>
+  </p:clrMapOvr>
+</p:sld>
+</file>
+
+<file path=ppt/slides/slide20.xml><?xml version="1.0" encoding="utf-8"?>
+<p:sld xmlns:a="http://schemas.openxmlformats.org/drawingml/2006/main" xmlns:r="http://schemas.openxmlformats.org/officeDocument/2006/relationships" xmlns:p="http://schemas.openxmlformats.org/presentationml/2006/main">
+  <p:cSld>
+    <p:spTree>
+      <p:nvGrpSpPr>
+        <p:cNvPr id="1" name=""/>
+        <p:cNvGrpSpPr/>
+        <p:nvPr/>
+      </p:nvGrpSpPr>
+      <p:grpSpPr>
+        <a:xfrm>
+          <a:off x="0" y="0"/>
+          <a:ext cx="0" cy="0"/>
+          <a:chOff x="0" y="0"/>
+          <a:chExt cx="0" cy="0"/>
+        </a:xfrm>
+      </p:grpSpPr>
+      <p:pic>
+        <p:nvPicPr>
+          <p:cNvPr id="4" name="Picture 3">
+            <a:extLst>
+              <a:ext uri="{FF2B5EF4-FFF2-40B4-BE49-F238E27FC236}">
+                <a16:creationId xmlns:a16="http://schemas.microsoft.com/office/drawing/2014/main" id="{687BB71C-8ADF-44D7-A70D-41FD0AD99AAD}"/>
+              </a:ext>
+            </a:extLst>
+          </p:cNvPr>
+          <p:cNvPicPr>
+            <a:picLocks noChangeAspect="1"/>
+          </p:cNvPicPr>
+          <p:nvPr/>
+        </p:nvPicPr>
+        <p:blipFill>
+          <a:blip r:embed="rId2"/>
+          <a:stretch>
+            <a:fillRect/>
+          </a:stretch>
+        </p:blipFill>
+        <p:spPr>
+          <a:xfrm>
+            <a:off x="475994" y="482972"/>
+            <a:ext cx="4315427" cy="2848373"/>
+          </a:xfrm>
+          <a:prstGeom prst="rect">
+            <a:avLst/>
+          </a:prstGeom>
+        </p:spPr>
+      </p:pic>
+      <p:sp>
+        <p:nvSpPr>
+          <p:cNvPr id="5" name="TextBox 4">
+            <a:extLst>
+              <a:ext uri="{FF2B5EF4-FFF2-40B4-BE49-F238E27FC236}">
+                <a16:creationId xmlns:a16="http://schemas.microsoft.com/office/drawing/2014/main" id="{0400A796-9260-4E9B-A8D0-B8B015EE227A}"/>
+              </a:ext>
+            </a:extLst>
+          </p:cNvPr>
+          <p:cNvSpPr txBox="1"/>
+          <p:nvPr/>
+        </p:nvSpPr>
+        <p:spPr>
+          <a:xfrm>
+            <a:off x="5246703" y="772357"/>
+            <a:ext cx="6516210" cy="369332"/>
+          </a:xfrm>
+          <a:prstGeom prst="rect">
+            <a:avLst/>
+          </a:prstGeom>
+          <a:noFill/>
+        </p:spPr>
+        <p:txBody>
+          <a:bodyPr wrap="square" rtlCol="0">
+            <a:spAutoFit/>
+          </a:bodyPr>
+          <a:lstStyle/>
+          <a:p>
+            <a:r>
+              <a:rPr lang="en-US"/>
+              <a:t>Cần bật tính năng bảo mật 2 lớp của Email này lên.</a:t>
+            </a:r>
+          </a:p>
+        </p:txBody>
+      </p:sp>
+    </p:spTree>
+    <p:extLst>
+      <p:ext uri="{BB962C8B-B14F-4D97-AF65-F5344CB8AC3E}">
+        <p14:creationId xmlns:p14="http://schemas.microsoft.com/office/powerpoint/2010/main" val="4128047197"/>
+      </p:ext>
+    </p:extLst>
+  </p:cSld>
+  <p:clrMapOvr>
+    <a:masterClrMapping/>
+  </p:clrMapOvr>
+</p:sld>
+</file>
+
+<file path=ppt/slides/slide21.xml><?xml version="1.0" encoding="utf-8"?>
+<p:sld xmlns:a="http://schemas.openxmlformats.org/drawingml/2006/main" xmlns:r="http://schemas.openxmlformats.org/officeDocument/2006/relationships" xmlns:p="http://schemas.openxmlformats.org/presentationml/2006/main">
+  <p:cSld>
+    <p:spTree>
+      <p:nvGrpSpPr>
+        <p:cNvPr id="1" name=""/>
+        <p:cNvGrpSpPr/>
+        <p:nvPr/>
+      </p:nvGrpSpPr>
+      <p:grpSpPr>
+        <a:xfrm>
+          <a:off x="0" y="0"/>
+          <a:ext cx="0" cy="0"/>
+          <a:chOff x="0" y="0"/>
+          <a:chExt cx="0" cy="0"/>
+        </a:xfrm>
+      </p:grpSpPr>
+      <p:sp>
+        <p:nvSpPr>
+          <p:cNvPr id="2" name="Title 1">
+            <a:extLst>
+              <a:ext uri="{FF2B5EF4-FFF2-40B4-BE49-F238E27FC236}">
+                <a16:creationId xmlns:a16="http://schemas.microsoft.com/office/drawing/2014/main" id="{FD43DBFD-B348-4B42-8E9F-E80888FFB5AF}"/>
+              </a:ext>
+            </a:extLst>
+          </p:cNvPr>
+          <p:cNvSpPr>
+            <a:spLocks noGrp="1"/>
+          </p:cNvSpPr>
+          <p:nvPr>
+            <p:ph type="title"/>
+          </p:nvPr>
+        </p:nvSpPr>
+        <p:spPr>
+          <a:xfrm>
+            <a:off x="50307" y="115410"/>
+            <a:ext cx="6368248" cy="681037"/>
+          </a:xfrm>
+        </p:spPr>
+        <p:txBody>
+          <a:bodyPr>
+            <a:normAutofit fontScale="90000"/>
+          </a:bodyPr>
+          <a:lstStyle/>
+          <a:p>
+            <a:r>
+              <a:rPr lang="en-US"/>
+              <a:t>Xác thực 2 lớp trong Gmail.</a:t>
+            </a:r>
+          </a:p>
+        </p:txBody>
+      </p:sp>
+      <p:pic>
+        <p:nvPicPr>
+          <p:cNvPr id="4" name="Content Placeholder 3">
+            <a:extLst>
+              <a:ext uri="{FF2B5EF4-FFF2-40B4-BE49-F238E27FC236}">
+                <a16:creationId xmlns:a16="http://schemas.microsoft.com/office/drawing/2014/main" id="{6709DDA5-3ED5-4BDB-947F-0C5BF56FBA64}"/>
+              </a:ext>
+            </a:extLst>
+          </p:cNvPr>
+          <p:cNvPicPr>
+            <a:picLocks noGrp="1" noChangeAspect="1"/>
+          </p:cNvPicPr>
+          <p:nvPr>
+            <p:ph idx="1"/>
+          </p:nvPr>
+        </p:nvPicPr>
+        <p:blipFill>
+          <a:blip r:embed="rId2"/>
+          <a:stretch>
+            <a:fillRect/>
+          </a:stretch>
+        </p:blipFill>
+        <p:spPr>
+          <a:xfrm>
+            <a:off x="1336385" y="1422001"/>
+            <a:ext cx="2381582" cy="3400900"/>
           </a:xfrm>
           <a:prstGeom prst="rect">
             <a:avLst/>
@@ -3696,7 +5541,1093 @@
     </p:spTree>
     <p:extLst>
       <p:ext uri="{BB962C8B-B14F-4D97-AF65-F5344CB8AC3E}">
-        <p14:creationId xmlns:p14="http://schemas.microsoft.com/office/powerpoint/2010/main" val="3645979411"/>
+        <p14:creationId xmlns:p14="http://schemas.microsoft.com/office/powerpoint/2010/main" val="668884303"/>
+      </p:ext>
+    </p:extLst>
+  </p:cSld>
+  <p:clrMapOvr>
+    <a:masterClrMapping/>
+  </p:clrMapOvr>
+</p:sld>
+</file>
+
+<file path=ppt/slides/slide22.xml><?xml version="1.0" encoding="utf-8"?>
+<p:sld xmlns:a="http://schemas.openxmlformats.org/drawingml/2006/main" xmlns:r="http://schemas.openxmlformats.org/officeDocument/2006/relationships" xmlns:p="http://schemas.openxmlformats.org/presentationml/2006/main">
+  <p:cSld>
+    <p:spTree>
+      <p:nvGrpSpPr>
+        <p:cNvPr id="1" name=""/>
+        <p:cNvGrpSpPr/>
+        <p:nvPr/>
+      </p:nvGrpSpPr>
+      <p:grpSpPr>
+        <a:xfrm>
+          <a:off x="0" y="0"/>
+          <a:ext cx="0" cy="0"/>
+          <a:chOff x="0" y="0"/>
+          <a:chExt cx="0" cy="0"/>
+        </a:xfrm>
+      </p:grpSpPr>
+      <p:pic>
+        <p:nvPicPr>
+          <p:cNvPr id="4" name="Picture 3">
+            <a:extLst>
+              <a:ext uri="{FF2B5EF4-FFF2-40B4-BE49-F238E27FC236}">
+                <a16:creationId xmlns:a16="http://schemas.microsoft.com/office/drawing/2014/main" id="{A46D0462-B59A-4952-9CA3-A03CFBCB0B55}"/>
+              </a:ext>
+            </a:extLst>
+          </p:cNvPr>
+          <p:cNvPicPr>
+            <a:picLocks noChangeAspect="1"/>
+          </p:cNvPicPr>
+          <p:nvPr/>
+        </p:nvPicPr>
+        <p:blipFill>
+          <a:blip r:embed="rId2"/>
+          <a:stretch>
+            <a:fillRect/>
+          </a:stretch>
+        </p:blipFill>
+        <p:spPr>
+          <a:xfrm>
+            <a:off x="327064" y="1346781"/>
+            <a:ext cx="9602540" cy="5334744"/>
+          </a:xfrm>
+          <a:prstGeom prst="rect">
+            <a:avLst/>
+          </a:prstGeom>
+        </p:spPr>
+      </p:pic>
+    </p:spTree>
+    <p:extLst>
+      <p:ext uri="{BB962C8B-B14F-4D97-AF65-F5344CB8AC3E}">
+        <p14:creationId xmlns:p14="http://schemas.microsoft.com/office/powerpoint/2010/main" val="1733856926"/>
+      </p:ext>
+    </p:extLst>
+  </p:cSld>
+  <p:clrMapOvr>
+    <a:masterClrMapping/>
+  </p:clrMapOvr>
+</p:sld>
+</file>
+
+<file path=ppt/slides/slide23.xml><?xml version="1.0" encoding="utf-8"?>
+<p:sld xmlns:a="http://schemas.openxmlformats.org/drawingml/2006/main" xmlns:r="http://schemas.openxmlformats.org/officeDocument/2006/relationships" xmlns:p="http://schemas.openxmlformats.org/presentationml/2006/main">
+  <p:cSld>
+    <p:spTree>
+      <p:nvGrpSpPr>
+        <p:cNvPr id="1" name=""/>
+        <p:cNvGrpSpPr/>
+        <p:nvPr/>
+      </p:nvGrpSpPr>
+      <p:grpSpPr>
+        <a:xfrm>
+          <a:off x="0" y="0"/>
+          <a:ext cx="0" cy="0"/>
+          <a:chOff x="0" y="0"/>
+          <a:chExt cx="0" cy="0"/>
+        </a:xfrm>
+      </p:grpSpPr>
+      <p:sp>
+        <p:nvSpPr>
+          <p:cNvPr id="2" name="Title 1">
+            <a:extLst>
+              <a:ext uri="{FF2B5EF4-FFF2-40B4-BE49-F238E27FC236}">
+                <a16:creationId xmlns:a16="http://schemas.microsoft.com/office/drawing/2014/main" id="{9C5A190C-ADFB-4698-ADE1-4FA6BE95C44D}"/>
+              </a:ext>
+            </a:extLst>
+          </p:cNvPr>
+          <p:cNvSpPr>
+            <a:spLocks noGrp="1"/>
+          </p:cNvSpPr>
+          <p:nvPr>
+            <p:ph type="title"/>
+          </p:nvPr>
+        </p:nvSpPr>
+        <p:spPr/>
+        <p:txBody>
+          <a:bodyPr/>
+          <a:lstStyle/>
+          <a:p>
+            <a:endParaRPr lang="en-US"/>
+          </a:p>
+        </p:txBody>
+      </p:sp>
+      <p:sp>
+        <p:nvSpPr>
+          <p:cNvPr id="3" name="Content Placeholder 2">
+            <a:extLst>
+              <a:ext uri="{FF2B5EF4-FFF2-40B4-BE49-F238E27FC236}">
+                <a16:creationId xmlns:a16="http://schemas.microsoft.com/office/drawing/2014/main" id="{CDF712C8-4FF9-457F-B527-497E9BB0230E}"/>
+              </a:ext>
+            </a:extLst>
+          </p:cNvPr>
+          <p:cNvSpPr>
+            <a:spLocks noGrp="1"/>
+          </p:cNvSpPr>
+          <p:nvPr>
+            <p:ph idx="1"/>
+          </p:nvPr>
+        </p:nvSpPr>
+        <p:spPr/>
+        <p:txBody>
+          <a:bodyPr/>
+          <a:lstStyle/>
+          <a:p>
+            <a:endParaRPr lang="en-US"/>
+          </a:p>
+        </p:txBody>
+      </p:sp>
+      <p:pic>
+        <p:nvPicPr>
+          <p:cNvPr id="4" name="Picture 3">
+            <a:extLst>
+              <a:ext uri="{FF2B5EF4-FFF2-40B4-BE49-F238E27FC236}">
+                <a16:creationId xmlns:a16="http://schemas.microsoft.com/office/drawing/2014/main" id="{9EEAD68E-7F7C-484B-A8F9-D1A5927E910F}"/>
+              </a:ext>
+            </a:extLst>
+          </p:cNvPr>
+          <p:cNvPicPr>
+            <a:picLocks noChangeAspect="1"/>
+          </p:cNvPicPr>
+          <p:nvPr/>
+        </p:nvPicPr>
+        <p:blipFill>
+          <a:blip r:embed="rId2"/>
+          <a:stretch>
+            <a:fillRect/>
+          </a:stretch>
+        </p:blipFill>
+        <p:spPr>
+          <a:xfrm>
+            <a:off x="781975" y="590783"/>
+            <a:ext cx="4439270" cy="5268060"/>
+          </a:xfrm>
+          <a:prstGeom prst="rect">
+            <a:avLst/>
+          </a:prstGeom>
+        </p:spPr>
+      </p:pic>
+      <p:sp>
+        <p:nvSpPr>
+          <p:cNvPr id="5" name="TextBox 4">
+            <a:extLst>
+              <a:ext uri="{FF2B5EF4-FFF2-40B4-BE49-F238E27FC236}">
+                <a16:creationId xmlns:a16="http://schemas.microsoft.com/office/drawing/2014/main" id="{10D27F3C-B35F-4F5B-A49B-AF8178F42FBE}"/>
+              </a:ext>
+            </a:extLst>
+          </p:cNvPr>
+          <p:cNvSpPr txBox="1"/>
+          <p:nvPr/>
+        </p:nvSpPr>
+        <p:spPr>
+          <a:xfrm>
+            <a:off x="5628444" y="2148396"/>
+            <a:ext cx="5131292" cy="646331"/>
+          </a:xfrm>
+          <a:prstGeom prst="rect">
+            <a:avLst/>
+          </a:prstGeom>
+          <a:noFill/>
+        </p:spPr>
+        <p:txBody>
+          <a:bodyPr wrap="square" rtlCol="0">
+            <a:spAutoFit/>
+          </a:bodyPr>
+          <a:lstStyle/>
+          <a:p>
+            <a:r>
+              <a:rPr lang="en-US"/>
+              <a:t>Xác minh 2 b</a:t>
+            </a:r>
+            <a:r>
+              <a:rPr lang="vi-VN"/>
+              <a:t>ư</a:t>
+            </a:r>
+            <a:r>
+              <a:rPr lang="en-US"/>
+              <a:t>ớc, bước 1 điền mật khẩu, b</a:t>
+            </a:r>
+            <a:r>
+              <a:rPr lang="vi-VN"/>
+              <a:t>ư</a:t>
+            </a:r>
+            <a:r>
+              <a:rPr lang="en-US"/>
+              <a:t>ớc 2 xác minh bằng tin nhắn điện thoại.</a:t>
+            </a:r>
+          </a:p>
+        </p:txBody>
+      </p:sp>
+    </p:spTree>
+    <p:extLst>
+      <p:ext uri="{BB962C8B-B14F-4D97-AF65-F5344CB8AC3E}">
+        <p14:creationId xmlns:p14="http://schemas.microsoft.com/office/powerpoint/2010/main" val="1482254082"/>
+      </p:ext>
+    </p:extLst>
+  </p:cSld>
+  <p:clrMapOvr>
+    <a:masterClrMapping/>
+  </p:clrMapOvr>
+</p:sld>
+</file>
+
+<file path=ppt/slides/slide24.xml><?xml version="1.0" encoding="utf-8"?>
+<p:sld xmlns:a="http://schemas.openxmlformats.org/drawingml/2006/main" xmlns:r="http://schemas.openxmlformats.org/officeDocument/2006/relationships" xmlns:p="http://schemas.openxmlformats.org/presentationml/2006/main">
+  <p:cSld>
+    <p:spTree>
+      <p:nvGrpSpPr>
+        <p:cNvPr id="1" name=""/>
+        <p:cNvGrpSpPr/>
+        <p:nvPr/>
+      </p:nvGrpSpPr>
+      <p:grpSpPr>
+        <a:xfrm>
+          <a:off x="0" y="0"/>
+          <a:ext cx="0" cy="0"/>
+          <a:chOff x="0" y="0"/>
+          <a:chExt cx="0" cy="0"/>
+        </a:xfrm>
+      </p:grpSpPr>
+      <p:pic>
+        <p:nvPicPr>
+          <p:cNvPr id="4" name="Picture 3">
+            <a:extLst>
+              <a:ext uri="{FF2B5EF4-FFF2-40B4-BE49-F238E27FC236}">
+                <a16:creationId xmlns:a16="http://schemas.microsoft.com/office/drawing/2014/main" id="{E829FDB1-6493-40B8-A36E-7CBF94019F05}"/>
+              </a:ext>
+            </a:extLst>
+          </p:cNvPr>
+          <p:cNvPicPr>
+            <a:picLocks noChangeAspect="1"/>
+          </p:cNvPicPr>
+          <p:nvPr/>
+        </p:nvPicPr>
+        <p:blipFill>
+          <a:blip r:embed="rId2"/>
+          <a:stretch>
+            <a:fillRect/>
+          </a:stretch>
+        </p:blipFill>
+        <p:spPr>
+          <a:xfrm>
+            <a:off x="763480" y="532697"/>
+            <a:ext cx="4475292" cy="4261244"/>
+          </a:xfrm>
+          <a:prstGeom prst="rect">
+            <a:avLst/>
+          </a:prstGeom>
+        </p:spPr>
+      </p:pic>
+      <p:sp>
+        <p:nvSpPr>
+          <p:cNvPr id="5" name="TextBox 4">
+            <a:extLst>
+              <a:ext uri="{FF2B5EF4-FFF2-40B4-BE49-F238E27FC236}">
+                <a16:creationId xmlns:a16="http://schemas.microsoft.com/office/drawing/2014/main" id="{96D40376-3C43-44AD-BC61-3F70976AA71F}"/>
+              </a:ext>
+            </a:extLst>
+          </p:cNvPr>
+          <p:cNvSpPr txBox="1"/>
+          <p:nvPr/>
+        </p:nvSpPr>
+        <p:spPr>
+          <a:xfrm>
+            <a:off x="5566298" y="532697"/>
+            <a:ext cx="3000653" cy="369332"/>
+          </a:xfrm>
+          <a:prstGeom prst="rect">
+            <a:avLst/>
+          </a:prstGeom>
+          <a:noFill/>
+        </p:spPr>
+        <p:txBody>
+          <a:bodyPr wrap="square" rtlCol="0">
+            <a:spAutoFit/>
+          </a:bodyPr>
+          <a:lstStyle/>
+          <a:p>
+            <a:r>
+              <a:rPr lang="en-US"/>
+              <a:t>Bắt đầu xác minh 2 b</a:t>
+            </a:r>
+            <a:r>
+              <a:rPr lang="vi-VN"/>
+              <a:t>ư</a:t>
+            </a:r>
+            <a:r>
+              <a:rPr lang="en-US"/>
+              <a:t>ớc.</a:t>
+            </a:r>
+          </a:p>
+        </p:txBody>
+      </p:sp>
+    </p:spTree>
+    <p:extLst>
+      <p:ext uri="{BB962C8B-B14F-4D97-AF65-F5344CB8AC3E}">
+        <p14:creationId xmlns:p14="http://schemas.microsoft.com/office/powerpoint/2010/main" val="408424762"/>
+      </p:ext>
+    </p:extLst>
+  </p:cSld>
+  <p:clrMapOvr>
+    <a:masterClrMapping/>
+  </p:clrMapOvr>
+</p:sld>
+</file>
+
+<file path=ppt/slides/slide25.xml><?xml version="1.0" encoding="utf-8"?>
+<p:sld xmlns:a="http://schemas.openxmlformats.org/drawingml/2006/main" xmlns:r="http://schemas.openxmlformats.org/officeDocument/2006/relationships" xmlns:p="http://schemas.openxmlformats.org/presentationml/2006/main">
+  <p:cSld>
+    <p:spTree>
+      <p:nvGrpSpPr>
+        <p:cNvPr id="1" name=""/>
+        <p:cNvGrpSpPr/>
+        <p:nvPr/>
+      </p:nvGrpSpPr>
+      <p:grpSpPr>
+        <a:xfrm>
+          <a:off x="0" y="0"/>
+          <a:ext cx="0" cy="0"/>
+          <a:chOff x="0" y="0"/>
+          <a:chExt cx="0" cy="0"/>
+        </a:xfrm>
+      </p:grpSpPr>
+      <p:pic>
+        <p:nvPicPr>
+          <p:cNvPr id="4" name="Picture 3">
+            <a:extLst>
+              <a:ext uri="{FF2B5EF4-FFF2-40B4-BE49-F238E27FC236}">
+                <a16:creationId xmlns:a16="http://schemas.microsoft.com/office/drawing/2014/main" id="{E1D3AF00-068A-40B7-A917-39AB0880765C}"/>
+              </a:ext>
+            </a:extLst>
+          </p:cNvPr>
+          <p:cNvPicPr>
+            <a:picLocks noChangeAspect="1"/>
+          </p:cNvPicPr>
+          <p:nvPr/>
+        </p:nvPicPr>
+        <p:blipFill>
+          <a:blip r:embed="rId2"/>
+          <a:stretch>
+            <a:fillRect/>
+          </a:stretch>
+        </p:blipFill>
+        <p:spPr>
+          <a:xfrm>
+            <a:off x="398734" y="0"/>
+            <a:ext cx="7857499" cy="5060909"/>
+          </a:xfrm>
+          <a:prstGeom prst="rect">
+            <a:avLst/>
+          </a:prstGeom>
+        </p:spPr>
+      </p:pic>
+      <p:sp>
+        <p:nvSpPr>
+          <p:cNvPr id="5" name="TextBox 4">
+            <a:extLst>
+              <a:ext uri="{FF2B5EF4-FFF2-40B4-BE49-F238E27FC236}">
+                <a16:creationId xmlns:a16="http://schemas.microsoft.com/office/drawing/2014/main" id="{D435116B-ACA1-4205-9E1E-D929C2671921}"/>
+              </a:ext>
+            </a:extLst>
+          </p:cNvPr>
+          <p:cNvSpPr txBox="1"/>
+          <p:nvPr/>
+        </p:nvSpPr>
+        <p:spPr>
+          <a:xfrm>
+            <a:off x="470517" y="5299969"/>
+            <a:ext cx="7785717" cy="369332"/>
+          </a:xfrm>
+          <a:prstGeom prst="rect">
+            <a:avLst/>
+          </a:prstGeom>
+          <a:noFill/>
+        </p:spPr>
+        <p:txBody>
+          <a:bodyPr wrap="square" rtlCol="0">
+            <a:spAutoFit/>
+          </a:bodyPr>
+          <a:lstStyle/>
+          <a:p>
+            <a:r>
+              <a:rPr lang="en-US"/>
+              <a:t>Quay lại trang tài khoản vào mục bảo mật.</a:t>
+            </a:r>
+          </a:p>
+        </p:txBody>
+      </p:sp>
+    </p:spTree>
+    <p:extLst>
+      <p:ext uri="{BB962C8B-B14F-4D97-AF65-F5344CB8AC3E}">
+        <p14:creationId xmlns:p14="http://schemas.microsoft.com/office/powerpoint/2010/main" val="4234166453"/>
+      </p:ext>
+    </p:extLst>
+  </p:cSld>
+  <p:clrMapOvr>
+    <a:masterClrMapping/>
+  </p:clrMapOvr>
+</p:sld>
+</file>
+
+<file path=ppt/slides/slide26.xml><?xml version="1.0" encoding="utf-8"?>
+<p:sld xmlns:a="http://schemas.openxmlformats.org/drawingml/2006/main" xmlns:r="http://schemas.openxmlformats.org/officeDocument/2006/relationships" xmlns:p="http://schemas.openxmlformats.org/presentationml/2006/main">
+  <p:cSld>
+    <p:spTree>
+      <p:nvGrpSpPr>
+        <p:cNvPr id="1" name=""/>
+        <p:cNvGrpSpPr/>
+        <p:nvPr/>
+      </p:nvGrpSpPr>
+      <p:grpSpPr>
+        <a:xfrm>
+          <a:off x="0" y="0"/>
+          <a:ext cx="0" cy="0"/>
+          <a:chOff x="0" y="0"/>
+          <a:chExt cx="0" cy="0"/>
+        </a:xfrm>
+      </p:grpSpPr>
+      <p:pic>
+        <p:nvPicPr>
+          <p:cNvPr id="4" name="Picture 3">
+            <a:extLst>
+              <a:ext uri="{FF2B5EF4-FFF2-40B4-BE49-F238E27FC236}">
+                <a16:creationId xmlns:a16="http://schemas.microsoft.com/office/drawing/2014/main" id="{6A3487F9-D8B1-4921-955E-54B17D9553FE}"/>
+              </a:ext>
+            </a:extLst>
+          </p:cNvPr>
+          <p:cNvPicPr>
+            <a:picLocks noChangeAspect="1"/>
+          </p:cNvPicPr>
+          <p:nvPr/>
+        </p:nvPicPr>
+        <p:blipFill>
+          <a:blip r:embed="rId2"/>
+          <a:stretch>
+            <a:fillRect/>
+          </a:stretch>
+        </p:blipFill>
+        <p:spPr>
+          <a:xfrm>
+            <a:off x="580383" y="534790"/>
+            <a:ext cx="4601217" cy="2610214"/>
+          </a:xfrm>
+          <a:prstGeom prst="rect">
+            <a:avLst/>
+          </a:prstGeom>
+        </p:spPr>
+      </p:pic>
+      <p:sp>
+        <p:nvSpPr>
+          <p:cNvPr id="5" name="Rectangle 4">
+            <a:extLst>
+              <a:ext uri="{FF2B5EF4-FFF2-40B4-BE49-F238E27FC236}">
+                <a16:creationId xmlns:a16="http://schemas.microsoft.com/office/drawing/2014/main" id="{FE1FF199-9B26-4619-8606-ACF7CEE94E15}"/>
+              </a:ext>
+            </a:extLst>
+          </p:cNvPr>
+          <p:cNvSpPr/>
+          <p:nvPr/>
+        </p:nvSpPr>
+        <p:spPr>
+          <a:xfrm>
+            <a:off x="1899821" y="1331650"/>
+            <a:ext cx="2627791" cy="319597"/>
+          </a:xfrm>
+          <a:prstGeom prst="rect">
+            <a:avLst/>
+          </a:prstGeom>
+          <a:noFill/>
+        </p:spPr>
+        <p:style>
+          <a:lnRef idx="2">
+            <a:schemeClr val="accent2">
+              <a:shade val="50000"/>
+            </a:schemeClr>
+          </a:lnRef>
+          <a:fillRef idx="1">
+            <a:schemeClr val="accent2"/>
+          </a:fillRef>
+          <a:effectRef idx="0">
+            <a:schemeClr val="accent2"/>
+          </a:effectRef>
+          <a:fontRef idx="minor">
+            <a:schemeClr val="lt1"/>
+          </a:fontRef>
+        </p:style>
+        <p:txBody>
+          <a:bodyPr rtlCol="0" anchor="ctr"/>
+          <a:lstStyle/>
+          <a:p>
+            <a:pPr algn="ctr"/>
+            <a:endParaRPr lang="en-US"/>
+          </a:p>
+        </p:txBody>
+      </p:sp>
+      <p:cxnSp>
+        <p:nvCxnSpPr>
+          <p:cNvPr id="7" name="Straight Arrow Connector 6">
+            <a:extLst>
+              <a:ext uri="{FF2B5EF4-FFF2-40B4-BE49-F238E27FC236}">
+                <a16:creationId xmlns:a16="http://schemas.microsoft.com/office/drawing/2014/main" id="{D284E8F7-9076-42C7-99BC-1CEBB5456511}"/>
+              </a:ext>
+            </a:extLst>
+          </p:cNvPr>
+          <p:cNvCxnSpPr/>
+          <p:nvPr/>
+        </p:nvCxnSpPr>
+        <p:spPr>
+          <a:xfrm flipV="1">
+            <a:off x="4572000" y="994299"/>
+            <a:ext cx="1340528" cy="443884"/>
+          </a:xfrm>
+          <a:prstGeom prst="straightConnector1">
+            <a:avLst/>
+          </a:prstGeom>
+          <a:ln>
+            <a:tailEnd type="triangle"/>
+          </a:ln>
+        </p:spPr>
+        <p:style>
+          <a:lnRef idx="1">
+            <a:schemeClr val="dk1"/>
+          </a:lnRef>
+          <a:fillRef idx="0">
+            <a:schemeClr val="dk1"/>
+          </a:fillRef>
+          <a:effectRef idx="0">
+            <a:schemeClr val="dk1"/>
+          </a:effectRef>
+          <a:fontRef idx="minor">
+            <a:schemeClr val="tx1"/>
+          </a:fontRef>
+        </p:style>
+      </p:cxnSp>
+      <p:sp>
+        <p:nvSpPr>
+          <p:cNvPr id="8" name="TextBox 7">
+            <a:extLst>
+              <a:ext uri="{FF2B5EF4-FFF2-40B4-BE49-F238E27FC236}">
+                <a16:creationId xmlns:a16="http://schemas.microsoft.com/office/drawing/2014/main" id="{07FCE670-7DE2-4AFE-815F-A9B2032DC988}"/>
+              </a:ext>
+            </a:extLst>
+          </p:cNvPr>
+          <p:cNvSpPr txBox="1"/>
+          <p:nvPr/>
+        </p:nvSpPr>
+        <p:spPr>
+          <a:xfrm>
+            <a:off x="5992427" y="248575"/>
+            <a:ext cx="5885895" cy="1722268"/>
+          </a:xfrm>
+          <a:prstGeom prst="rect">
+            <a:avLst/>
+          </a:prstGeom>
+          <a:noFill/>
+        </p:spPr>
+        <p:txBody>
+          <a:bodyPr wrap="square" rtlCol="0">
+            <a:spAutoFit/>
+          </a:bodyPr>
+          <a:lstStyle/>
+          <a:p>
+            <a:endParaRPr lang="en-US"/>
+          </a:p>
+        </p:txBody>
+      </p:sp>
+      <p:pic>
+        <p:nvPicPr>
+          <p:cNvPr id="9" name="Picture 8">
+            <a:extLst>
+              <a:ext uri="{FF2B5EF4-FFF2-40B4-BE49-F238E27FC236}">
+                <a16:creationId xmlns:a16="http://schemas.microsoft.com/office/drawing/2014/main" id="{65651F8B-6F1C-48FC-BA85-607D4C2887CE}"/>
+              </a:ext>
+            </a:extLst>
+          </p:cNvPr>
+          <p:cNvPicPr>
+            <a:picLocks noChangeAspect="1"/>
+          </p:cNvPicPr>
+          <p:nvPr/>
+        </p:nvPicPr>
+        <p:blipFill>
+          <a:blip r:embed="rId3"/>
+          <a:stretch>
+            <a:fillRect/>
+          </a:stretch>
+        </p:blipFill>
+        <p:spPr>
+          <a:xfrm>
+            <a:off x="580383" y="3604513"/>
+            <a:ext cx="6068992" cy="2292748"/>
+          </a:xfrm>
+          <a:prstGeom prst="rect">
+            <a:avLst/>
+          </a:prstGeom>
+        </p:spPr>
+      </p:pic>
+      <p:cxnSp>
+        <p:nvCxnSpPr>
+          <p:cNvPr id="11" name="Straight Arrow Connector 10">
+            <a:extLst>
+              <a:ext uri="{FF2B5EF4-FFF2-40B4-BE49-F238E27FC236}">
+                <a16:creationId xmlns:a16="http://schemas.microsoft.com/office/drawing/2014/main" id="{BE76EEDE-766D-4890-B194-7ADA69C052A0}"/>
+              </a:ext>
+            </a:extLst>
+          </p:cNvPr>
+          <p:cNvCxnSpPr>
+            <a:cxnSpLocks/>
+          </p:cNvCxnSpPr>
+          <p:nvPr/>
+        </p:nvCxnSpPr>
+        <p:spPr>
+          <a:xfrm flipV="1">
+            <a:off x="5992427" y="3757198"/>
+            <a:ext cx="1358284" cy="1769152"/>
+          </a:xfrm>
+          <a:prstGeom prst="straightConnector1">
+            <a:avLst/>
+          </a:prstGeom>
+          <a:ln>
+            <a:tailEnd type="triangle"/>
+          </a:ln>
+        </p:spPr>
+        <p:style>
+          <a:lnRef idx="1">
+            <a:schemeClr val="dk1"/>
+          </a:lnRef>
+          <a:fillRef idx="0">
+            <a:schemeClr val="dk1"/>
+          </a:fillRef>
+          <a:effectRef idx="0">
+            <a:schemeClr val="dk1"/>
+          </a:effectRef>
+          <a:fontRef idx="minor">
+            <a:schemeClr val="tx1"/>
+          </a:fontRef>
+        </p:style>
+      </p:cxnSp>
+      <p:sp>
+        <p:nvSpPr>
+          <p:cNvPr id="12" name="TextBox 11">
+            <a:extLst>
+              <a:ext uri="{FF2B5EF4-FFF2-40B4-BE49-F238E27FC236}">
+                <a16:creationId xmlns:a16="http://schemas.microsoft.com/office/drawing/2014/main" id="{BABC1381-7945-41EB-A35F-F4FF3B964A5D}"/>
+              </a:ext>
+            </a:extLst>
+          </p:cNvPr>
+          <p:cNvSpPr txBox="1"/>
+          <p:nvPr/>
+        </p:nvSpPr>
+        <p:spPr>
+          <a:xfrm>
+            <a:off x="7430610" y="3572532"/>
+            <a:ext cx="3604334" cy="369332"/>
+          </a:xfrm>
+          <a:prstGeom prst="rect">
+            <a:avLst/>
+          </a:prstGeom>
+          <a:noFill/>
+        </p:spPr>
+        <p:txBody>
+          <a:bodyPr wrap="square" rtlCol="0">
+            <a:spAutoFit/>
+          </a:bodyPr>
+          <a:lstStyle/>
+          <a:p>
+            <a:r>
+              <a:rPr lang="en-US"/>
+              <a:t>Kích vào phần mật khẩu ứng dụng.</a:t>
+            </a:r>
+          </a:p>
+        </p:txBody>
+      </p:sp>
+    </p:spTree>
+    <p:extLst>
+      <p:ext uri="{BB962C8B-B14F-4D97-AF65-F5344CB8AC3E}">
+        <p14:creationId xmlns:p14="http://schemas.microsoft.com/office/powerpoint/2010/main" val="2042750942"/>
+      </p:ext>
+    </p:extLst>
+  </p:cSld>
+  <p:clrMapOvr>
+    <a:masterClrMapping/>
+  </p:clrMapOvr>
+</p:sld>
+</file>
+
+<file path=ppt/slides/slide27.xml><?xml version="1.0" encoding="utf-8"?>
+<p:sld xmlns:a="http://schemas.openxmlformats.org/drawingml/2006/main" xmlns:r="http://schemas.openxmlformats.org/officeDocument/2006/relationships" xmlns:p="http://schemas.openxmlformats.org/presentationml/2006/main">
+  <p:cSld>
+    <p:spTree>
+      <p:nvGrpSpPr>
+        <p:cNvPr id="1" name=""/>
+        <p:cNvGrpSpPr/>
+        <p:nvPr/>
+      </p:nvGrpSpPr>
+      <p:grpSpPr>
+        <a:xfrm>
+          <a:off x="0" y="0"/>
+          <a:ext cx="0" cy="0"/>
+          <a:chOff x="0" y="0"/>
+          <a:chExt cx="0" cy="0"/>
+        </a:xfrm>
+      </p:grpSpPr>
+      <p:pic>
+        <p:nvPicPr>
+          <p:cNvPr id="4" name="Picture 3">
+            <a:extLst>
+              <a:ext uri="{FF2B5EF4-FFF2-40B4-BE49-F238E27FC236}">
+                <a16:creationId xmlns:a16="http://schemas.microsoft.com/office/drawing/2014/main" id="{3B6E22D6-744F-4999-B60B-E69D00118BB2}"/>
+              </a:ext>
+            </a:extLst>
+          </p:cNvPr>
+          <p:cNvPicPr>
+            <a:picLocks noChangeAspect="1"/>
+          </p:cNvPicPr>
+          <p:nvPr/>
+        </p:nvPicPr>
+        <p:blipFill>
+          <a:blip r:embed="rId2"/>
+          <a:stretch>
+            <a:fillRect/>
+          </a:stretch>
+        </p:blipFill>
+        <p:spPr>
+          <a:xfrm>
+            <a:off x="393539" y="812719"/>
+            <a:ext cx="5261536" cy="5232562"/>
+          </a:xfrm>
+          <a:prstGeom prst="rect">
+            <a:avLst/>
+          </a:prstGeom>
+        </p:spPr>
+      </p:pic>
+      <p:sp>
+        <p:nvSpPr>
+          <p:cNvPr id="5" name="TextBox 4">
+            <a:extLst>
+              <a:ext uri="{FF2B5EF4-FFF2-40B4-BE49-F238E27FC236}">
+                <a16:creationId xmlns:a16="http://schemas.microsoft.com/office/drawing/2014/main" id="{8C673725-D30A-4BEF-8C0C-1203D4D239CD}"/>
+              </a:ext>
+            </a:extLst>
+          </p:cNvPr>
+          <p:cNvSpPr txBox="1"/>
+          <p:nvPr/>
+        </p:nvSpPr>
+        <p:spPr>
+          <a:xfrm>
+            <a:off x="6232125" y="692458"/>
+            <a:ext cx="2414726" cy="369332"/>
+          </a:xfrm>
+          <a:prstGeom prst="rect">
+            <a:avLst/>
+          </a:prstGeom>
+          <a:noFill/>
+        </p:spPr>
+        <p:txBody>
+          <a:bodyPr wrap="square" rtlCol="0">
+            <a:spAutoFit/>
+          </a:bodyPr>
+          <a:lstStyle/>
+          <a:p>
+            <a:r>
+              <a:rPr lang="en-US"/>
+              <a:t>L</a:t>
+            </a:r>
+            <a:r>
+              <a:rPr lang="vi-VN"/>
+              <a:t>ư</a:t>
+            </a:r>
+            <a:r>
+              <a:rPr lang="en-US"/>
+              <a:t>u lại mã này:</a:t>
+            </a:r>
+          </a:p>
+        </p:txBody>
+      </p:sp>
+      <p:sp>
+        <p:nvSpPr>
+          <p:cNvPr id="6" name="TextBox 5">
+            <a:extLst>
+              <a:ext uri="{FF2B5EF4-FFF2-40B4-BE49-F238E27FC236}">
+                <a16:creationId xmlns:a16="http://schemas.microsoft.com/office/drawing/2014/main" id="{AE19D551-4231-45CC-A347-1CD50DB88128}"/>
+              </a:ext>
+            </a:extLst>
+          </p:cNvPr>
+          <p:cNvSpPr txBox="1"/>
+          <p:nvPr/>
+        </p:nvSpPr>
+        <p:spPr>
+          <a:xfrm>
+            <a:off x="6232125" y="2512381"/>
+            <a:ext cx="5131292" cy="369332"/>
+          </a:xfrm>
+          <a:prstGeom prst="rect">
+            <a:avLst/>
+          </a:prstGeom>
+          <a:noFill/>
+        </p:spPr>
+        <p:txBody>
+          <a:bodyPr wrap="square" rtlCol="0">
+            <a:spAutoFit/>
+          </a:bodyPr>
+          <a:lstStyle/>
+          <a:p>
+            <a:r>
+              <a:rPr lang="en-US"/>
+              <a:t>Chỉ cần dùng một Email để gửi Mail.</a:t>
+            </a:r>
+          </a:p>
+        </p:txBody>
+      </p:sp>
+      <p:sp>
+        <p:nvSpPr>
+          <p:cNvPr id="7" name="TextBox 6">
+            <a:extLst>
+              <a:ext uri="{FF2B5EF4-FFF2-40B4-BE49-F238E27FC236}">
+                <a16:creationId xmlns:a16="http://schemas.microsoft.com/office/drawing/2014/main" id="{B3110185-EDC7-4130-8DA7-392B65B565C7}"/>
+              </a:ext>
+            </a:extLst>
+          </p:cNvPr>
+          <p:cNvSpPr txBox="1"/>
+          <p:nvPr/>
+        </p:nvSpPr>
+        <p:spPr>
+          <a:xfrm>
+            <a:off x="6365289" y="3639845"/>
+            <a:ext cx="4891596" cy="369332"/>
+          </a:xfrm>
+          <a:prstGeom prst="rect">
+            <a:avLst/>
+          </a:prstGeom>
+          <a:noFill/>
+        </p:spPr>
+        <p:txBody>
+          <a:bodyPr wrap="square" rtlCol="0">
+            <a:spAutoFit/>
+          </a:bodyPr>
+          <a:lstStyle/>
+          <a:p>
+            <a:r>
+              <a:rPr lang="en-US"/>
+              <a:t>Các Email nhận thì có thể khác nhau.</a:t>
+            </a:r>
+          </a:p>
+        </p:txBody>
+      </p:sp>
+    </p:spTree>
+    <p:extLst>
+      <p:ext uri="{BB962C8B-B14F-4D97-AF65-F5344CB8AC3E}">
+        <p14:creationId xmlns:p14="http://schemas.microsoft.com/office/powerpoint/2010/main" val="3160566839"/>
+      </p:ext>
+    </p:extLst>
+  </p:cSld>
+  <p:clrMapOvr>
+    <a:masterClrMapping/>
+  </p:clrMapOvr>
+</p:sld>
+</file>
+
+<file path=ppt/slides/slide28.xml><?xml version="1.0" encoding="utf-8"?>
+<p:sld xmlns:a="http://schemas.openxmlformats.org/drawingml/2006/main" xmlns:r="http://schemas.openxmlformats.org/officeDocument/2006/relationships" xmlns:p="http://schemas.openxmlformats.org/presentationml/2006/main">
+  <p:cSld>
+    <p:spTree>
+      <p:nvGrpSpPr>
+        <p:cNvPr id="1" name=""/>
+        <p:cNvGrpSpPr/>
+        <p:nvPr/>
+      </p:nvGrpSpPr>
+      <p:grpSpPr>
+        <a:xfrm>
+          <a:off x="0" y="0"/>
+          <a:ext cx="0" cy="0"/>
+          <a:chOff x="0" y="0"/>
+          <a:chExt cx="0" cy="0"/>
+        </a:xfrm>
+      </p:grpSpPr>
+      <p:sp>
+        <p:nvSpPr>
+          <p:cNvPr id="2" name="Title 1">
+            <a:extLst>
+              <a:ext uri="{FF2B5EF4-FFF2-40B4-BE49-F238E27FC236}">
+                <a16:creationId xmlns:a16="http://schemas.microsoft.com/office/drawing/2014/main" id="{D406A505-900E-474D-A662-30DD32865CA4}"/>
+              </a:ext>
+            </a:extLst>
+          </p:cNvPr>
+          <p:cNvSpPr>
+            <a:spLocks noGrp="1"/>
+          </p:cNvSpPr>
+          <p:nvPr>
+            <p:ph type="title"/>
+          </p:nvPr>
+        </p:nvSpPr>
+        <p:spPr>
+          <a:xfrm>
+            <a:off x="0" y="0"/>
+            <a:ext cx="12192000" cy="681037"/>
+          </a:xfrm>
+        </p:spPr>
+        <p:txBody>
+          <a:bodyPr>
+            <a:normAutofit fontScale="90000"/>
+          </a:bodyPr>
+          <a:lstStyle/>
+          <a:p>
+            <a:r>
+              <a:rPr lang="en-US"/>
+              <a:t>Lấy mật khẩu SMTP để cấu hình Mail.</a:t>
+            </a:r>
+          </a:p>
+        </p:txBody>
+      </p:sp>
+      <p:sp>
+        <p:nvSpPr>
+          <p:cNvPr id="3" name="Content Placeholder 2">
+            <a:extLst>
+              <a:ext uri="{FF2B5EF4-FFF2-40B4-BE49-F238E27FC236}">
+                <a16:creationId xmlns:a16="http://schemas.microsoft.com/office/drawing/2014/main" id="{DC052A9C-F09B-4FC3-85D5-019F5B524977}"/>
+              </a:ext>
+            </a:extLst>
+          </p:cNvPr>
+          <p:cNvSpPr>
+            <a:spLocks noGrp="1"/>
+          </p:cNvSpPr>
+          <p:nvPr>
+            <p:ph idx="1"/>
+          </p:nvPr>
+        </p:nvSpPr>
+        <p:spPr>
+          <a:xfrm>
+            <a:off x="-1" y="2547890"/>
+            <a:ext cx="12191999" cy="4310109"/>
+          </a:xfrm>
+        </p:spPr>
+        <p:txBody>
+          <a:bodyPr/>
+          <a:lstStyle/>
+          <a:p>
+            <a:endParaRPr lang="en-US"/>
+          </a:p>
+        </p:txBody>
+      </p:sp>
+      <p:sp>
+        <p:nvSpPr>
+          <p:cNvPr id="4" name="TextBox 3">
+            <a:extLst>
+              <a:ext uri="{FF2B5EF4-FFF2-40B4-BE49-F238E27FC236}">
+                <a16:creationId xmlns:a16="http://schemas.microsoft.com/office/drawing/2014/main" id="{61C7AA59-98CE-4B15-8AFF-5FB4B38EA0D5}"/>
+              </a:ext>
+            </a:extLst>
+          </p:cNvPr>
+          <p:cNvSpPr txBox="1"/>
+          <p:nvPr/>
+        </p:nvSpPr>
+        <p:spPr>
+          <a:xfrm>
+            <a:off x="-1" y="681037"/>
+            <a:ext cx="11390050" cy="369332"/>
+          </a:xfrm>
+          <a:prstGeom prst="rect">
+            <a:avLst/>
+          </a:prstGeom>
+          <a:noFill/>
+        </p:spPr>
+        <p:txBody>
+          <a:bodyPr wrap="square" rtlCol="0">
+            <a:spAutoFit/>
+          </a:bodyPr>
+          <a:lstStyle/>
+          <a:p>
+            <a:r>
+              <a:rPr lang="en-US"/>
+              <a:t>Lấy mật khẩu ứng dụng Email:         https://www.youtube.com/watch?v=Tyuxw4tgKrs</a:t>
+            </a:r>
+          </a:p>
+        </p:txBody>
+      </p:sp>
+    </p:spTree>
+    <p:extLst>
+      <p:ext uri="{BB962C8B-B14F-4D97-AF65-F5344CB8AC3E}">
+        <p14:creationId xmlns:p14="http://schemas.microsoft.com/office/powerpoint/2010/main" val="4261036779"/>
+      </p:ext>
+    </p:extLst>
+  </p:cSld>
+  <p:clrMapOvr>
+    <a:masterClrMapping/>
+  </p:clrMapOvr>
+</p:sld>
+</file>
+
+<file path=ppt/slides/slide29.xml><?xml version="1.0" encoding="utf-8"?>
+<p:sld xmlns:a="http://schemas.openxmlformats.org/drawingml/2006/main" xmlns:r="http://schemas.openxmlformats.org/officeDocument/2006/relationships" xmlns:p="http://schemas.openxmlformats.org/presentationml/2006/main">
+  <p:cSld>
+    <p:spTree>
+      <p:nvGrpSpPr>
+        <p:cNvPr id="1" name=""/>
+        <p:cNvGrpSpPr/>
+        <p:nvPr/>
+      </p:nvGrpSpPr>
+      <p:grpSpPr>
+        <a:xfrm>
+          <a:off x="0" y="0"/>
+          <a:ext cx="0" cy="0"/>
+          <a:chOff x="0" y="0"/>
+          <a:chExt cx="0" cy="0"/>
+        </a:xfrm>
+      </p:grpSpPr>
+      <p:sp>
+        <p:nvSpPr>
+          <p:cNvPr id="2" name="Title 1">
+            <a:extLst>
+              <a:ext uri="{FF2B5EF4-FFF2-40B4-BE49-F238E27FC236}">
+                <a16:creationId xmlns:a16="http://schemas.microsoft.com/office/drawing/2014/main" id="{73E0E1CB-523A-4FBD-AF2B-C09A943BB1F8}"/>
+              </a:ext>
+            </a:extLst>
+          </p:cNvPr>
+          <p:cNvSpPr>
+            <a:spLocks noGrp="1"/>
+          </p:cNvSpPr>
+          <p:nvPr>
+            <p:ph type="title"/>
+          </p:nvPr>
+        </p:nvSpPr>
+        <p:spPr/>
+        <p:txBody>
+          <a:bodyPr/>
+          <a:lstStyle/>
+          <a:p>
+            <a:endParaRPr lang="en-US"/>
+          </a:p>
+        </p:txBody>
+      </p:sp>
+      <p:sp>
+        <p:nvSpPr>
+          <p:cNvPr id="3" name="Content Placeholder 2">
+            <a:extLst>
+              <a:ext uri="{FF2B5EF4-FFF2-40B4-BE49-F238E27FC236}">
+                <a16:creationId xmlns:a16="http://schemas.microsoft.com/office/drawing/2014/main" id="{F0E777FB-8AC4-48C3-88EB-205610FED905}"/>
+              </a:ext>
+            </a:extLst>
+          </p:cNvPr>
+          <p:cNvSpPr>
+            <a:spLocks noGrp="1"/>
+          </p:cNvSpPr>
+          <p:nvPr>
+            <p:ph idx="1"/>
+          </p:nvPr>
+        </p:nvSpPr>
+        <p:spPr/>
+        <p:txBody>
+          <a:bodyPr/>
+          <a:lstStyle/>
+          <a:p>
+            <a:endParaRPr lang="en-US"/>
+          </a:p>
+        </p:txBody>
+      </p:sp>
+    </p:spTree>
+    <p:extLst>
+      <p:ext uri="{BB962C8B-B14F-4D97-AF65-F5344CB8AC3E}">
+        <p14:creationId xmlns:p14="http://schemas.microsoft.com/office/powerpoint/2010/main" val="2831319851"/>
       </p:ext>
     </p:extLst>
   </p:cSld>
@@ -3745,7 +6676,7 @@
         </p:blipFill>
         <p:spPr>
           <a:xfrm>
-            <a:off x="1313669" y="868770"/>
+            <a:off x="221942" y="760088"/>
             <a:ext cx="7220958" cy="4534533"/>
           </a:xfrm>
           <a:prstGeom prst="rect">
@@ -3784,6 +6715,157 @@
             <a:r>
               <a:rPr lang="en-US"/>
               <a:t>Cài plugin Contact Form 7:</a:t>
+            </a:r>
+          </a:p>
+        </p:txBody>
+      </p:sp>
+      <p:sp>
+        <p:nvSpPr>
+          <p:cNvPr id="2" name="Rectangle 1">
+            <a:extLst>
+              <a:ext uri="{FF2B5EF4-FFF2-40B4-BE49-F238E27FC236}">
+                <a16:creationId xmlns:a16="http://schemas.microsoft.com/office/drawing/2014/main" id="{A7CE9BD3-705E-44F0-915E-D1ADB8411839}"/>
+              </a:ext>
+            </a:extLst>
+          </p:cNvPr>
+          <p:cNvSpPr/>
+          <p:nvPr/>
+        </p:nvSpPr>
+        <p:spPr>
+          <a:xfrm>
+            <a:off x="1748902" y="2814222"/>
+            <a:ext cx="3716784" cy="1384916"/>
+          </a:xfrm>
+          <a:prstGeom prst="rect">
+            <a:avLst/>
+          </a:prstGeom>
+          <a:noFill/>
+        </p:spPr>
+        <p:style>
+          <a:lnRef idx="2">
+            <a:schemeClr val="accent2">
+              <a:shade val="50000"/>
+            </a:schemeClr>
+          </a:lnRef>
+          <a:fillRef idx="1">
+            <a:schemeClr val="accent2"/>
+          </a:fillRef>
+          <a:effectRef idx="0">
+            <a:schemeClr val="accent2"/>
+          </a:effectRef>
+          <a:fontRef idx="minor">
+            <a:schemeClr val="lt1"/>
+          </a:fontRef>
+        </p:style>
+        <p:txBody>
+          <a:bodyPr rtlCol="0" anchor="ctr"/>
+          <a:lstStyle/>
+          <a:p>
+            <a:pPr algn="ctr"/>
+            <a:endParaRPr lang="en-US"/>
+          </a:p>
+        </p:txBody>
+      </p:sp>
+      <p:pic>
+        <p:nvPicPr>
+          <p:cNvPr id="3" name="Picture 2">
+            <a:extLst>
+              <a:ext uri="{FF2B5EF4-FFF2-40B4-BE49-F238E27FC236}">
+                <a16:creationId xmlns:a16="http://schemas.microsoft.com/office/drawing/2014/main" id="{DD75EDFB-FB81-4A74-A640-21FEF67D8FC0}"/>
+              </a:ext>
+            </a:extLst>
+          </p:cNvPr>
+          <p:cNvPicPr>
+            <a:picLocks noChangeAspect="1"/>
+          </p:cNvPicPr>
+          <p:nvPr/>
+        </p:nvPicPr>
+        <p:blipFill>
+          <a:blip r:embed="rId3"/>
+          <a:stretch>
+            <a:fillRect/>
+          </a:stretch>
+        </p:blipFill>
+        <p:spPr>
+          <a:xfrm>
+            <a:off x="9386041" y="922036"/>
+            <a:ext cx="2191056" cy="4372585"/>
+          </a:xfrm>
+          <a:prstGeom prst="rect">
+            <a:avLst/>
+          </a:prstGeom>
+        </p:spPr>
+      </p:pic>
+      <p:cxnSp>
+        <p:nvCxnSpPr>
+          <p:cNvPr id="7" name="Straight Arrow Connector 6">
+            <a:extLst>
+              <a:ext uri="{FF2B5EF4-FFF2-40B4-BE49-F238E27FC236}">
+                <a16:creationId xmlns:a16="http://schemas.microsoft.com/office/drawing/2014/main" id="{73697657-FB12-4E3F-8994-9854E1CF2DAC}"/>
+              </a:ext>
+            </a:extLst>
+          </p:cNvPr>
+          <p:cNvCxnSpPr/>
+          <p:nvPr/>
+        </p:nvCxnSpPr>
+        <p:spPr>
+          <a:xfrm>
+            <a:off x="7442900" y="3258105"/>
+            <a:ext cx="2020696" cy="0"/>
+          </a:xfrm>
+          <a:prstGeom prst="straightConnector1">
+            <a:avLst/>
+          </a:prstGeom>
+          <a:ln>
+            <a:tailEnd type="triangle"/>
+          </a:ln>
+        </p:spPr>
+        <p:style>
+          <a:lnRef idx="1">
+            <a:schemeClr val="dk1"/>
+          </a:lnRef>
+          <a:fillRef idx="0">
+            <a:schemeClr val="dk1"/>
+          </a:fillRef>
+          <a:effectRef idx="0">
+            <a:schemeClr val="dk1"/>
+          </a:effectRef>
+          <a:fontRef idx="minor">
+            <a:schemeClr val="tx1"/>
+          </a:fontRef>
+        </p:style>
+      </p:cxnSp>
+      <p:sp>
+        <p:nvSpPr>
+          <p:cNvPr id="8" name="TextBox 7">
+            <a:extLst>
+              <a:ext uri="{FF2B5EF4-FFF2-40B4-BE49-F238E27FC236}">
+                <a16:creationId xmlns:a16="http://schemas.microsoft.com/office/drawing/2014/main" id="{569835AE-361D-488B-A4E2-D77A66D7AF67}"/>
+              </a:ext>
+            </a:extLst>
+          </p:cNvPr>
+          <p:cNvSpPr txBox="1"/>
+          <p:nvPr/>
+        </p:nvSpPr>
+        <p:spPr>
+          <a:xfrm>
+            <a:off x="8797771" y="5459767"/>
+            <a:ext cx="3169328" cy="646331"/>
+          </a:xfrm>
+          <a:prstGeom prst="rect">
+            <a:avLst/>
+          </a:prstGeom>
+          <a:noFill/>
+        </p:spPr>
+        <p:txBody>
+          <a:bodyPr wrap="square" rtlCol="0">
+            <a:spAutoFit/>
+          </a:bodyPr>
+          <a:lstStyle/>
+          <a:p>
+            <a:r>
+              <a:rPr lang="en-US"/>
+              <a:t>Kích hoạt thành công thì sẽ có phần “Form liên hệ”</a:t>
             </a:r>
           </a:p>
         </p:txBody>
@@ -3792,6 +6874,86 @@
     <p:extLst>
       <p:ext uri="{BB962C8B-B14F-4D97-AF65-F5344CB8AC3E}">
         <p14:creationId xmlns:p14="http://schemas.microsoft.com/office/powerpoint/2010/main" val="1922243599"/>
+      </p:ext>
+    </p:extLst>
+  </p:cSld>
+  <p:clrMapOvr>
+    <a:masterClrMapping/>
+  </p:clrMapOvr>
+</p:sld>
+</file>
+
+<file path=ppt/slides/slide30.xml><?xml version="1.0" encoding="utf-8"?>
+<p:sld xmlns:a="http://schemas.openxmlformats.org/drawingml/2006/main" xmlns:r="http://schemas.openxmlformats.org/officeDocument/2006/relationships" xmlns:p="http://schemas.openxmlformats.org/presentationml/2006/main">
+  <p:cSld>
+    <p:spTree>
+      <p:nvGrpSpPr>
+        <p:cNvPr id="1" name=""/>
+        <p:cNvGrpSpPr/>
+        <p:nvPr/>
+      </p:nvGrpSpPr>
+      <p:grpSpPr>
+        <a:xfrm>
+          <a:off x="0" y="0"/>
+          <a:ext cx="0" cy="0"/>
+          <a:chOff x="0" y="0"/>
+          <a:chExt cx="0" cy="0"/>
+        </a:xfrm>
+      </p:grpSpPr>
+      <p:sp>
+        <p:nvSpPr>
+          <p:cNvPr id="2" name="Title 1">
+            <a:extLst>
+              <a:ext uri="{FF2B5EF4-FFF2-40B4-BE49-F238E27FC236}">
+                <a16:creationId xmlns:a16="http://schemas.microsoft.com/office/drawing/2014/main" id="{8AF065AF-5043-4B6E-88C0-928F4DFD1FE9}"/>
+              </a:ext>
+            </a:extLst>
+          </p:cNvPr>
+          <p:cNvSpPr>
+            <a:spLocks noGrp="1"/>
+          </p:cNvSpPr>
+          <p:nvPr>
+            <p:ph type="title"/>
+          </p:nvPr>
+        </p:nvSpPr>
+        <p:spPr/>
+        <p:txBody>
+          <a:bodyPr/>
+          <a:lstStyle/>
+          <a:p>
+            <a:endParaRPr lang="en-US"/>
+          </a:p>
+        </p:txBody>
+      </p:sp>
+      <p:sp>
+        <p:nvSpPr>
+          <p:cNvPr id="3" name="Content Placeholder 2">
+            <a:extLst>
+              <a:ext uri="{FF2B5EF4-FFF2-40B4-BE49-F238E27FC236}">
+                <a16:creationId xmlns:a16="http://schemas.microsoft.com/office/drawing/2014/main" id="{B3FA73A1-72C5-45A8-8C10-373B5B5590F3}"/>
+              </a:ext>
+            </a:extLst>
+          </p:cNvPr>
+          <p:cNvSpPr>
+            <a:spLocks noGrp="1"/>
+          </p:cNvSpPr>
+          <p:nvPr>
+            <p:ph idx="1"/>
+          </p:nvPr>
+        </p:nvSpPr>
+        <p:spPr/>
+        <p:txBody>
+          <a:bodyPr/>
+          <a:lstStyle/>
+          <a:p>
+            <a:endParaRPr lang="en-US"/>
+          </a:p>
+        </p:txBody>
+      </p:sp>
+    </p:spTree>
+    <p:extLst>
+      <p:ext uri="{BB962C8B-B14F-4D97-AF65-F5344CB8AC3E}">
+        <p14:creationId xmlns:p14="http://schemas.microsoft.com/office/powerpoint/2010/main" val="2104236711"/>
       </p:ext>
     </p:extLst>
   </p:cSld>
@@ -3820,38 +6982,6 @@
       </p:grpSpPr>
       <p:sp>
         <p:nvSpPr>
-          <p:cNvPr id="2" name="Title 1">
-            <a:extLst>
-              <a:ext uri="{FF2B5EF4-FFF2-40B4-BE49-F238E27FC236}">
-                <a16:creationId xmlns:a16="http://schemas.microsoft.com/office/drawing/2014/main" id="{46567AFB-0E56-4A02-B0BA-76FB2299E41C}"/>
-              </a:ext>
-            </a:extLst>
-          </p:cNvPr>
-          <p:cNvSpPr>
-            <a:spLocks noGrp="1"/>
-          </p:cNvSpPr>
-          <p:nvPr>
-            <p:ph type="title"/>
-          </p:nvPr>
-        </p:nvSpPr>
-        <p:spPr>
-          <a:xfrm>
-            <a:off x="838200" y="4142232"/>
-            <a:ext cx="10515600" cy="556832"/>
-          </a:xfrm>
-        </p:spPr>
-        <p:txBody>
-          <a:bodyPr>
-            <a:normAutofit fontScale="90000"/>
-          </a:bodyPr>
-          <a:lstStyle/>
-          <a:p>
-            <a:endParaRPr lang="en-US"/>
-          </a:p>
-        </p:txBody>
-      </p:sp>
-      <p:sp>
-        <p:nvSpPr>
           <p:cNvPr id="3" name="Content Placeholder 2">
             <a:extLst>
               <a:ext uri="{FF2B5EF4-FFF2-40B4-BE49-F238E27FC236}">
@@ -3868,8 +6998,8 @@
         </p:nvSpPr>
         <p:spPr>
           <a:xfrm>
-            <a:off x="445836" y="5221223"/>
-            <a:ext cx="10515600" cy="1156907"/>
+            <a:off x="0" y="532660"/>
+            <a:ext cx="4676580" cy="478241"/>
           </a:xfrm>
         </p:spPr>
         <p:txBody>
@@ -3885,10 +7015,10 @@
       </p:sp>
       <p:pic>
         <p:nvPicPr>
-          <p:cNvPr id="4" name="Picture 3">
-            <a:extLst>
-              <a:ext uri="{FF2B5EF4-FFF2-40B4-BE49-F238E27FC236}">
-                <a16:creationId xmlns:a16="http://schemas.microsoft.com/office/drawing/2014/main" id="{7AB4054C-5F77-4CE0-AC32-6306F06A7FEC}"/>
+          <p:cNvPr id="5" name="Picture 4">
+            <a:extLst>
+              <a:ext uri="{FF2B5EF4-FFF2-40B4-BE49-F238E27FC236}">
+                <a16:creationId xmlns:a16="http://schemas.microsoft.com/office/drawing/2014/main" id="{92062BCC-E153-4A50-9B0D-EE8E4B0999F8}"/>
               </a:ext>
             </a:extLst>
           </p:cNvPr>
@@ -3905,14 +7035,137 @@
         </p:blipFill>
         <p:spPr>
           <a:xfrm>
-            <a:off x="445836" y="47867"/>
-            <a:ext cx="4515480" cy="3953427"/>
+            <a:off x="656265" y="1469596"/>
+            <a:ext cx="4153480" cy="4007925"/>
           </a:xfrm>
           <a:prstGeom prst="rect">
             <a:avLst/>
           </a:prstGeom>
         </p:spPr>
       </p:pic>
+      <p:sp>
+        <p:nvSpPr>
+          <p:cNvPr id="6" name="TextBox 5">
+            <a:extLst>
+              <a:ext uri="{FF2B5EF4-FFF2-40B4-BE49-F238E27FC236}">
+                <a16:creationId xmlns:a16="http://schemas.microsoft.com/office/drawing/2014/main" id="{406CACAC-F4FE-43B3-BC14-12AE07954612}"/>
+              </a:ext>
+            </a:extLst>
+          </p:cNvPr>
+          <p:cNvSpPr txBox="1"/>
+          <p:nvPr/>
+        </p:nvSpPr>
+        <p:spPr>
+          <a:xfrm>
+            <a:off x="5603291" y="1376039"/>
+            <a:ext cx="2125196" cy="369332"/>
+          </a:xfrm>
+          <a:prstGeom prst="rect">
+            <a:avLst/>
+          </a:prstGeom>
+          <a:noFill/>
+        </p:spPr>
+        <p:txBody>
+          <a:bodyPr wrap="square" rtlCol="0">
+            <a:spAutoFit/>
+          </a:bodyPr>
+          <a:lstStyle/>
+          <a:p>
+            <a:r>
+              <a:rPr lang="en-US"/>
+              <a:t>Đặt tên cho Form.</a:t>
+            </a:r>
+          </a:p>
+        </p:txBody>
+      </p:sp>
+      <p:sp>
+        <p:nvSpPr>
+          <p:cNvPr id="7" name="Rectangle 6">
+            <a:extLst>
+              <a:ext uri="{FF2B5EF4-FFF2-40B4-BE49-F238E27FC236}">
+                <a16:creationId xmlns:a16="http://schemas.microsoft.com/office/drawing/2014/main" id="{58DC0C0F-79A7-4ED7-B335-F18529FE58EE}"/>
+              </a:ext>
+            </a:extLst>
+          </p:cNvPr>
+          <p:cNvSpPr/>
+          <p:nvPr/>
+        </p:nvSpPr>
+        <p:spPr>
+          <a:xfrm>
+            <a:off x="772357" y="2503503"/>
+            <a:ext cx="727969" cy="372862"/>
+          </a:xfrm>
+          <a:prstGeom prst="rect">
+            <a:avLst/>
+          </a:prstGeom>
+          <a:noFill/>
+        </p:spPr>
+        <p:style>
+          <a:lnRef idx="2">
+            <a:schemeClr val="accent2">
+              <a:shade val="50000"/>
+            </a:schemeClr>
+          </a:lnRef>
+          <a:fillRef idx="1">
+            <a:schemeClr val="accent2"/>
+          </a:fillRef>
+          <a:effectRef idx="0">
+            <a:schemeClr val="accent2"/>
+          </a:effectRef>
+          <a:fontRef idx="minor">
+            <a:schemeClr val="lt1"/>
+          </a:fontRef>
+        </p:style>
+        <p:txBody>
+          <a:bodyPr rtlCol="0" anchor="ctr"/>
+          <a:lstStyle/>
+          <a:p>
+            <a:pPr algn="ctr"/>
+            <a:endParaRPr lang="en-US"/>
+          </a:p>
+        </p:txBody>
+      </p:sp>
+      <p:cxnSp>
+        <p:nvCxnSpPr>
+          <p:cNvPr id="9" name="Straight Arrow Connector 8">
+            <a:extLst>
+              <a:ext uri="{FF2B5EF4-FFF2-40B4-BE49-F238E27FC236}">
+                <a16:creationId xmlns:a16="http://schemas.microsoft.com/office/drawing/2014/main" id="{351C26E5-23DB-4310-954B-1415E5B71D6E}"/>
+              </a:ext>
+            </a:extLst>
+          </p:cNvPr>
+          <p:cNvCxnSpPr>
+            <a:cxnSpLocks/>
+          </p:cNvCxnSpPr>
+          <p:nvPr/>
+        </p:nvCxnSpPr>
+        <p:spPr>
+          <a:xfrm flipV="1">
+            <a:off x="1535837" y="1624614"/>
+            <a:ext cx="4153480" cy="1091954"/>
+          </a:xfrm>
+          <a:prstGeom prst="straightConnector1">
+            <a:avLst/>
+          </a:prstGeom>
+          <a:ln>
+            <a:tailEnd type="triangle"/>
+          </a:ln>
+        </p:spPr>
+        <p:style>
+          <a:lnRef idx="1">
+            <a:schemeClr val="dk1"/>
+          </a:lnRef>
+          <a:fillRef idx="0">
+            <a:schemeClr val="dk1"/>
+          </a:fillRef>
+          <a:effectRef idx="0">
+            <a:schemeClr val="dk1"/>
+          </a:effectRef>
+          <a:fontRef idx="minor">
+            <a:schemeClr val="tx1"/>
+          </a:fontRef>
+        </p:style>
+      </p:cxnSp>
     </p:spTree>
     <p:extLst>
       <p:ext uri="{BB962C8B-B14F-4D97-AF65-F5344CB8AC3E}">
@@ -3943,56 +7196,539 @@
           <a:chExt cx="0" cy="0"/>
         </a:xfrm>
       </p:grpSpPr>
-      <p:sp>
-        <p:nvSpPr>
-          <p:cNvPr id="2" name="Title 1">
-            <a:extLst>
-              <a:ext uri="{FF2B5EF4-FFF2-40B4-BE49-F238E27FC236}">
-                <a16:creationId xmlns:a16="http://schemas.microsoft.com/office/drawing/2014/main" id="{640D4359-B74D-4002-88CE-99849AED98F2}"/>
-              </a:ext>
-            </a:extLst>
-          </p:cNvPr>
-          <p:cNvSpPr>
-            <a:spLocks noGrp="1"/>
-          </p:cNvSpPr>
-          <p:nvPr>
-            <p:ph type="title"/>
-          </p:nvPr>
-        </p:nvSpPr>
-        <p:spPr/>
-        <p:txBody>
-          <a:bodyPr/>
-          <a:lstStyle/>
-          <a:p>
+      <p:pic>
+        <p:nvPicPr>
+          <p:cNvPr id="4" name="Picture 3">
+            <a:extLst>
+              <a:ext uri="{FF2B5EF4-FFF2-40B4-BE49-F238E27FC236}">
+                <a16:creationId xmlns:a16="http://schemas.microsoft.com/office/drawing/2014/main" id="{0164A704-5C82-43B4-A8FA-4B7077079B4C}"/>
+              </a:ext>
+            </a:extLst>
+          </p:cNvPr>
+          <p:cNvPicPr>
+            <a:picLocks noChangeAspect="1"/>
+          </p:cNvPicPr>
+          <p:nvPr/>
+        </p:nvPicPr>
+        <p:blipFill>
+          <a:blip r:embed="rId2"/>
+          <a:stretch>
+            <a:fillRect/>
+          </a:stretch>
+        </p:blipFill>
+        <p:spPr>
+          <a:xfrm>
+            <a:off x="88777" y="1040907"/>
+            <a:ext cx="5663329" cy="3417903"/>
+          </a:xfrm>
+          <a:prstGeom prst="rect">
+            <a:avLst/>
+          </a:prstGeom>
+        </p:spPr>
+      </p:pic>
+      <p:sp>
+        <p:nvSpPr>
+          <p:cNvPr id="5" name="TextBox 4">
+            <a:extLst>
+              <a:ext uri="{FF2B5EF4-FFF2-40B4-BE49-F238E27FC236}">
+                <a16:creationId xmlns:a16="http://schemas.microsoft.com/office/drawing/2014/main" id="{BDCAFB31-56F7-4A2E-9D35-15D7EAE4A95F}"/>
+              </a:ext>
+            </a:extLst>
+          </p:cNvPr>
+          <p:cNvSpPr txBox="1"/>
+          <p:nvPr/>
+        </p:nvSpPr>
+        <p:spPr>
+          <a:xfrm>
+            <a:off x="372862" y="177553"/>
+            <a:ext cx="7705818" cy="369332"/>
+          </a:xfrm>
+          <a:prstGeom prst="rect">
+            <a:avLst/>
+          </a:prstGeom>
+          <a:noFill/>
+        </p:spPr>
+        <p:txBody>
+          <a:bodyPr wrap="square" rtlCol="0">
+            <a:spAutoFit/>
+          </a:bodyPr>
+          <a:lstStyle/>
+          <a:p>
+            <a:r>
+              <a:rPr lang="en-US"/>
+              <a:t>Muốn đ</a:t>
+            </a:r>
+            <a:r>
+              <a:rPr lang="vi-VN"/>
+              <a:t>ư</a:t>
+            </a:r>
+            <a:r>
+              <a:rPr lang="en-US"/>
+              <a:t>a ra phần để ng</a:t>
+            </a:r>
+            <a:r>
+              <a:rPr lang="vi-VN"/>
+              <a:t>ư</a:t>
+            </a:r>
+            <a:r>
+              <a:rPr lang="en-US"/>
+              <a:t>ời dùng điền họ và tên thì họ tên là “ văn bản ngắn”</a:t>
+            </a:r>
+          </a:p>
+        </p:txBody>
+      </p:sp>
+      <p:sp>
+        <p:nvSpPr>
+          <p:cNvPr id="6" name="TextBox 5">
+            <a:extLst>
+              <a:ext uri="{FF2B5EF4-FFF2-40B4-BE49-F238E27FC236}">
+                <a16:creationId xmlns:a16="http://schemas.microsoft.com/office/drawing/2014/main" id="{4CC6FA38-6449-4A87-9B61-67D9BCB5AADF}"/>
+              </a:ext>
+            </a:extLst>
+          </p:cNvPr>
+          <p:cNvSpPr txBox="1"/>
+          <p:nvPr/>
+        </p:nvSpPr>
+        <p:spPr>
+          <a:xfrm>
+            <a:off x="372863" y="2263806"/>
+            <a:ext cx="3817398" cy="369332"/>
+          </a:xfrm>
+          <a:prstGeom prst="rect">
+            <a:avLst/>
+          </a:prstGeom>
+          <a:noFill/>
+        </p:spPr>
+        <p:txBody>
+          <a:bodyPr wrap="square" rtlCol="0">
+            <a:spAutoFit/>
+          </a:bodyPr>
+          <a:lstStyle/>
+          <a:p>
+            <a:r>
+              <a:rPr lang="en-US"/>
+              <a:t>Chọn mục văn bản ngắn</a:t>
+            </a:r>
+          </a:p>
+        </p:txBody>
+      </p:sp>
+      <p:pic>
+        <p:nvPicPr>
+          <p:cNvPr id="7" name="Picture 6">
+            <a:extLst>
+              <a:ext uri="{FF2B5EF4-FFF2-40B4-BE49-F238E27FC236}">
+                <a16:creationId xmlns:a16="http://schemas.microsoft.com/office/drawing/2014/main" id="{EBFB75DB-4714-48BC-A22A-1B628D1AD90D}"/>
+              </a:ext>
+            </a:extLst>
+          </p:cNvPr>
+          <p:cNvPicPr>
+            <a:picLocks noChangeAspect="1"/>
+          </p:cNvPicPr>
+          <p:nvPr/>
+        </p:nvPicPr>
+        <p:blipFill>
+          <a:blip r:embed="rId3"/>
+          <a:stretch>
+            <a:fillRect/>
+          </a:stretch>
+        </p:blipFill>
+        <p:spPr>
+          <a:xfrm>
+            <a:off x="8162363" y="906926"/>
+            <a:ext cx="4029637" cy="3417903"/>
+          </a:xfrm>
+          <a:prstGeom prst="rect">
+            <a:avLst/>
+          </a:prstGeom>
+        </p:spPr>
+      </p:pic>
+      <p:cxnSp>
+        <p:nvCxnSpPr>
+          <p:cNvPr id="9" name="Straight Arrow Connector 8">
+            <a:extLst>
+              <a:ext uri="{FF2B5EF4-FFF2-40B4-BE49-F238E27FC236}">
+                <a16:creationId xmlns:a16="http://schemas.microsoft.com/office/drawing/2014/main" id="{A7B279D5-AA6B-4D98-BFCC-36AE9782D18B}"/>
+              </a:ext>
+            </a:extLst>
+          </p:cNvPr>
+          <p:cNvCxnSpPr>
+            <a:cxnSpLocks/>
+          </p:cNvCxnSpPr>
+          <p:nvPr/>
+        </p:nvCxnSpPr>
+        <p:spPr>
+          <a:xfrm>
+            <a:off x="5672829" y="1873033"/>
+            <a:ext cx="3027288" cy="0"/>
+          </a:xfrm>
+          <a:prstGeom prst="straightConnector1">
+            <a:avLst/>
+          </a:prstGeom>
+          <a:ln>
+            <a:tailEnd type="triangle"/>
+          </a:ln>
+        </p:spPr>
+        <p:style>
+          <a:lnRef idx="1">
+            <a:schemeClr val="dk1"/>
+          </a:lnRef>
+          <a:fillRef idx="0">
+            <a:schemeClr val="dk1"/>
+          </a:fillRef>
+          <a:effectRef idx="0">
+            <a:schemeClr val="dk1"/>
+          </a:effectRef>
+          <a:fontRef idx="minor">
+            <a:schemeClr val="tx1"/>
+          </a:fontRef>
+        </p:style>
+      </p:cxnSp>
+      <p:sp>
+        <p:nvSpPr>
+          <p:cNvPr id="10" name="TextBox 9">
+            <a:extLst>
+              <a:ext uri="{FF2B5EF4-FFF2-40B4-BE49-F238E27FC236}">
+                <a16:creationId xmlns:a16="http://schemas.microsoft.com/office/drawing/2014/main" id="{768246F5-4DB5-4FFB-8D3D-8D31851093B0}"/>
+              </a:ext>
+            </a:extLst>
+          </p:cNvPr>
+          <p:cNvSpPr txBox="1"/>
+          <p:nvPr/>
+        </p:nvSpPr>
+        <p:spPr>
+          <a:xfrm>
+            <a:off x="6005742" y="1503701"/>
+            <a:ext cx="2148397" cy="369332"/>
+          </a:xfrm>
+          <a:prstGeom prst="rect">
+            <a:avLst/>
+          </a:prstGeom>
+          <a:noFill/>
+        </p:spPr>
+        <p:txBody>
+          <a:bodyPr wrap="square" rtlCol="0">
+            <a:spAutoFit/>
+          </a:bodyPr>
+          <a:lstStyle/>
+          <a:p>
+            <a:r>
+              <a:rPr lang="en-US"/>
+              <a:t>Chọn mục bắt buộc </a:t>
+            </a:r>
+          </a:p>
+        </p:txBody>
+      </p:sp>
+      <p:cxnSp>
+        <p:nvCxnSpPr>
+          <p:cNvPr id="12" name="Straight Arrow Connector 11">
+            <a:extLst>
+              <a:ext uri="{FF2B5EF4-FFF2-40B4-BE49-F238E27FC236}">
+                <a16:creationId xmlns:a16="http://schemas.microsoft.com/office/drawing/2014/main" id="{55BE8AC9-F293-45D9-9415-8F8A74154E38}"/>
+              </a:ext>
+            </a:extLst>
+          </p:cNvPr>
+          <p:cNvCxnSpPr>
+            <a:cxnSpLocks/>
+          </p:cNvCxnSpPr>
+          <p:nvPr/>
+        </p:nvCxnSpPr>
+        <p:spPr>
+          <a:xfrm flipH="1">
+            <a:off x="7741328" y="1961965"/>
+            <a:ext cx="1634971" cy="1029810"/>
+          </a:xfrm>
+          <a:prstGeom prst="straightConnector1">
+            <a:avLst/>
+          </a:prstGeom>
+          <a:ln>
+            <a:tailEnd type="triangle"/>
+          </a:ln>
+        </p:spPr>
+        <p:style>
+          <a:lnRef idx="1">
+            <a:schemeClr val="dk1"/>
+          </a:lnRef>
+          <a:fillRef idx="0">
+            <a:schemeClr val="dk1"/>
+          </a:fillRef>
+          <a:effectRef idx="0">
+            <a:schemeClr val="dk1"/>
+          </a:effectRef>
+          <a:fontRef idx="minor">
+            <a:schemeClr val="tx1"/>
+          </a:fontRef>
+        </p:style>
+      </p:cxnSp>
+      <p:sp>
+        <p:nvSpPr>
+          <p:cNvPr id="14" name="TextBox 13">
+            <a:extLst>
+              <a:ext uri="{FF2B5EF4-FFF2-40B4-BE49-F238E27FC236}">
+                <a16:creationId xmlns:a16="http://schemas.microsoft.com/office/drawing/2014/main" id="{A302156E-2905-4096-B25B-700274A13E84}"/>
+              </a:ext>
+            </a:extLst>
+          </p:cNvPr>
+          <p:cNvSpPr txBox="1"/>
+          <p:nvPr/>
+        </p:nvSpPr>
+        <p:spPr>
+          <a:xfrm>
+            <a:off x="5988315" y="2394907"/>
+            <a:ext cx="1748901" cy="923330"/>
+          </a:xfrm>
+          <a:prstGeom prst="rect">
+            <a:avLst/>
+          </a:prstGeom>
+          <a:noFill/>
+        </p:spPr>
+        <p:txBody>
+          <a:bodyPr wrap="square" rtlCol="0">
+            <a:spAutoFit/>
+          </a:bodyPr>
+          <a:lstStyle/>
+          <a:p>
+            <a:r>
+              <a:rPr lang="en-US"/>
+              <a:t>Tên ô để phân biệt, ô Form này với ô Form khác.</a:t>
+            </a:r>
+          </a:p>
+        </p:txBody>
+      </p:sp>
+      <p:sp>
+        <p:nvSpPr>
+          <p:cNvPr id="17" name="Rectangle 16">
+            <a:extLst>
+              <a:ext uri="{FF2B5EF4-FFF2-40B4-BE49-F238E27FC236}">
+                <a16:creationId xmlns:a16="http://schemas.microsoft.com/office/drawing/2014/main" id="{51AFE133-B740-4113-9B8A-A87DAFDDF07B}"/>
+              </a:ext>
+            </a:extLst>
+          </p:cNvPr>
+          <p:cNvSpPr/>
+          <p:nvPr/>
+        </p:nvSpPr>
+        <p:spPr>
+          <a:xfrm>
+            <a:off x="11070454" y="3826275"/>
+            <a:ext cx="887767" cy="346229"/>
+          </a:xfrm>
+          <a:prstGeom prst="rect">
+            <a:avLst/>
+          </a:prstGeom>
+          <a:noFill/>
+        </p:spPr>
+        <p:style>
+          <a:lnRef idx="2">
+            <a:schemeClr val="accent2">
+              <a:shade val="50000"/>
+            </a:schemeClr>
+          </a:lnRef>
+          <a:fillRef idx="1">
+            <a:schemeClr val="accent2"/>
+          </a:fillRef>
+          <a:effectRef idx="0">
+            <a:schemeClr val="accent2"/>
+          </a:effectRef>
+          <a:fontRef idx="minor">
+            <a:schemeClr val="lt1"/>
+          </a:fontRef>
+        </p:style>
+        <p:txBody>
+          <a:bodyPr rtlCol="0" anchor="ctr"/>
+          <a:lstStyle/>
+          <a:p>
+            <a:pPr algn="ctr"/>
             <a:endParaRPr lang="en-US"/>
           </a:p>
         </p:txBody>
       </p:sp>
-      <p:sp>
-        <p:nvSpPr>
-          <p:cNvPr id="3" name="Content Placeholder 2">
-            <a:extLst>
-              <a:ext uri="{FF2B5EF4-FFF2-40B4-BE49-F238E27FC236}">
-                <a16:creationId xmlns:a16="http://schemas.microsoft.com/office/drawing/2014/main" id="{F7445DF3-175F-458F-A877-6CF6346D0E4C}"/>
-              </a:ext>
-            </a:extLst>
-          </p:cNvPr>
-          <p:cNvSpPr>
-            <a:spLocks noGrp="1"/>
-          </p:cNvSpPr>
-          <p:nvPr>
-            <p:ph idx="1"/>
-          </p:nvPr>
-        </p:nvSpPr>
-        <p:spPr/>
-        <p:txBody>
-          <a:bodyPr/>
-          <a:lstStyle/>
-          <a:p>
-            <a:endParaRPr lang="en-US"/>
-          </a:p>
-        </p:txBody>
-      </p:sp>
+      <p:cxnSp>
+        <p:nvCxnSpPr>
+          <p:cNvPr id="19" name="Straight Arrow Connector 18">
+            <a:extLst>
+              <a:ext uri="{FF2B5EF4-FFF2-40B4-BE49-F238E27FC236}">
+                <a16:creationId xmlns:a16="http://schemas.microsoft.com/office/drawing/2014/main" id="{3CE5D224-7B3C-4C8E-A5FF-04B5755B55E5}"/>
+              </a:ext>
+            </a:extLst>
+          </p:cNvPr>
+          <p:cNvCxnSpPr>
+            <a:cxnSpLocks/>
+          </p:cNvCxnSpPr>
+          <p:nvPr/>
+        </p:nvCxnSpPr>
+        <p:spPr>
+          <a:xfrm flipH="1">
+            <a:off x="10724225" y="4201358"/>
+            <a:ext cx="346229" cy="503808"/>
+          </a:xfrm>
+          <a:prstGeom prst="straightConnector1">
+            <a:avLst/>
+          </a:prstGeom>
+          <a:ln>
+            <a:tailEnd type="triangle"/>
+          </a:ln>
+        </p:spPr>
+        <p:style>
+          <a:lnRef idx="1">
+            <a:schemeClr val="dk1"/>
+          </a:lnRef>
+          <a:fillRef idx="0">
+            <a:schemeClr val="dk1"/>
+          </a:fillRef>
+          <a:effectRef idx="0">
+            <a:schemeClr val="dk1"/>
+          </a:effectRef>
+          <a:fontRef idx="minor">
+            <a:schemeClr val="tx1"/>
+          </a:fontRef>
+        </p:style>
+      </p:cxnSp>
+      <p:sp>
+        <p:nvSpPr>
+          <p:cNvPr id="20" name="TextBox 19">
+            <a:extLst>
+              <a:ext uri="{FF2B5EF4-FFF2-40B4-BE49-F238E27FC236}">
+                <a16:creationId xmlns:a16="http://schemas.microsoft.com/office/drawing/2014/main" id="{FC541DF2-2C02-491B-8238-D6E1875929B4}"/>
+              </a:ext>
+            </a:extLst>
+          </p:cNvPr>
+          <p:cNvSpPr txBox="1"/>
+          <p:nvPr/>
+        </p:nvSpPr>
+        <p:spPr>
+          <a:xfrm>
+            <a:off x="9081856" y="4705166"/>
+            <a:ext cx="3045041" cy="369332"/>
+          </a:xfrm>
+          <a:prstGeom prst="rect">
+            <a:avLst/>
+          </a:prstGeom>
+          <a:noFill/>
+        </p:spPr>
+        <p:txBody>
+          <a:bodyPr wrap="square" rtlCol="0">
+            <a:spAutoFit/>
+          </a:bodyPr>
+          <a:lstStyle/>
+          <a:p>
+            <a:r>
+              <a:rPr lang="en-US"/>
+              <a:t>Sau đó nhấn vào chuyển Form</a:t>
+            </a:r>
+          </a:p>
+        </p:txBody>
+      </p:sp>
+      <p:pic>
+        <p:nvPicPr>
+          <p:cNvPr id="23" name="Picture 22">
+            <a:extLst>
+              <a:ext uri="{FF2B5EF4-FFF2-40B4-BE49-F238E27FC236}">
+                <a16:creationId xmlns:a16="http://schemas.microsoft.com/office/drawing/2014/main" id="{53AD56F3-2EBE-4A87-B9DA-CCE72FE5475B}"/>
+              </a:ext>
+            </a:extLst>
+          </p:cNvPr>
+          <p:cNvPicPr>
+            <a:picLocks noChangeAspect="1"/>
+          </p:cNvPicPr>
+          <p:nvPr/>
+        </p:nvPicPr>
+        <p:blipFill>
+          <a:blip r:embed="rId4"/>
+          <a:stretch>
+            <a:fillRect/>
+          </a:stretch>
+        </p:blipFill>
+        <p:spPr>
+          <a:xfrm>
+            <a:off x="2969267" y="5125450"/>
+            <a:ext cx="2267266" cy="1225119"/>
+          </a:xfrm>
+          <a:prstGeom prst="rect">
+            <a:avLst/>
+          </a:prstGeom>
+        </p:spPr>
+      </p:pic>
+      <p:sp>
+        <p:nvSpPr>
+          <p:cNvPr id="24" name="TextBox 23">
+            <a:extLst>
+              <a:ext uri="{FF2B5EF4-FFF2-40B4-BE49-F238E27FC236}">
+                <a16:creationId xmlns:a16="http://schemas.microsoft.com/office/drawing/2014/main" id="{1828B4EA-D205-4CA5-93FC-4DA9E13ED54E}"/>
+              </a:ext>
+            </a:extLst>
+          </p:cNvPr>
+          <p:cNvSpPr txBox="1"/>
+          <p:nvPr/>
+        </p:nvSpPr>
+        <p:spPr>
+          <a:xfrm>
+            <a:off x="2281562" y="6350569"/>
+            <a:ext cx="4216893" cy="369332"/>
+          </a:xfrm>
+          <a:prstGeom prst="rect">
+            <a:avLst/>
+          </a:prstGeom>
+          <a:noFill/>
+        </p:spPr>
+        <p:txBody>
+          <a:bodyPr wrap="square" rtlCol="0">
+            <a:spAutoFit/>
+          </a:bodyPr>
+          <a:lstStyle/>
+          <a:p>
+            <a:r>
+              <a:rPr lang="en-US"/>
+              <a:t>Đã có một ô để ng</a:t>
+            </a:r>
+            <a:r>
+              <a:rPr lang="vi-VN"/>
+              <a:t>ư</a:t>
+            </a:r>
+            <a:r>
+              <a:rPr lang="en-US"/>
+              <a:t>ời dung điền họ và tên.</a:t>
+            </a:r>
+          </a:p>
+        </p:txBody>
+      </p:sp>
+      <p:cxnSp>
+        <p:nvCxnSpPr>
+          <p:cNvPr id="26" name="Straight Arrow Connector 25">
+            <a:extLst>
+              <a:ext uri="{FF2B5EF4-FFF2-40B4-BE49-F238E27FC236}">
+                <a16:creationId xmlns:a16="http://schemas.microsoft.com/office/drawing/2014/main" id="{B8CA950D-C68A-44BF-BED3-F43D1A060FBC}"/>
+              </a:ext>
+            </a:extLst>
+          </p:cNvPr>
+          <p:cNvCxnSpPr/>
+          <p:nvPr/>
+        </p:nvCxnSpPr>
+        <p:spPr>
+          <a:xfrm flipH="1">
+            <a:off x="5236533" y="3999389"/>
+            <a:ext cx="5585347" cy="1531399"/>
+          </a:xfrm>
+          <a:prstGeom prst="straightConnector1">
+            <a:avLst/>
+          </a:prstGeom>
+          <a:ln>
+            <a:tailEnd type="triangle"/>
+          </a:ln>
+        </p:spPr>
+        <p:style>
+          <a:lnRef idx="1">
+            <a:schemeClr val="dk1"/>
+          </a:lnRef>
+          <a:fillRef idx="0">
+            <a:schemeClr val="dk1"/>
+          </a:fillRef>
+          <a:effectRef idx="0">
+            <a:schemeClr val="dk1"/>
+          </a:effectRef>
+          <a:fontRef idx="minor">
+            <a:schemeClr val="tx1"/>
+          </a:fontRef>
+        </p:style>
+      </p:cxnSp>
     </p:spTree>
     <p:extLst>
       <p:ext uri="{BB962C8B-B14F-4D97-AF65-F5344CB8AC3E}">
@@ -4023,45 +7759,12 @@
           <a:chExt cx="0" cy="0"/>
         </a:xfrm>
       </p:grpSpPr>
-      <p:sp>
-        <p:nvSpPr>
-          <p:cNvPr id="2" name="Title 1">
-            <a:extLst>
-              <a:ext uri="{FF2B5EF4-FFF2-40B4-BE49-F238E27FC236}">
-                <a16:creationId xmlns:a16="http://schemas.microsoft.com/office/drawing/2014/main" id="{6B17A385-4673-4632-8B0A-23B9469534F1}"/>
-              </a:ext>
-            </a:extLst>
-          </p:cNvPr>
-          <p:cNvSpPr>
-            <a:spLocks noGrp="1"/>
-          </p:cNvSpPr>
-          <p:nvPr>
-            <p:ph type="title"/>
-          </p:nvPr>
-        </p:nvSpPr>
-        <p:spPr>
-          <a:xfrm>
-            <a:off x="0" y="0"/>
-            <a:ext cx="8234779" cy="806727"/>
-          </a:xfrm>
-        </p:spPr>
-        <p:txBody>
-          <a:bodyPr/>
-          <a:lstStyle/>
-          <a:p>
-            <a:r>
-              <a:rPr lang="en-US"/>
-              <a:t>Vào trong mục danh sách Form</a:t>
-            </a:r>
-          </a:p>
-        </p:txBody>
-      </p:sp>
       <p:pic>
         <p:nvPicPr>
           <p:cNvPr id="4" name="Picture 3">
             <a:extLst>
               <a:ext uri="{FF2B5EF4-FFF2-40B4-BE49-F238E27FC236}">
-                <a16:creationId xmlns:a16="http://schemas.microsoft.com/office/drawing/2014/main" id="{6F72CD04-B113-4D8D-BF36-D8F9DA36DA17}"/>
+                <a16:creationId xmlns:a16="http://schemas.microsoft.com/office/drawing/2014/main" id="{D4F0DADB-C147-43C9-A799-614946B56345}"/>
               </a:ext>
             </a:extLst>
           </p:cNvPr>
@@ -4078,8 +7781,150 @@
         </p:blipFill>
         <p:spPr>
           <a:xfrm>
-            <a:off x="980243" y="1239698"/>
-            <a:ext cx="4435136" cy="3429955"/>
+            <a:off x="124287" y="756175"/>
+            <a:ext cx="3105583" cy="1581371"/>
+          </a:xfrm>
+          <a:prstGeom prst="rect">
+            <a:avLst/>
+          </a:prstGeom>
+        </p:spPr>
+      </p:pic>
+      <p:sp>
+        <p:nvSpPr>
+          <p:cNvPr id="5" name="TextBox 4">
+            <a:extLst>
+              <a:ext uri="{FF2B5EF4-FFF2-40B4-BE49-F238E27FC236}">
+                <a16:creationId xmlns:a16="http://schemas.microsoft.com/office/drawing/2014/main" id="{0BD27CF0-D40E-44AE-96DB-9A8AA8365A3D}"/>
+              </a:ext>
+            </a:extLst>
+          </p:cNvPr>
+          <p:cNvSpPr txBox="1"/>
+          <p:nvPr/>
+        </p:nvSpPr>
+        <p:spPr>
+          <a:xfrm>
+            <a:off x="275208" y="108225"/>
+            <a:ext cx="3201080" cy="369332"/>
+          </a:xfrm>
+          <a:prstGeom prst="rect">
+            <a:avLst/>
+          </a:prstGeom>
+          <a:noFill/>
+        </p:spPr>
+        <p:txBody>
+          <a:bodyPr wrap="square" rtlCol="0">
+            <a:spAutoFit/>
+          </a:bodyPr>
+          <a:lstStyle/>
+          <a:p>
+            <a:r>
+              <a:rPr lang="en-US"/>
+              <a:t>Tạo ra ô điền số điện thoại:</a:t>
+            </a:r>
+          </a:p>
+        </p:txBody>
+      </p:sp>
+      <p:cxnSp>
+        <p:nvCxnSpPr>
+          <p:cNvPr id="7" name="Straight Arrow Connector 6">
+            <a:extLst>
+              <a:ext uri="{FF2B5EF4-FFF2-40B4-BE49-F238E27FC236}">
+                <a16:creationId xmlns:a16="http://schemas.microsoft.com/office/drawing/2014/main" id="{E4FF52DA-3F34-414B-9E03-5207811825E5}"/>
+              </a:ext>
+            </a:extLst>
+          </p:cNvPr>
+          <p:cNvCxnSpPr>
+            <a:cxnSpLocks/>
+            <a:endCxn id="9" idx="1"/>
+          </p:cNvCxnSpPr>
+          <p:nvPr/>
+        </p:nvCxnSpPr>
+        <p:spPr>
+          <a:xfrm>
+            <a:off x="1997475" y="1029237"/>
+            <a:ext cx="3417903" cy="332958"/>
+          </a:xfrm>
+          <a:prstGeom prst="straightConnector1">
+            <a:avLst/>
+          </a:prstGeom>
+          <a:ln>
+            <a:tailEnd type="triangle"/>
+          </a:ln>
+        </p:spPr>
+        <p:style>
+          <a:lnRef idx="1">
+            <a:schemeClr val="dk1"/>
+          </a:lnRef>
+          <a:fillRef idx="0">
+            <a:schemeClr val="dk1"/>
+          </a:fillRef>
+          <a:effectRef idx="0">
+            <a:schemeClr val="dk1"/>
+          </a:effectRef>
+          <a:fontRef idx="minor">
+            <a:schemeClr val="tx1"/>
+          </a:fontRef>
+        </p:style>
+      </p:cxnSp>
+      <p:sp>
+        <p:nvSpPr>
+          <p:cNvPr id="9" name="TextBox 8">
+            <a:extLst>
+              <a:ext uri="{FF2B5EF4-FFF2-40B4-BE49-F238E27FC236}">
+                <a16:creationId xmlns:a16="http://schemas.microsoft.com/office/drawing/2014/main" id="{8B1EFD9C-97AC-4945-BFF3-A6ABF9E3D8F8}"/>
+              </a:ext>
+            </a:extLst>
+          </p:cNvPr>
+          <p:cNvSpPr txBox="1"/>
+          <p:nvPr/>
+        </p:nvSpPr>
+        <p:spPr>
+          <a:xfrm>
+            <a:off x="5415378" y="1177529"/>
+            <a:ext cx="5264459" cy="369332"/>
+          </a:xfrm>
+          <a:prstGeom prst="rect">
+            <a:avLst/>
+          </a:prstGeom>
+          <a:noFill/>
+        </p:spPr>
+        <p:txBody>
+          <a:bodyPr wrap="square" rtlCol="0">
+            <a:spAutoFit/>
+          </a:bodyPr>
+          <a:lstStyle/>
+          <a:p>
+            <a:r>
+              <a:rPr lang="en-US"/>
+              <a:t>Ô này phải điền đúng định dạng của số điện thoại.</a:t>
+            </a:r>
+          </a:p>
+        </p:txBody>
+      </p:sp>
+      <p:pic>
+        <p:nvPicPr>
+          <p:cNvPr id="12" name="Picture 11">
+            <a:extLst>
+              <a:ext uri="{FF2B5EF4-FFF2-40B4-BE49-F238E27FC236}">
+                <a16:creationId xmlns:a16="http://schemas.microsoft.com/office/drawing/2014/main" id="{EA958266-9614-49FB-8E8B-E70252CC8592}"/>
+              </a:ext>
+            </a:extLst>
+          </p:cNvPr>
+          <p:cNvPicPr>
+            <a:picLocks noChangeAspect="1"/>
+          </p:cNvPicPr>
+          <p:nvPr/>
+        </p:nvPicPr>
+        <p:blipFill>
+          <a:blip r:embed="rId3"/>
+          <a:stretch>
+            <a:fillRect/>
+          </a:stretch>
+        </p:blipFill>
+        <p:spPr>
+          <a:xfrm>
+            <a:off x="124287" y="3338004"/>
+            <a:ext cx="3991532" cy="3071674"/>
           </a:xfrm>
           <a:prstGeom prst="rect">
             <a:avLst/>
@@ -4089,7 +7934,7 @@
     </p:spTree>
     <p:extLst>
       <p:ext uri="{BB962C8B-B14F-4D97-AF65-F5344CB8AC3E}">
-        <p14:creationId xmlns:p14="http://schemas.microsoft.com/office/powerpoint/2010/main" val="3625803650"/>
+        <p14:creationId xmlns:p14="http://schemas.microsoft.com/office/powerpoint/2010/main" val="97538270"/>
       </p:ext>
     </p:extLst>
   </p:cSld>
@@ -4116,60 +7961,151 @@
           <a:chExt cx="0" cy="0"/>
         </a:xfrm>
       </p:grpSpPr>
-      <p:sp>
-        <p:nvSpPr>
-          <p:cNvPr id="2" name="Title 1">
-            <a:extLst>
-              <a:ext uri="{FF2B5EF4-FFF2-40B4-BE49-F238E27FC236}">
-                <a16:creationId xmlns:a16="http://schemas.microsoft.com/office/drawing/2014/main" id="{8A34DCBE-5B51-411F-A520-CEBB7A284E6A}"/>
-              </a:ext>
-            </a:extLst>
-          </p:cNvPr>
-          <p:cNvSpPr>
-            <a:spLocks noGrp="1"/>
-          </p:cNvSpPr>
-          <p:nvPr>
-            <p:ph type="title"/>
-          </p:nvPr>
-        </p:nvSpPr>
-        <p:spPr/>
-        <p:txBody>
-          <a:bodyPr/>
-          <a:lstStyle/>
-          <a:p>
-            <a:endParaRPr lang="en-US"/>
-          </a:p>
-        </p:txBody>
-      </p:sp>
-      <p:sp>
-        <p:nvSpPr>
-          <p:cNvPr id="3" name="Content Placeholder 2">
-            <a:extLst>
-              <a:ext uri="{FF2B5EF4-FFF2-40B4-BE49-F238E27FC236}">
-                <a16:creationId xmlns:a16="http://schemas.microsoft.com/office/drawing/2014/main" id="{5F32DBB4-E29D-421D-865E-8117B9B7D01C}"/>
-              </a:ext>
-            </a:extLst>
-          </p:cNvPr>
-          <p:cNvSpPr>
-            <a:spLocks noGrp="1"/>
-          </p:cNvSpPr>
-          <p:nvPr>
-            <p:ph idx="1"/>
-          </p:nvPr>
-        </p:nvSpPr>
-        <p:spPr/>
-        <p:txBody>
-          <a:bodyPr/>
-          <a:lstStyle/>
-          <a:p>
-            <a:endParaRPr lang="en-US"/>
+      <p:pic>
+        <p:nvPicPr>
+          <p:cNvPr id="4" name="Picture 3">
+            <a:extLst>
+              <a:ext uri="{FF2B5EF4-FFF2-40B4-BE49-F238E27FC236}">
+                <a16:creationId xmlns:a16="http://schemas.microsoft.com/office/drawing/2014/main" id="{4B0719EC-D08C-4319-9191-262AAC1E3AC7}"/>
+              </a:ext>
+            </a:extLst>
+          </p:cNvPr>
+          <p:cNvPicPr>
+            <a:picLocks noChangeAspect="1"/>
+          </p:cNvPicPr>
+          <p:nvPr/>
+        </p:nvPicPr>
+        <p:blipFill>
+          <a:blip r:embed="rId2"/>
+          <a:stretch>
+            <a:fillRect/>
+          </a:stretch>
+        </p:blipFill>
+        <p:spPr>
+          <a:xfrm>
+            <a:off x="1062905" y="1455307"/>
+            <a:ext cx="7157817" cy="4226401"/>
+          </a:xfrm>
+          <a:prstGeom prst="rect">
+            <a:avLst/>
+          </a:prstGeom>
+        </p:spPr>
+      </p:pic>
+      <p:sp>
+        <p:nvSpPr>
+          <p:cNvPr id="5" name="TextBox 4">
+            <a:extLst>
+              <a:ext uri="{FF2B5EF4-FFF2-40B4-BE49-F238E27FC236}">
+                <a16:creationId xmlns:a16="http://schemas.microsoft.com/office/drawing/2014/main" id="{DE8EA69F-FD47-449F-A47A-C9BA268CA91F}"/>
+              </a:ext>
+            </a:extLst>
+          </p:cNvPr>
+          <p:cNvSpPr txBox="1"/>
+          <p:nvPr/>
+        </p:nvSpPr>
+        <p:spPr>
+          <a:xfrm>
+            <a:off x="745723" y="589458"/>
+            <a:ext cx="8629096" cy="369332"/>
+          </a:xfrm>
+          <a:prstGeom prst="rect">
+            <a:avLst/>
+          </a:prstGeom>
+          <a:noFill/>
+        </p:spPr>
+        <p:txBody>
+          <a:bodyPr wrap="square" rtlCol="0">
+            <a:spAutoFit/>
+          </a:bodyPr>
+          <a:lstStyle/>
+          <a:p>
+            <a:r>
+              <a:rPr lang="en-US"/>
+              <a:t>Nếu chọn mục Email thì yêu cầu sẽ nhập đúng định dạng Email, không thì sẽ báo lỗi.</a:t>
+            </a:r>
+          </a:p>
+        </p:txBody>
+      </p:sp>
+      <p:cxnSp>
+        <p:nvCxnSpPr>
+          <p:cNvPr id="7" name="Straight Arrow Connector 6">
+            <a:extLst>
+              <a:ext uri="{FF2B5EF4-FFF2-40B4-BE49-F238E27FC236}">
+                <a16:creationId xmlns:a16="http://schemas.microsoft.com/office/drawing/2014/main" id="{9FC6406E-D004-4018-B43C-C3FDDDE1159A}"/>
+              </a:ext>
+            </a:extLst>
+          </p:cNvPr>
+          <p:cNvCxnSpPr>
+            <a:cxnSpLocks/>
+          </p:cNvCxnSpPr>
+          <p:nvPr/>
+        </p:nvCxnSpPr>
+        <p:spPr>
+          <a:xfrm flipV="1">
+            <a:off x="5628443" y="2032986"/>
+            <a:ext cx="2876365" cy="230820"/>
+          </a:xfrm>
+          <a:prstGeom prst="straightConnector1">
+            <a:avLst/>
+          </a:prstGeom>
+          <a:ln>
+            <a:tailEnd type="triangle"/>
+          </a:ln>
+        </p:spPr>
+        <p:style>
+          <a:lnRef idx="1">
+            <a:schemeClr val="dk1"/>
+          </a:lnRef>
+          <a:fillRef idx="0">
+            <a:schemeClr val="dk1"/>
+          </a:fillRef>
+          <a:effectRef idx="0">
+            <a:schemeClr val="dk1"/>
+          </a:effectRef>
+          <a:fontRef idx="minor">
+            <a:schemeClr val="tx1"/>
+          </a:fontRef>
+        </p:style>
+      </p:cxnSp>
+      <p:sp>
+        <p:nvSpPr>
+          <p:cNvPr id="8" name="TextBox 7">
+            <a:extLst>
+              <a:ext uri="{FF2B5EF4-FFF2-40B4-BE49-F238E27FC236}">
+                <a16:creationId xmlns:a16="http://schemas.microsoft.com/office/drawing/2014/main" id="{008FF189-8527-49A1-AF15-25CF7F8BB662}"/>
+              </a:ext>
+            </a:extLst>
+          </p:cNvPr>
+          <p:cNvSpPr txBox="1"/>
+          <p:nvPr/>
+        </p:nvSpPr>
+        <p:spPr>
+          <a:xfrm>
+            <a:off x="8593584" y="1779064"/>
+            <a:ext cx="3178206" cy="369332"/>
+          </a:xfrm>
+          <a:prstGeom prst="rect">
+            <a:avLst/>
+          </a:prstGeom>
+          <a:noFill/>
+        </p:spPr>
+        <p:txBody>
+          <a:bodyPr wrap="square" rtlCol="0">
+            <a:spAutoFit/>
+          </a:bodyPr>
+          <a:lstStyle/>
+          <a:p>
+            <a:r>
+              <a:rPr lang="en-US"/>
+              <a:t>Không cần bắt buộc phải điền</a:t>
+            </a:r>
           </a:p>
         </p:txBody>
       </p:sp>
     </p:spTree>
     <p:extLst>
       <p:ext uri="{BB962C8B-B14F-4D97-AF65-F5344CB8AC3E}">
-        <p14:creationId xmlns:p14="http://schemas.microsoft.com/office/powerpoint/2010/main" val="4086854235"/>
+        <p14:creationId xmlns:p14="http://schemas.microsoft.com/office/powerpoint/2010/main" val="3229779498"/>
       </p:ext>
     </p:extLst>
   </p:cSld>
@@ -4196,52 +8132,185 @@
           <a:chExt cx="0" cy="0"/>
         </a:xfrm>
       </p:grpSpPr>
-      <p:sp>
-        <p:nvSpPr>
-          <p:cNvPr id="2" name="Title 1">
-            <a:extLst>
-              <a:ext uri="{FF2B5EF4-FFF2-40B4-BE49-F238E27FC236}">
-                <a16:creationId xmlns:a16="http://schemas.microsoft.com/office/drawing/2014/main" id="{A77C0BEC-1B96-40CA-9413-217915663E53}"/>
-              </a:ext>
-            </a:extLst>
-          </p:cNvPr>
-          <p:cNvSpPr>
-            <a:spLocks noGrp="1"/>
-          </p:cNvSpPr>
-          <p:nvPr>
-            <p:ph type="title"/>
-          </p:nvPr>
-        </p:nvSpPr>
-        <p:spPr/>
-        <p:txBody>
-          <a:bodyPr/>
-          <a:lstStyle/>
-          <a:p>
-            <a:endParaRPr lang="en-US"/>
-          </a:p>
-        </p:txBody>
-      </p:sp>
-      <p:sp>
-        <p:nvSpPr>
-          <p:cNvPr id="3" name="Content Placeholder 2">
-            <a:extLst>
-              <a:ext uri="{FF2B5EF4-FFF2-40B4-BE49-F238E27FC236}">
-                <a16:creationId xmlns:a16="http://schemas.microsoft.com/office/drawing/2014/main" id="{0BDCA4F4-0026-484E-9211-2377D520BE48}"/>
-              </a:ext>
-            </a:extLst>
-          </p:cNvPr>
-          <p:cNvSpPr>
-            <a:spLocks noGrp="1"/>
-          </p:cNvSpPr>
-          <p:nvPr>
-            <p:ph idx="1"/>
-          </p:nvPr>
-        </p:nvSpPr>
-        <p:spPr/>
-        <p:txBody>
-          <a:bodyPr/>
-          <a:lstStyle/>
-          <a:p>
+      <p:pic>
+        <p:nvPicPr>
+          <p:cNvPr id="4" name="Picture 3">
+            <a:extLst>
+              <a:ext uri="{FF2B5EF4-FFF2-40B4-BE49-F238E27FC236}">
+                <a16:creationId xmlns:a16="http://schemas.microsoft.com/office/drawing/2014/main" id="{C8ADF7D4-8351-483D-B792-1163DF9CAA65}"/>
+              </a:ext>
+            </a:extLst>
+          </p:cNvPr>
+          <p:cNvPicPr>
+            <a:picLocks noChangeAspect="1"/>
+          </p:cNvPicPr>
+          <p:nvPr/>
+        </p:nvPicPr>
+        <p:blipFill>
+          <a:blip r:embed="rId2"/>
+          <a:stretch>
+            <a:fillRect/>
+          </a:stretch>
+        </p:blipFill>
+        <p:spPr>
+          <a:xfrm>
+            <a:off x="133165" y="156167"/>
+            <a:ext cx="4545367" cy="2497802"/>
+          </a:xfrm>
+          <a:prstGeom prst="rect">
+            <a:avLst/>
+          </a:prstGeom>
+        </p:spPr>
+      </p:pic>
+      <p:pic>
+        <p:nvPicPr>
+          <p:cNvPr id="5" name="Picture 4">
+            <a:extLst>
+              <a:ext uri="{FF2B5EF4-FFF2-40B4-BE49-F238E27FC236}">
+                <a16:creationId xmlns:a16="http://schemas.microsoft.com/office/drawing/2014/main" id="{C0C1D715-4CA5-4F0E-AF7C-2CFF65860541}"/>
+              </a:ext>
+            </a:extLst>
+          </p:cNvPr>
+          <p:cNvPicPr>
+            <a:picLocks noChangeAspect="1"/>
+          </p:cNvPicPr>
+          <p:nvPr/>
+        </p:nvPicPr>
+        <p:blipFill>
+          <a:blip r:embed="rId3"/>
+          <a:stretch>
+            <a:fillRect/>
+          </a:stretch>
+        </p:blipFill>
+        <p:spPr>
+          <a:xfrm>
+            <a:off x="2953856" y="3071673"/>
+            <a:ext cx="8729158" cy="3550261"/>
+          </a:xfrm>
+          <a:prstGeom prst="rect">
+            <a:avLst/>
+          </a:prstGeom>
+        </p:spPr>
+      </p:pic>
+      <p:cxnSp>
+        <p:nvCxnSpPr>
+          <p:cNvPr id="7" name="Straight Arrow Connector 6">
+            <a:extLst>
+              <a:ext uri="{FF2B5EF4-FFF2-40B4-BE49-F238E27FC236}">
+                <a16:creationId xmlns:a16="http://schemas.microsoft.com/office/drawing/2014/main" id="{B0C52D96-13CA-4D7C-8A7C-138786F9449B}"/>
+              </a:ext>
+            </a:extLst>
+          </p:cNvPr>
+          <p:cNvCxnSpPr>
+            <a:cxnSpLocks/>
+          </p:cNvCxnSpPr>
+          <p:nvPr/>
+        </p:nvCxnSpPr>
+        <p:spPr>
+          <a:xfrm>
+            <a:off x="816746" y="1828800"/>
+            <a:ext cx="2137110" cy="3861786"/>
+          </a:xfrm>
+          <a:prstGeom prst="straightConnector1">
+            <a:avLst/>
+          </a:prstGeom>
+          <a:ln>
+            <a:tailEnd type="triangle"/>
+          </a:ln>
+        </p:spPr>
+        <p:style>
+          <a:lnRef idx="1">
+            <a:schemeClr val="dk1"/>
+          </a:lnRef>
+          <a:fillRef idx="0">
+            <a:schemeClr val="dk1"/>
+          </a:fillRef>
+          <a:effectRef idx="0">
+            <a:schemeClr val="dk1"/>
+          </a:effectRef>
+          <a:fontRef idx="minor">
+            <a:schemeClr val="tx1"/>
+          </a:fontRef>
+        </p:style>
+      </p:cxnSp>
+      <p:sp>
+        <p:nvSpPr>
+          <p:cNvPr id="9" name="TextBox 8">
+            <a:extLst>
+              <a:ext uri="{FF2B5EF4-FFF2-40B4-BE49-F238E27FC236}">
+                <a16:creationId xmlns:a16="http://schemas.microsoft.com/office/drawing/2014/main" id="{554F4EAD-9E2E-4864-86A0-CE4DC21D24B9}"/>
+              </a:ext>
+            </a:extLst>
+          </p:cNvPr>
+          <p:cNvSpPr txBox="1"/>
+          <p:nvPr/>
+        </p:nvSpPr>
+        <p:spPr>
+          <a:xfrm>
+            <a:off x="5042517" y="2010792"/>
+            <a:ext cx="6400800" cy="369332"/>
+          </a:xfrm>
+          <a:prstGeom prst="rect">
+            <a:avLst/>
+          </a:prstGeom>
+          <a:noFill/>
+        </p:spPr>
+        <p:txBody>
+          <a:bodyPr wrap="square" rtlCol="0">
+            <a:spAutoFit/>
+          </a:bodyPr>
+          <a:lstStyle/>
+          <a:p>
+            <a:r>
+              <a:rPr lang="en-US"/>
+              <a:t>Văn bản dài để điền nội dung mà khách hàng muốn gửi đến.</a:t>
+            </a:r>
+          </a:p>
+        </p:txBody>
+      </p:sp>
+      <p:sp>
+        <p:nvSpPr>
+          <p:cNvPr id="11" name="Rectangle 10">
+            <a:extLst>
+              <a:ext uri="{FF2B5EF4-FFF2-40B4-BE49-F238E27FC236}">
+                <a16:creationId xmlns:a16="http://schemas.microsoft.com/office/drawing/2014/main" id="{4D60FDEA-FCFE-426D-8BD8-F23A34F1FA8B}"/>
+              </a:ext>
+            </a:extLst>
+          </p:cNvPr>
+          <p:cNvSpPr/>
+          <p:nvPr/>
+        </p:nvSpPr>
+        <p:spPr>
+          <a:xfrm>
+            <a:off x="3053918" y="5291091"/>
+            <a:ext cx="1535837" cy="807868"/>
+          </a:xfrm>
+          <a:prstGeom prst="rect">
+            <a:avLst/>
+          </a:prstGeom>
+          <a:noFill/>
+        </p:spPr>
+        <p:style>
+          <a:lnRef idx="2">
+            <a:schemeClr val="accent2">
+              <a:shade val="50000"/>
+            </a:schemeClr>
+          </a:lnRef>
+          <a:fillRef idx="1">
+            <a:schemeClr val="accent2"/>
+          </a:fillRef>
+          <a:effectRef idx="0">
+            <a:schemeClr val="accent2"/>
+          </a:effectRef>
+          <a:fontRef idx="minor">
+            <a:schemeClr val="lt1"/>
+          </a:fontRef>
+        </p:style>
+        <p:txBody>
+          <a:bodyPr rtlCol="0" anchor="ctr"/>
+          <a:lstStyle/>
+          <a:p>
+            <a:pPr algn="ctr"/>
             <a:endParaRPr lang="en-US"/>
           </a:p>
         </p:txBody>
@@ -4249,7 +8318,7 @@
     </p:spTree>
     <p:extLst>
       <p:ext uri="{BB962C8B-B14F-4D97-AF65-F5344CB8AC3E}">
-        <p14:creationId xmlns:p14="http://schemas.microsoft.com/office/powerpoint/2010/main" val="571762488"/>
+        <p14:creationId xmlns:p14="http://schemas.microsoft.com/office/powerpoint/2010/main" val="2215303035"/>
       </p:ext>
     </p:extLst>
   </p:cSld>
@@ -4276,60 +8345,146 @@
           <a:chExt cx="0" cy="0"/>
         </a:xfrm>
       </p:grpSpPr>
-      <p:sp>
-        <p:nvSpPr>
-          <p:cNvPr id="2" name="Title 1">
-            <a:extLst>
-              <a:ext uri="{FF2B5EF4-FFF2-40B4-BE49-F238E27FC236}">
-                <a16:creationId xmlns:a16="http://schemas.microsoft.com/office/drawing/2014/main" id="{38293A28-708E-46AC-8289-585728BFEFB6}"/>
-              </a:ext>
-            </a:extLst>
-          </p:cNvPr>
-          <p:cNvSpPr>
-            <a:spLocks noGrp="1"/>
-          </p:cNvSpPr>
-          <p:nvPr>
-            <p:ph type="title"/>
-          </p:nvPr>
-        </p:nvSpPr>
-        <p:spPr/>
-        <p:txBody>
-          <a:bodyPr/>
-          <a:lstStyle/>
-          <a:p>
-            <a:endParaRPr lang="en-US"/>
-          </a:p>
-        </p:txBody>
-      </p:sp>
-      <p:sp>
-        <p:nvSpPr>
-          <p:cNvPr id="3" name="Content Placeholder 2">
-            <a:extLst>
-              <a:ext uri="{FF2B5EF4-FFF2-40B4-BE49-F238E27FC236}">
-                <a16:creationId xmlns:a16="http://schemas.microsoft.com/office/drawing/2014/main" id="{11A7BD66-B3CC-4C99-BBF5-6E3C45B6DBDB}"/>
-              </a:ext>
-            </a:extLst>
-          </p:cNvPr>
-          <p:cNvSpPr>
-            <a:spLocks noGrp="1"/>
-          </p:cNvSpPr>
-          <p:nvPr>
-            <p:ph idx="1"/>
-          </p:nvPr>
-        </p:nvSpPr>
-        <p:spPr/>
-        <p:txBody>
-          <a:bodyPr/>
-          <a:lstStyle/>
-          <a:p>
-            <a:endParaRPr lang="en-US"/>
-          </a:p>
-        </p:txBody>
-      </p:sp>
+      <p:pic>
+        <p:nvPicPr>
+          <p:cNvPr id="4" name="Picture 3">
+            <a:extLst>
+              <a:ext uri="{FF2B5EF4-FFF2-40B4-BE49-F238E27FC236}">
+                <a16:creationId xmlns:a16="http://schemas.microsoft.com/office/drawing/2014/main" id="{DB2301A0-0165-4A06-AB97-6F8A0E06EFB5}"/>
+              </a:ext>
+            </a:extLst>
+          </p:cNvPr>
+          <p:cNvPicPr>
+            <a:picLocks noChangeAspect="1"/>
+          </p:cNvPicPr>
+          <p:nvPr/>
+        </p:nvPicPr>
+        <p:blipFill>
+          <a:blip r:embed="rId2"/>
+          <a:stretch>
+            <a:fillRect/>
+          </a:stretch>
+        </p:blipFill>
+        <p:spPr>
+          <a:xfrm>
+            <a:off x="283059" y="-328214"/>
+            <a:ext cx="4115374" cy="4229690"/>
+          </a:xfrm>
+          <a:prstGeom prst="rect">
+            <a:avLst/>
+          </a:prstGeom>
+        </p:spPr>
+      </p:pic>
+      <p:sp>
+        <p:nvSpPr>
+          <p:cNvPr id="5" name="TextBox 4">
+            <a:extLst>
+              <a:ext uri="{FF2B5EF4-FFF2-40B4-BE49-F238E27FC236}">
+                <a16:creationId xmlns:a16="http://schemas.microsoft.com/office/drawing/2014/main" id="{BBE0427C-2597-40C1-8E53-9C21B0632C02}"/>
+              </a:ext>
+            </a:extLst>
+          </p:cNvPr>
+          <p:cNvSpPr txBox="1"/>
+          <p:nvPr/>
+        </p:nvSpPr>
+        <p:spPr>
+          <a:xfrm>
+            <a:off x="4119239" y="967666"/>
+            <a:ext cx="2121763" cy="369332"/>
+          </a:xfrm>
+          <a:prstGeom prst="rect">
+            <a:avLst/>
+          </a:prstGeom>
+          <a:noFill/>
+        </p:spPr>
+        <p:txBody>
+          <a:bodyPr wrap="square" rtlCol="0">
+            <a:spAutoFit/>
+          </a:bodyPr>
+          <a:lstStyle/>
+          <a:p>
+            <a:r>
+              <a:rPr lang="en-US"/>
+              <a:t>Tạo ra nút gửi</a:t>
+            </a:r>
+          </a:p>
+        </p:txBody>
+      </p:sp>
+      <p:pic>
+        <p:nvPicPr>
+          <p:cNvPr id="6" name="Picture 5">
+            <a:extLst>
+              <a:ext uri="{FF2B5EF4-FFF2-40B4-BE49-F238E27FC236}">
+                <a16:creationId xmlns:a16="http://schemas.microsoft.com/office/drawing/2014/main" id="{DAC9A1BC-7446-44E4-AA3A-7E11E9EE025B}"/>
+              </a:ext>
+            </a:extLst>
+          </p:cNvPr>
+          <p:cNvPicPr>
+            <a:picLocks noChangeAspect="1"/>
+          </p:cNvPicPr>
+          <p:nvPr/>
+        </p:nvPicPr>
+        <p:blipFill>
+          <a:blip r:embed="rId3"/>
+          <a:stretch>
+            <a:fillRect/>
+          </a:stretch>
+        </p:blipFill>
+        <p:spPr>
+          <a:xfrm>
+            <a:off x="7111012" y="2302336"/>
+            <a:ext cx="4660553" cy="4229690"/>
+          </a:xfrm>
+          <a:prstGeom prst="rect">
+            <a:avLst/>
+          </a:prstGeom>
+        </p:spPr>
+      </p:pic>
+      <p:cxnSp>
+        <p:nvCxnSpPr>
+          <p:cNvPr id="8" name="Straight Arrow Connector 7">
+            <a:extLst>
+              <a:ext uri="{FF2B5EF4-FFF2-40B4-BE49-F238E27FC236}">
+                <a16:creationId xmlns:a16="http://schemas.microsoft.com/office/drawing/2014/main" id="{646348C6-ABDB-48B4-9D88-D7E720BCBE42}"/>
+              </a:ext>
+            </a:extLst>
+          </p:cNvPr>
+          <p:cNvCxnSpPr>
+            <a:cxnSpLocks/>
+          </p:cNvCxnSpPr>
+          <p:nvPr/>
+        </p:nvCxnSpPr>
+        <p:spPr>
+          <a:xfrm>
+            <a:off x="2459115" y="2539014"/>
+            <a:ext cx="4864963" cy="1362462"/>
+          </a:xfrm>
+          <a:prstGeom prst="straightConnector1">
+            <a:avLst/>
+          </a:prstGeom>
+          <a:ln>
+            <a:tailEnd type="triangle"/>
+          </a:ln>
+        </p:spPr>
+        <p:style>
+          <a:lnRef idx="1">
+            <a:schemeClr val="dk1"/>
+          </a:lnRef>
+          <a:fillRef idx="0">
+            <a:schemeClr val="dk1"/>
+          </a:fillRef>
+          <a:effectRef idx="0">
+            <a:schemeClr val="dk1"/>
+          </a:effectRef>
+          <a:fontRef idx="minor">
+            <a:schemeClr val="tx1"/>
+          </a:fontRef>
+        </p:style>
+      </p:cxnSp>
     </p:spTree>
     <p:extLst>
       <p:ext uri="{BB962C8B-B14F-4D97-AF65-F5344CB8AC3E}">
-        <p14:creationId xmlns:p14="http://schemas.microsoft.com/office/powerpoint/2010/main" val="3417404712"/>
+        <p14:creationId xmlns:p14="http://schemas.microsoft.com/office/powerpoint/2010/main" val="2175595299"/>
       </p:ext>
     </p:extLst>
   </p:cSld>

--- a/Tạo trang liên hệ trong WebSite.pptx
+++ b/Tạo trang liên hệ trong WebSite.pptx
@@ -34,7 +34,19 @@
     <p:sldId id="264" r:id="rId28"/>
     <p:sldId id="283" r:id="rId29"/>
     <p:sldId id="284" r:id="rId30"/>
-    <p:sldId id="285" r:id="rId31"/>
+    <p:sldId id="286" r:id="rId31"/>
+    <p:sldId id="287" r:id="rId32"/>
+    <p:sldId id="288" r:id="rId33"/>
+    <p:sldId id="289" r:id="rId34"/>
+    <p:sldId id="290" r:id="rId35"/>
+    <p:sldId id="291" r:id="rId36"/>
+    <p:sldId id="292" r:id="rId37"/>
+    <p:sldId id="293" r:id="rId38"/>
+    <p:sldId id="294" r:id="rId39"/>
+    <p:sldId id="295" r:id="rId40"/>
+    <p:sldId id="296" r:id="rId41"/>
+    <p:sldId id="297" r:id="rId42"/>
+    <p:sldId id="285" r:id="rId43"/>
   </p:sldIdLst>
   <p:sldSz cx="12192000" cy="6858000"/>
   <p:notesSz cx="6858000" cy="9144000"/>
@@ -288,7 +300,7 @@
           <a:p>
             <a:fld id="{4C6F0748-1381-4B42-9D0A-07F66729CA70}" type="datetimeFigureOut">
               <a:rPr lang="en-US" smtClean="0"/>
-              <a:t>15/10/2024</a:t>
+              <a:t>16/10/2024</a:t>
             </a:fld>
             <a:endParaRPr lang="en-US"/>
           </a:p>
@@ -486,7 +498,7 @@
           <a:p>
             <a:fld id="{4C6F0748-1381-4B42-9D0A-07F66729CA70}" type="datetimeFigureOut">
               <a:rPr lang="en-US" smtClean="0"/>
-              <a:t>15/10/2024</a:t>
+              <a:t>16/10/2024</a:t>
             </a:fld>
             <a:endParaRPr lang="en-US"/>
           </a:p>
@@ -694,7 +706,7 @@
           <a:p>
             <a:fld id="{4C6F0748-1381-4B42-9D0A-07F66729CA70}" type="datetimeFigureOut">
               <a:rPr lang="en-US" smtClean="0"/>
-              <a:t>15/10/2024</a:t>
+              <a:t>16/10/2024</a:t>
             </a:fld>
             <a:endParaRPr lang="en-US"/>
           </a:p>
@@ -892,7 +904,7 @@
           <a:p>
             <a:fld id="{4C6F0748-1381-4B42-9D0A-07F66729CA70}" type="datetimeFigureOut">
               <a:rPr lang="en-US" smtClean="0"/>
-              <a:t>15/10/2024</a:t>
+              <a:t>16/10/2024</a:t>
             </a:fld>
             <a:endParaRPr lang="en-US"/>
           </a:p>
@@ -1167,7 +1179,7 @@
           <a:p>
             <a:fld id="{4C6F0748-1381-4B42-9D0A-07F66729CA70}" type="datetimeFigureOut">
               <a:rPr lang="en-US" smtClean="0"/>
-              <a:t>15/10/2024</a:t>
+              <a:t>16/10/2024</a:t>
             </a:fld>
             <a:endParaRPr lang="en-US"/>
           </a:p>
@@ -1432,7 +1444,7 @@
           <a:p>
             <a:fld id="{4C6F0748-1381-4B42-9D0A-07F66729CA70}" type="datetimeFigureOut">
               <a:rPr lang="en-US" smtClean="0"/>
-              <a:t>15/10/2024</a:t>
+              <a:t>16/10/2024</a:t>
             </a:fld>
             <a:endParaRPr lang="en-US"/>
           </a:p>
@@ -1844,7 +1856,7 @@
           <a:p>
             <a:fld id="{4C6F0748-1381-4B42-9D0A-07F66729CA70}" type="datetimeFigureOut">
               <a:rPr lang="en-US" smtClean="0"/>
-              <a:t>15/10/2024</a:t>
+              <a:t>16/10/2024</a:t>
             </a:fld>
             <a:endParaRPr lang="en-US"/>
           </a:p>
@@ -1985,7 +1997,7 @@
           <a:p>
             <a:fld id="{4C6F0748-1381-4B42-9D0A-07F66729CA70}" type="datetimeFigureOut">
               <a:rPr lang="en-US" smtClean="0"/>
-              <a:t>15/10/2024</a:t>
+              <a:t>16/10/2024</a:t>
             </a:fld>
             <a:endParaRPr lang="en-US"/>
           </a:p>
@@ -2098,7 +2110,7 @@
           <a:p>
             <a:fld id="{4C6F0748-1381-4B42-9D0A-07F66729CA70}" type="datetimeFigureOut">
               <a:rPr lang="en-US" smtClean="0"/>
-              <a:t>15/10/2024</a:t>
+              <a:t>16/10/2024</a:t>
             </a:fld>
             <a:endParaRPr lang="en-US"/>
           </a:p>
@@ -2409,7 +2421,7 @@
           <a:p>
             <a:fld id="{4C6F0748-1381-4B42-9D0A-07F66729CA70}" type="datetimeFigureOut">
               <a:rPr lang="en-US" smtClean="0"/>
-              <a:t>15/10/2024</a:t>
+              <a:t>16/10/2024</a:t>
             </a:fld>
             <a:endParaRPr lang="en-US"/>
           </a:p>
@@ -2697,7 +2709,7 @@
           <a:p>
             <a:fld id="{4C6F0748-1381-4B42-9D0A-07F66729CA70}" type="datetimeFigureOut">
               <a:rPr lang="en-US" smtClean="0"/>
-              <a:t>15/10/2024</a:t>
+              <a:t>16/10/2024</a:t>
             </a:fld>
             <a:endParaRPr lang="en-US"/>
           </a:p>
@@ -2938,7 +2950,7 @@
           <a:p>
             <a:fld id="{4C6F0748-1381-4B42-9D0A-07F66729CA70}" type="datetimeFigureOut">
               <a:rPr lang="en-US" smtClean="0"/>
-              <a:t>15/10/2024</a:t>
+              <a:t>16/10/2024</a:t>
             </a:fld>
             <a:endParaRPr lang="en-US"/>
           </a:p>
@@ -3373,7 +3385,7 @@
         </p:nvSpPr>
         <p:spPr>
           <a:xfrm>
-            <a:off x="1524000" y="1144812"/>
+            <a:off x="1435224" y="1792882"/>
             <a:ext cx="9144000" cy="990522"/>
           </a:xfrm>
         </p:spPr>
@@ -3384,39 +3396,6 @@
             <a:r>
               <a:rPr lang="en-US"/>
               <a:t>Trang liên hệ trong WebSite.</a:t>
-            </a:r>
-          </a:p>
-        </p:txBody>
-      </p:sp>
-      <p:sp>
-        <p:nvSpPr>
-          <p:cNvPr id="3" name="Subtitle 2">
-            <a:extLst>
-              <a:ext uri="{FF2B5EF4-FFF2-40B4-BE49-F238E27FC236}">
-                <a16:creationId xmlns:a16="http://schemas.microsoft.com/office/drawing/2014/main" id="{2E3BFA6C-8452-48A7-B1CF-3840AC47A0EC}"/>
-              </a:ext>
-            </a:extLst>
-          </p:cNvPr>
-          <p:cNvSpPr>
-            <a:spLocks noGrp="1"/>
-          </p:cNvSpPr>
-          <p:nvPr>
-            <p:ph type="subTitle" idx="1"/>
-          </p:nvPr>
-        </p:nvSpPr>
-        <p:spPr>
-          <a:xfrm>
-            <a:off x="1959006" y="2248269"/>
-            <a:ext cx="6492536" cy="472812"/>
-          </a:xfrm>
-        </p:spPr>
-        <p:txBody>
-          <a:bodyPr/>
-          <a:lstStyle/>
-          <a:p>
-            <a:r>
-              <a:rPr lang="en-US"/>
-              <a:t>https://www.youtube.com/watch?v=8FwYFcEjd4A</a:t>
             </a:r>
           </a:p>
         </p:txBody>
@@ -4423,8 +4402,8 @@
         </p:nvSpPr>
         <p:spPr>
           <a:xfrm>
-            <a:off x="0" y="213064"/>
-            <a:ext cx="12192000" cy="923278"/>
+            <a:off x="0" y="0"/>
+            <a:ext cx="12192000" cy="1180730"/>
           </a:xfrm>
         </p:spPr>
         <p:txBody>
@@ -4435,7 +4414,7 @@
           <a:p>
             <a:r>
               <a:rPr lang="en-US"/>
-              <a:t>Cài Plugin để khi khách hàng gửi liên hệ sẽ gửi thông báo về Mail</a:t>
+              <a:t>Cài Plugin để khi khách hàng gửi liên hệ sẽ gửi thông báo về Mail.</a:t>
             </a:r>
           </a:p>
         </p:txBody>
@@ -4464,7 +4443,7 @@
         </p:blipFill>
         <p:spPr>
           <a:xfrm>
-            <a:off x="280023" y="1571366"/>
+            <a:off x="235634" y="1269507"/>
             <a:ext cx="11079121" cy="3715268"/>
           </a:xfrm>
           <a:prstGeom prst="rect">
@@ -4472,6 +4451,41 @@
           </a:prstGeom>
         </p:spPr>
       </p:pic>
+      <p:sp>
+        <p:nvSpPr>
+          <p:cNvPr id="3" name="TextBox 2">
+            <a:extLst>
+              <a:ext uri="{FF2B5EF4-FFF2-40B4-BE49-F238E27FC236}">
+                <a16:creationId xmlns:a16="http://schemas.microsoft.com/office/drawing/2014/main" id="{77A1D9EA-98D5-4785-B599-C447FC8E54DF}"/>
+              </a:ext>
+            </a:extLst>
+          </p:cNvPr>
+          <p:cNvSpPr txBox="1"/>
+          <p:nvPr/>
+        </p:nvSpPr>
+        <p:spPr>
+          <a:xfrm>
+            <a:off x="248576" y="5299969"/>
+            <a:ext cx="11066180" cy="369332"/>
+          </a:xfrm>
+          <a:prstGeom prst="rect">
+            <a:avLst/>
+          </a:prstGeom>
+          <a:noFill/>
+        </p:spPr>
+        <p:txBody>
+          <a:bodyPr wrap="square" rtlCol="0">
+            <a:spAutoFit/>
+          </a:bodyPr>
+          <a:lstStyle/>
+          <a:p>
+            <a:r>
+              <a:rPr lang="en-US"/>
+              <a:t>Nhận thông tin liên hệ của KH qua Mail.</a:t>
+            </a:r>
+          </a:p>
+        </p:txBody>
+      </p:sp>
     </p:spTree>
     <p:extLst>
       <p:ext uri="{BB962C8B-B14F-4D97-AF65-F5344CB8AC3E}">
@@ -4661,8 +4675,8 @@
         </p:nvCxnSpPr>
         <p:spPr>
           <a:xfrm flipV="1">
-            <a:off x="4527612" y="1906480"/>
-            <a:ext cx="2565646" cy="962318"/>
+            <a:off x="4323425" y="1850966"/>
+            <a:ext cx="2716567" cy="1104851"/>
           </a:xfrm>
           <a:prstGeom prst="straightConnector1">
             <a:avLst/>
@@ -4700,8 +4714,8 @@
         </p:nvSpPr>
         <p:spPr>
           <a:xfrm>
-            <a:off x="7190914" y="1625068"/>
-            <a:ext cx="4731798" cy="369332"/>
+            <a:off x="7093258" y="1379543"/>
+            <a:ext cx="4731798" cy="923330"/>
           </a:xfrm>
           <a:prstGeom prst="rect">
             <a:avLst/>
@@ -4715,8 +4729,22 @@
           <a:lstStyle/>
           <a:p>
             <a:r>
-              <a:rPr lang="en-US"/>
+              <a:rPr lang="en-US">
+                <a:highlight>
+                  <a:srgbClr val="FFFF00"/>
+                </a:highlight>
+              </a:rPr>
               <a:t>Là Mail để nhận thông tin mà Form này gửi tới.</a:t>
+            </a:r>
+          </a:p>
+          <a:p>
+            <a:r>
+              <a:rPr lang="en-US">
+                <a:highlight>
+                  <a:srgbClr val="FFFF00"/>
+                </a:highlight>
+              </a:rPr>
+              <a:t>Sau khi khách hàng điền thông tin liên hệ và gửi Mail thì sẽ gửi đến Mail nay.</a:t>
             </a:r>
           </a:p>
         </p:txBody>
@@ -4839,12 +4867,100 @@
           <a:lstStyle/>
           <a:p>
             <a:r>
-              <a:rPr lang="en-US"/>
+              <a:rPr lang="en-US">
+                <a:solidFill>
+                  <a:srgbClr val="FF0000"/>
+                </a:solidFill>
+                <a:highlight>
+                  <a:srgbClr val="FFFF00"/>
+                </a:highlight>
+              </a:rPr>
               <a:t>Tên để biết là gửi từ Website nào.</a:t>
             </a:r>
           </a:p>
         </p:txBody>
       </p:sp>
+      <p:sp>
+        <p:nvSpPr>
+          <p:cNvPr id="2" name="TextBox 1">
+            <a:extLst>
+              <a:ext uri="{FF2B5EF4-FFF2-40B4-BE49-F238E27FC236}">
+                <a16:creationId xmlns:a16="http://schemas.microsoft.com/office/drawing/2014/main" id="{5C7EFD62-2E6A-4C6F-BD64-89F8E1719BC4}"/>
+              </a:ext>
+            </a:extLst>
+          </p:cNvPr>
+          <p:cNvSpPr txBox="1"/>
+          <p:nvPr/>
+        </p:nvSpPr>
+        <p:spPr>
+          <a:xfrm>
+            <a:off x="492711" y="1824414"/>
+            <a:ext cx="4261281" cy="369332"/>
+          </a:xfrm>
+          <a:prstGeom prst="rect">
+            <a:avLst/>
+          </a:prstGeom>
+          <a:noFill/>
+        </p:spPr>
+        <p:txBody>
+          <a:bodyPr wrap="square" rtlCol="0">
+            <a:spAutoFit/>
+          </a:bodyPr>
+          <a:lstStyle/>
+          <a:p>
+            <a:r>
+              <a:rPr lang="en-US">
+                <a:solidFill>
+                  <a:srgbClr val="FF0000"/>
+                </a:solidFill>
+                <a:highlight>
+                  <a:srgbClr val="FFFF00"/>
+                </a:highlight>
+              </a:rPr>
+              <a:t>Mail nhận thông tin liên hệ.</a:t>
+            </a:r>
+          </a:p>
+        </p:txBody>
+      </p:sp>
+      <p:cxnSp>
+        <p:nvCxnSpPr>
+          <p:cNvPr id="8" name="Straight Arrow Connector 7">
+            <a:extLst>
+              <a:ext uri="{FF2B5EF4-FFF2-40B4-BE49-F238E27FC236}">
+                <a16:creationId xmlns:a16="http://schemas.microsoft.com/office/drawing/2014/main" id="{B8C61D0A-D8D4-4926-8502-82025F0CB7AC}"/>
+              </a:ext>
+            </a:extLst>
+          </p:cNvPr>
+          <p:cNvCxnSpPr/>
+          <p:nvPr/>
+        </p:nvCxnSpPr>
+        <p:spPr>
+          <a:xfrm flipV="1">
+            <a:off x="2139518" y="2154600"/>
+            <a:ext cx="0" cy="713796"/>
+          </a:xfrm>
+          <a:prstGeom prst="straightConnector1">
+            <a:avLst/>
+          </a:prstGeom>
+          <a:ln>
+            <a:tailEnd type="triangle"/>
+          </a:ln>
+        </p:spPr>
+        <p:style>
+          <a:lnRef idx="1">
+            <a:schemeClr val="dk1"/>
+          </a:lnRef>
+          <a:fillRef idx="0">
+            <a:schemeClr val="dk1"/>
+          </a:fillRef>
+          <a:effectRef idx="0">
+            <a:schemeClr val="dk1"/>
+          </a:effectRef>
+          <a:fontRef idx="minor">
+            <a:schemeClr val="tx1"/>
+          </a:fontRef>
+        </p:style>
+      </p:cxnSp>
     </p:spTree>
     <p:extLst>
       <p:ext uri="{BB962C8B-B14F-4D97-AF65-F5344CB8AC3E}">
@@ -5147,9 +5263,9 @@
           <p:nvPr/>
         </p:nvCxnSpPr>
         <p:spPr>
-          <a:xfrm flipV="1">
-            <a:off x="4554245" y="3764132"/>
-            <a:ext cx="2521258" cy="736849"/>
+          <a:xfrm>
+            <a:off x="4554245" y="4500982"/>
+            <a:ext cx="2574524" cy="1100828"/>
           </a:xfrm>
           <a:prstGeom prst="straightConnector1">
             <a:avLst/>
@@ -5187,7 +5303,7 @@
         </p:nvSpPr>
         <p:spPr>
           <a:xfrm>
-            <a:off x="7217546" y="3528873"/>
+            <a:off x="7217546" y="5215630"/>
             <a:ext cx="4714042" cy="646331"/>
           </a:xfrm>
           <a:prstGeom prst="rect">
@@ -5204,6 +5320,88 @@
             <a:r>
               <a:rPr lang="en-US"/>
               <a:t>Email dùng để gửi thông tin của Form đó đến mục Mail đi. </a:t>
+            </a:r>
+          </a:p>
+        </p:txBody>
+      </p:sp>
+      <p:cxnSp>
+        <p:nvCxnSpPr>
+          <p:cNvPr id="6" name="Straight Arrow Connector 5">
+            <a:extLst>
+              <a:ext uri="{FF2B5EF4-FFF2-40B4-BE49-F238E27FC236}">
+                <a16:creationId xmlns:a16="http://schemas.microsoft.com/office/drawing/2014/main" id="{6E3BCFC9-D872-461A-B247-B73471E408BA}"/>
+              </a:ext>
+            </a:extLst>
+          </p:cNvPr>
+          <p:cNvCxnSpPr/>
+          <p:nvPr/>
+        </p:nvCxnSpPr>
+        <p:spPr>
+          <a:xfrm flipV="1">
+            <a:off x="4536489" y="3888419"/>
+            <a:ext cx="2760956" cy="612560"/>
+          </a:xfrm>
+          <a:prstGeom prst="straightConnector1">
+            <a:avLst/>
+          </a:prstGeom>
+          <a:ln>
+            <a:tailEnd type="triangle"/>
+          </a:ln>
+        </p:spPr>
+        <p:style>
+          <a:lnRef idx="1">
+            <a:schemeClr val="dk1"/>
+          </a:lnRef>
+          <a:fillRef idx="0">
+            <a:schemeClr val="dk1"/>
+          </a:fillRef>
+          <a:effectRef idx="0">
+            <a:schemeClr val="dk1"/>
+          </a:effectRef>
+          <a:fontRef idx="minor">
+            <a:schemeClr val="tx1"/>
+          </a:fontRef>
+        </p:style>
+      </p:cxnSp>
+      <p:sp>
+        <p:nvSpPr>
+          <p:cNvPr id="8" name="TextBox 7">
+            <a:extLst>
+              <a:ext uri="{FF2B5EF4-FFF2-40B4-BE49-F238E27FC236}">
+                <a16:creationId xmlns:a16="http://schemas.microsoft.com/office/drawing/2014/main" id="{2DA71979-5736-4A19-80FE-88E55B808BC1}"/>
+              </a:ext>
+            </a:extLst>
+          </p:cNvPr>
+          <p:cNvSpPr txBox="1"/>
+          <p:nvPr/>
+        </p:nvSpPr>
+        <p:spPr>
+          <a:xfrm>
+            <a:off x="7421732" y="3639845"/>
+            <a:ext cx="1191960" cy="369332"/>
+          </a:xfrm>
+          <a:prstGeom prst="rect">
+            <a:avLst/>
+          </a:prstGeom>
+          <a:noFill/>
+        </p:spPr>
+        <p:txBody>
+          <a:bodyPr wrap="square" rtlCol="0">
+            <a:spAutoFit/>
+          </a:bodyPr>
+          <a:lstStyle/>
+          <a:p>
+            <a:r>
+              <a:rPr lang="en-US">
+                <a:solidFill>
+                  <a:srgbClr val="FF0000"/>
+                </a:solidFill>
+              </a:rPr>
+              <a:t>Mail gửi</a:t>
+            </a:r>
+            <a:r>
+              <a:rPr lang="en-US"/>
+              <a:t>.</a:t>
             </a:r>
           </a:p>
         </p:txBody>
@@ -5260,7 +5458,7 @@
         </p:blipFill>
         <p:spPr>
           <a:xfrm>
-            <a:off x="415800" y="994300"/>
+            <a:off x="655498" y="1305019"/>
             <a:ext cx="7467570" cy="5036885"/>
           </a:xfrm>
           <a:prstGeom prst="rect">
@@ -5282,7 +5480,7 @@
         </p:nvSpPr>
         <p:spPr>
           <a:xfrm>
-            <a:off x="292964" y="124287"/>
+            <a:off x="372863" y="331430"/>
             <a:ext cx="2263806" cy="369332"/>
           </a:xfrm>
           <a:prstGeom prst="rect">
@@ -5325,7 +5523,7 @@
         </p:nvSpPr>
         <p:spPr>
           <a:xfrm>
-            <a:off x="3053918" y="124287"/>
+            <a:off x="3648722" y="331430"/>
             <a:ext cx="5140171" cy="369332"/>
           </a:xfrm>
           <a:prstGeom prst="rect">
@@ -5489,7 +5687,7 @@
         </p:nvSpPr>
         <p:spPr>
           <a:xfrm>
-            <a:off x="50307" y="115410"/>
+            <a:off x="0" y="0"/>
             <a:ext cx="6368248" cy="681037"/>
           </a:xfrm>
         </p:spPr>
@@ -5530,7 +5728,7 @@
         </p:blipFill>
         <p:spPr>
           <a:xfrm>
-            <a:off x="1336385" y="1422001"/>
+            <a:off x="3103041" y="2007927"/>
             <a:ext cx="2381582" cy="3400900"/>
           </a:xfrm>
           <a:prstGeom prst="rect">
@@ -5590,14 +5788,57 @@
         </p:blipFill>
         <p:spPr>
           <a:xfrm>
-            <a:off x="327064" y="1346781"/>
-            <a:ext cx="9602540" cy="5334744"/>
+            <a:off x="167266" y="1055364"/>
+            <a:ext cx="9047756" cy="5198954"/>
           </a:xfrm>
           <a:prstGeom prst="rect">
             <a:avLst/>
           </a:prstGeom>
         </p:spPr>
       </p:pic>
+      <p:sp>
+        <p:nvSpPr>
+          <p:cNvPr id="2" name="TextBox 1">
+            <a:extLst>
+              <a:ext uri="{FF2B5EF4-FFF2-40B4-BE49-F238E27FC236}">
+                <a16:creationId xmlns:a16="http://schemas.microsoft.com/office/drawing/2014/main" id="{4BDB1846-2589-494B-BB85-67CC7B8BDFC1}"/>
+              </a:ext>
+            </a:extLst>
+          </p:cNvPr>
+          <p:cNvSpPr txBox="1"/>
+          <p:nvPr/>
+        </p:nvSpPr>
+        <p:spPr>
+          <a:xfrm>
+            <a:off x="0" y="0"/>
+            <a:ext cx="5663953" cy="369332"/>
+          </a:xfrm>
+          <a:prstGeom prst="rect">
+            <a:avLst/>
+          </a:prstGeom>
+          <a:noFill/>
+        </p:spPr>
+        <p:txBody>
+          <a:bodyPr wrap="square" rtlCol="0">
+            <a:spAutoFit/>
+          </a:bodyPr>
+          <a:lstStyle/>
+          <a:p>
+            <a:r>
+              <a:rPr lang="en-US"/>
+              <a:t>Xác Minh 2 b</a:t>
+            </a:r>
+            <a:r>
+              <a:rPr lang="vi-VN"/>
+              <a:t>ư</a:t>
+            </a:r>
+            <a:r>
+              <a:rPr lang="en-US"/>
+              <a:t>ớc để lấy Mail gửi đi.</a:t>
+            </a:r>
+          </a:p>
+        </p:txBody>
+      </p:sp>
     </p:spTree>
     <p:extLst>
       <p:ext uri="{BB962C8B-B14F-4D97-AF65-F5344CB8AC3E}">
@@ -5628,56 +5869,6 @@
           <a:chExt cx="0" cy="0"/>
         </a:xfrm>
       </p:grpSpPr>
-      <p:sp>
-        <p:nvSpPr>
-          <p:cNvPr id="2" name="Title 1">
-            <a:extLst>
-              <a:ext uri="{FF2B5EF4-FFF2-40B4-BE49-F238E27FC236}">
-                <a16:creationId xmlns:a16="http://schemas.microsoft.com/office/drawing/2014/main" id="{9C5A190C-ADFB-4698-ADE1-4FA6BE95C44D}"/>
-              </a:ext>
-            </a:extLst>
-          </p:cNvPr>
-          <p:cNvSpPr>
-            <a:spLocks noGrp="1"/>
-          </p:cNvSpPr>
-          <p:nvPr>
-            <p:ph type="title"/>
-          </p:nvPr>
-        </p:nvSpPr>
-        <p:spPr/>
-        <p:txBody>
-          <a:bodyPr/>
-          <a:lstStyle/>
-          <a:p>
-            <a:endParaRPr lang="en-US"/>
-          </a:p>
-        </p:txBody>
-      </p:sp>
-      <p:sp>
-        <p:nvSpPr>
-          <p:cNvPr id="3" name="Content Placeholder 2">
-            <a:extLst>
-              <a:ext uri="{FF2B5EF4-FFF2-40B4-BE49-F238E27FC236}">
-                <a16:creationId xmlns:a16="http://schemas.microsoft.com/office/drawing/2014/main" id="{CDF712C8-4FF9-457F-B527-497E9BB0230E}"/>
-              </a:ext>
-            </a:extLst>
-          </p:cNvPr>
-          <p:cNvSpPr>
-            <a:spLocks noGrp="1"/>
-          </p:cNvSpPr>
-          <p:nvPr>
-            <p:ph idx="1"/>
-          </p:nvPr>
-        </p:nvSpPr>
-        <p:spPr/>
-        <p:txBody>
-          <a:bodyPr/>
-          <a:lstStyle/>
-          <a:p>
-            <a:endParaRPr lang="en-US"/>
-          </a:p>
-        </p:txBody>
-      </p:sp>
       <p:pic>
         <p:nvPicPr>
           <p:cNvPr id="4" name="Picture 3">
@@ -5700,8 +5891,8 @@
         </p:blipFill>
         <p:spPr>
           <a:xfrm>
-            <a:off x="781975" y="590783"/>
-            <a:ext cx="4439270" cy="5268060"/>
+            <a:off x="251536" y="199957"/>
+            <a:ext cx="4597893" cy="5428277"/>
           </a:xfrm>
           <a:prstGeom prst="rect">
             <a:avLst/>
@@ -5722,8 +5913,8 @@
         </p:nvSpPr>
         <p:spPr>
           <a:xfrm>
-            <a:off x="5628444" y="2148396"/>
-            <a:ext cx="5131292" cy="646331"/>
+            <a:off x="5690586" y="798991"/>
+            <a:ext cx="6409677" cy="646331"/>
           </a:xfrm>
           <a:prstGeom prst="rect">
             <a:avLst/>
@@ -6462,7 +6653,7 @@
         </p:nvSpPr>
         <p:spPr>
           <a:xfrm>
-            <a:off x="0" y="0"/>
+            <a:off x="0" y="31331"/>
             <a:ext cx="12192000" cy="681037"/>
           </a:xfrm>
         </p:spPr>
@@ -6497,15 +6688,18 @@
         </p:nvSpPr>
         <p:spPr>
           <a:xfrm>
-            <a:off x="-1" y="2547890"/>
-            <a:ext cx="12191999" cy="4310109"/>
+            <a:off x="142043" y="1936941"/>
+            <a:ext cx="12029243" cy="541538"/>
           </a:xfrm>
         </p:spPr>
         <p:txBody>
           <a:bodyPr/>
           <a:lstStyle/>
           <a:p>
-            <a:endParaRPr lang="en-US"/>
+            <a:r>
+              <a:rPr lang="en-US"/>
+              <a:t>https://www.youtube.com/watch?v=Tyuxw4tgKrs</a:t>
+            </a:r>
           </a:p>
         </p:txBody>
       </p:sp>
@@ -6523,8 +6717,8 @@
         </p:nvSpPr>
         <p:spPr>
           <a:xfrm>
-            <a:off x="-1" y="681037"/>
-            <a:ext cx="11390050" cy="369332"/>
+            <a:off x="142043" y="1393016"/>
+            <a:ext cx="9960747" cy="369332"/>
           </a:xfrm>
           <a:prstGeom prst="rect">
             <a:avLst/>
@@ -6539,7 +6733,238 @@
           <a:p>
             <a:r>
               <a:rPr lang="en-US"/>
-              <a:t>Lấy mật khẩu ứng dụng Email:         https://www.youtube.com/watch?v=Tyuxw4tgKrs</a:t>
+              <a:t>Lấy mật khẩu ứng dụng Email-Cập nhật 2024:        https://www.youtube.com/watch?v=Tyuxw4tgKrs</a:t>
+            </a:r>
+          </a:p>
+        </p:txBody>
+      </p:sp>
+      <p:sp>
+        <p:nvSpPr>
+          <p:cNvPr id="5" name="TextBox 4">
+            <a:extLst>
+              <a:ext uri="{FF2B5EF4-FFF2-40B4-BE49-F238E27FC236}">
+                <a16:creationId xmlns:a16="http://schemas.microsoft.com/office/drawing/2014/main" id="{489E745C-A9E2-4E87-B0B3-90779B69BD2D}"/>
+              </a:ext>
+            </a:extLst>
+          </p:cNvPr>
+          <p:cNvSpPr txBox="1"/>
+          <p:nvPr/>
+        </p:nvSpPr>
+        <p:spPr>
+          <a:xfrm>
+            <a:off x="142043" y="820122"/>
+            <a:ext cx="5699464" cy="369332"/>
+          </a:xfrm>
+          <a:prstGeom prst="rect">
+            <a:avLst/>
+          </a:prstGeom>
+          <a:noFill/>
+        </p:spPr>
+        <p:txBody>
+          <a:bodyPr wrap="square" rtlCol="0">
+            <a:spAutoFit/>
+          </a:bodyPr>
+          <a:lstStyle/>
+          <a:p>
+            <a:r>
+              <a:rPr lang="en-US"/>
+              <a:t>Cấu hình Mail để trang Web có thể gửi Mail đi đ</a:t>
+            </a:r>
+            <a:r>
+              <a:rPr lang="vi-VN"/>
+              <a:t>ư</a:t>
+            </a:r>
+            <a:r>
+              <a:rPr lang="en-US"/>
+              <a:t>ợc.</a:t>
+            </a:r>
+          </a:p>
+        </p:txBody>
+      </p:sp>
+      <p:pic>
+        <p:nvPicPr>
+          <p:cNvPr id="6" name="Picture 5">
+            <a:extLst>
+              <a:ext uri="{FF2B5EF4-FFF2-40B4-BE49-F238E27FC236}">
+                <a16:creationId xmlns:a16="http://schemas.microsoft.com/office/drawing/2014/main" id="{FF18A091-1B9A-47E5-9824-8BFF9CA033AA}"/>
+              </a:ext>
+            </a:extLst>
+          </p:cNvPr>
+          <p:cNvPicPr>
+            <a:picLocks noChangeAspect="1"/>
+          </p:cNvPicPr>
+          <p:nvPr/>
+        </p:nvPicPr>
+        <p:blipFill>
+          <a:blip r:embed="rId2"/>
+          <a:stretch>
+            <a:fillRect/>
+          </a:stretch>
+        </p:blipFill>
+        <p:spPr>
+          <a:xfrm>
+            <a:off x="142043" y="2681056"/>
+            <a:ext cx="6578353" cy="3814594"/>
+          </a:xfrm>
+          <a:prstGeom prst="rect">
+            <a:avLst/>
+          </a:prstGeom>
+        </p:spPr>
+      </p:pic>
+      <p:sp>
+        <p:nvSpPr>
+          <p:cNvPr id="7" name="TextBox 6">
+            <a:extLst>
+              <a:ext uri="{FF2B5EF4-FFF2-40B4-BE49-F238E27FC236}">
+                <a16:creationId xmlns:a16="http://schemas.microsoft.com/office/drawing/2014/main" id="{5E24C029-A700-467F-992D-AB75BDBEF7A1}"/>
+              </a:ext>
+            </a:extLst>
+          </p:cNvPr>
+          <p:cNvSpPr txBox="1"/>
+          <p:nvPr/>
+        </p:nvSpPr>
+        <p:spPr>
+          <a:xfrm>
+            <a:off x="7963270" y="3194611"/>
+            <a:ext cx="3293614" cy="646331"/>
+          </a:xfrm>
+          <a:prstGeom prst="rect">
+            <a:avLst/>
+          </a:prstGeom>
+          <a:noFill/>
+        </p:spPr>
+        <p:txBody>
+          <a:bodyPr wrap="square" rtlCol="0">
+            <a:spAutoFit/>
+          </a:bodyPr>
+          <a:lstStyle/>
+          <a:p>
+            <a:r>
+              <a:rPr lang="en-US"/>
+              <a:t>Trong “ Trang chủ “ tìm kiếm từ khóa “ mật khẩu ứng dụng”</a:t>
+            </a:r>
+          </a:p>
+        </p:txBody>
+      </p:sp>
+      <p:sp>
+        <p:nvSpPr>
+          <p:cNvPr id="8" name="Rectangle 7">
+            <a:extLst>
+              <a:ext uri="{FF2B5EF4-FFF2-40B4-BE49-F238E27FC236}">
+                <a16:creationId xmlns:a16="http://schemas.microsoft.com/office/drawing/2014/main" id="{6C161C37-A405-413A-AD97-83AD38960EE6}"/>
+              </a:ext>
+            </a:extLst>
+          </p:cNvPr>
+          <p:cNvSpPr/>
+          <p:nvPr/>
+        </p:nvSpPr>
+        <p:spPr>
+          <a:xfrm>
+            <a:off x="1597981" y="3840942"/>
+            <a:ext cx="1269506" cy="313808"/>
+          </a:xfrm>
+          <a:prstGeom prst="rect">
+            <a:avLst/>
+          </a:prstGeom>
+          <a:noFill/>
+        </p:spPr>
+        <p:style>
+          <a:lnRef idx="2">
+            <a:schemeClr val="accent2">
+              <a:shade val="50000"/>
+            </a:schemeClr>
+          </a:lnRef>
+          <a:fillRef idx="1">
+            <a:schemeClr val="accent2"/>
+          </a:fillRef>
+          <a:effectRef idx="0">
+            <a:schemeClr val="accent2"/>
+          </a:effectRef>
+          <a:fontRef idx="minor">
+            <a:schemeClr val="lt1"/>
+          </a:fontRef>
+        </p:style>
+        <p:txBody>
+          <a:bodyPr rtlCol="0" anchor="ctr"/>
+          <a:lstStyle/>
+          <a:p>
+            <a:pPr algn="ctr"/>
+            <a:endParaRPr lang="en-US"/>
+          </a:p>
+        </p:txBody>
+      </p:sp>
+      <p:cxnSp>
+        <p:nvCxnSpPr>
+          <p:cNvPr id="10" name="Straight Arrow Connector 9">
+            <a:extLst>
+              <a:ext uri="{FF2B5EF4-FFF2-40B4-BE49-F238E27FC236}">
+                <a16:creationId xmlns:a16="http://schemas.microsoft.com/office/drawing/2014/main" id="{24C8428E-43B7-427E-B12A-AE26F62BE761}"/>
+              </a:ext>
+            </a:extLst>
+          </p:cNvPr>
+          <p:cNvCxnSpPr>
+            <a:cxnSpLocks/>
+          </p:cNvCxnSpPr>
+          <p:nvPr/>
+        </p:nvCxnSpPr>
+        <p:spPr>
+          <a:xfrm>
+            <a:off x="2867487" y="4083728"/>
+            <a:ext cx="4909352" cy="798990"/>
+          </a:xfrm>
+          <a:prstGeom prst="straightConnector1">
+            <a:avLst/>
+          </a:prstGeom>
+          <a:ln>
+            <a:tailEnd type="triangle"/>
+          </a:ln>
+        </p:spPr>
+        <p:style>
+          <a:lnRef idx="1">
+            <a:schemeClr val="dk1"/>
+          </a:lnRef>
+          <a:fillRef idx="0">
+            <a:schemeClr val="dk1"/>
+          </a:fillRef>
+          <a:effectRef idx="0">
+            <a:schemeClr val="dk1"/>
+          </a:effectRef>
+          <a:fontRef idx="minor">
+            <a:schemeClr val="tx1"/>
+          </a:fontRef>
+        </p:style>
+      </p:cxnSp>
+      <p:sp>
+        <p:nvSpPr>
+          <p:cNvPr id="11" name="TextBox 10">
+            <a:extLst>
+              <a:ext uri="{FF2B5EF4-FFF2-40B4-BE49-F238E27FC236}">
+                <a16:creationId xmlns:a16="http://schemas.microsoft.com/office/drawing/2014/main" id="{49C2640F-3E94-4DEE-8923-065229D0B3B0}"/>
+              </a:ext>
+            </a:extLst>
+          </p:cNvPr>
+          <p:cNvSpPr txBox="1"/>
+          <p:nvPr/>
+        </p:nvSpPr>
+        <p:spPr>
+          <a:xfrm>
+            <a:off x="7856738" y="4666565"/>
+            <a:ext cx="2041864" cy="369332"/>
+          </a:xfrm>
+          <a:prstGeom prst="rect">
+            <a:avLst/>
+          </a:prstGeom>
+          <a:noFill/>
+        </p:spPr>
+        <p:txBody>
+          <a:bodyPr wrap="square" rtlCol="0">
+            <a:spAutoFit/>
+          </a:bodyPr>
+          <a:lstStyle/>
+          <a:p>
+            <a:r>
+              <a:rPr lang="en-US"/>
+              <a:t>Kích vào phần này.</a:t>
             </a:r>
           </a:p>
         </p:txBody>
@@ -6574,53 +6999,277 @@
           <a:chExt cx="0" cy="0"/>
         </a:xfrm>
       </p:grpSpPr>
-      <p:sp>
-        <p:nvSpPr>
-          <p:cNvPr id="2" name="Title 1">
-            <a:extLst>
-              <a:ext uri="{FF2B5EF4-FFF2-40B4-BE49-F238E27FC236}">
-                <a16:creationId xmlns:a16="http://schemas.microsoft.com/office/drawing/2014/main" id="{73E0E1CB-523A-4FBD-AF2B-C09A943BB1F8}"/>
-              </a:ext>
-            </a:extLst>
-          </p:cNvPr>
-          <p:cNvSpPr>
-            <a:spLocks noGrp="1"/>
-          </p:cNvSpPr>
-          <p:nvPr>
-            <p:ph type="title"/>
-          </p:nvPr>
-        </p:nvSpPr>
-        <p:spPr/>
-        <p:txBody>
-          <a:bodyPr/>
-          <a:lstStyle/>
-          <a:p>
+      <p:pic>
+        <p:nvPicPr>
+          <p:cNvPr id="4" name="Picture 3">
+            <a:extLst>
+              <a:ext uri="{FF2B5EF4-FFF2-40B4-BE49-F238E27FC236}">
+                <a16:creationId xmlns:a16="http://schemas.microsoft.com/office/drawing/2014/main" id="{791916AC-95AA-43CC-9752-5BBAA8B1124F}"/>
+              </a:ext>
+            </a:extLst>
+          </p:cNvPr>
+          <p:cNvPicPr>
+            <a:picLocks noChangeAspect="1"/>
+          </p:cNvPicPr>
+          <p:nvPr/>
+        </p:nvPicPr>
+        <p:blipFill>
+          <a:blip r:embed="rId2"/>
+          <a:stretch>
+            <a:fillRect/>
+          </a:stretch>
+        </p:blipFill>
+        <p:spPr>
+          <a:xfrm>
+            <a:off x="841053" y="560309"/>
+            <a:ext cx="4153480" cy="1991003"/>
+          </a:xfrm>
+          <a:prstGeom prst="rect">
+            <a:avLst/>
+          </a:prstGeom>
+        </p:spPr>
+      </p:pic>
+      <p:sp>
+        <p:nvSpPr>
+          <p:cNvPr id="5" name="Rectangle 4">
+            <a:extLst>
+              <a:ext uri="{FF2B5EF4-FFF2-40B4-BE49-F238E27FC236}">
+                <a16:creationId xmlns:a16="http://schemas.microsoft.com/office/drawing/2014/main" id="{2A1D54C6-F171-441B-AC57-C5898BD0DC57}"/>
+              </a:ext>
+            </a:extLst>
+          </p:cNvPr>
+          <p:cNvSpPr/>
+          <p:nvPr/>
+        </p:nvSpPr>
+        <p:spPr>
+          <a:xfrm>
+            <a:off x="1029810" y="1207363"/>
+            <a:ext cx="861134" cy="399495"/>
+          </a:xfrm>
+          <a:prstGeom prst="rect">
+            <a:avLst/>
+          </a:prstGeom>
+          <a:noFill/>
+        </p:spPr>
+        <p:style>
+          <a:lnRef idx="2">
+            <a:schemeClr val="accent2">
+              <a:shade val="50000"/>
+            </a:schemeClr>
+          </a:lnRef>
+          <a:fillRef idx="1">
+            <a:schemeClr val="accent2"/>
+          </a:fillRef>
+          <a:effectRef idx="0">
+            <a:schemeClr val="accent2"/>
+          </a:effectRef>
+          <a:fontRef idx="minor">
+            <a:schemeClr val="lt1"/>
+          </a:fontRef>
+        </p:style>
+        <p:txBody>
+          <a:bodyPr rtlCol="0" anchor="ctr"/>
+          <a:lstStyle/>
+          <a:p>
+            <a:pPr algn="ctr"/>
             <a:endParaRPr lang="en-US"/>
           </a:p>
         </p:txBody>
       </p:sp>
-      <p:sp>
-        <p:nvSpPr>
-          <p:cNvPr id="3" name="Content Placeholder 2">
-            <a:extLst>
-              <a:ext uri="{FF2B5EF4-FFF2-40B4-BE49-F238E27FC236}">
-                <a16:creationId xmlns:a16="http://schemas.microsoft.com/office/drawing/2014/main" id="{F0E777FB-8AC4-48C3-88EB-205610FED905}"/>
-              </a:ext>
-            </a:extLst>
-          </p:cNvPr>
-          <p:cNvSpPr>
-            <a:spLocks noGrp="1"/>
-          </p:cNvSpPr>
-          <p:nvPr>
-            <p:ph idx="1"/>
-          </p:nvPr>
-        </p:nvSpPr>
-        <p:spPr/>
-        <p:txBody>
-          <a:bodyPr/>
-          <a:lstStyle/>
-          <a:p>
+      <p:cxnSp>
+        <p:nvCxnSpPr>
+          <p:cNvPr id="7" name="Straight Arrow Connector 6">
+            <a:extLst>
+              <a:ext uri="{FF2B5EF4-FFF2-40B4-BE49-F238E27FC236}">
+                <a16:creationId xmlns:a16="http://schemas.microsoft.com/office/drawing/2014/main" id="{8AA9E02C-8F47-4AE9-8992-E6D6913A7415}"/>
+              </a:ext>
+            </a:extLst>
+          </p:cNvPr>
+          <p:cNvCxnSpPr>
+            <a:cxnSpLocks/>
+            <a:stCxn id="5" idx="3"/>
+          </p:cNvCxnSpPr>
+          <p:nvPr/>
+        </p:nvCxnSpPr>
+        <p:spPr>
+          <a:xfrm>
+            <a:off x="1890944" y="1407111"/>
+            <a:ext cx="2112885" cy="634753"/>
+          </a:xfrm>
+          <a:prstGeom prst="straightConnector1">
+            <a:avLst/>
+          </a:prstGeom>
+          <a:ln>
+            <a:tailEnd type="triangle"/>
+          </a:ln>
+        </p:spPr>
+        <p:style>
+          <a:lnRef idx="1">
+            <a:schemeClr val="accent1"/>
+          </a:lnRef>
+          <a:fillRef idx="0">
+            <a:schemeClr val="accent1"/>
+          </a:fillRef>
+          <a:effectRef idx="0">
+            <a:schemeClr val="accent1"/>
+          </a:effectRef>
+          <a:fontRef idx="minor">
+            <a:schemeClr val="tx1"/>
+          </a:fontRef>
+        </p:style>
+      </p:cxnSp>
+      <p:sp>
+        <p:nvSpPr>
+          <p:cNvPr id="9" name="Rectangle 8">
+            <a:extLst>
+              <a:ext uri="{FF2B5EF4-FFF2-40B4-BE49-F238E27FC236}">
+                <a16:creationId xmlns:a16="http://schemas.microsoft.com/office/drawing/2014/main" id="{C43EDB3A-8933-4F5C-B69B-5472AAAF1198}"/>
+              </a:ext>
+            </a:extLst>
+          </p:cNvPr>
+          <p:cNvSpPr/>
+          <p:nvPr/>
+        </p:nvSpPr>
+        <p:spPr>
+          <a:xfrm>
+            <a:off x="4003829" y="1890945"/>
+            <a:ext cx="683581" cy="426128"/>
+          </a:xfrm>
+          <a:prstGeom prst="rect">
+            <a:avLst/>
+          </a:prstGeom>
+          <a:noFill/>
+        </p:spPr>
+        <p:style>
+          <a:lnRef idx="2">
+            <a:schemeClr val="accent2">
+              <a:shade val="50000"/>
+            </a:schemeClr>
+          </a:lnRef>
+          <a:fillRef idx="1">
+            <a:schemeClr val="accent2"/>
+          </a:fillRef>
+          <a:effectRef idx="0">
+            <a:schemeClr val="accent2"/>
+          </a:effectRef>
+          <a:fontRef idx="minor">
+            <a:schemeClr val="lt1"/>
+          </a:fontRef>
+        </p:style>
+        <p:txBody>
+          <a:bodyPr rtlCol="0" anchor="ctr"/>
+          <a:lstStyle/>
+          <a:p>
+            <a:pPr algn="ctr"/>
             <a:endParaRPr lang="en-US"/>
+          </a:p>
+        </p:txBody>
+      </p:sp>
+      <p:sp>
+        <p:nvSpPr>
+          <p:cNvPr id="10" name="TextBox 9">
+            <a:extLst>
+              <a:ext uri="{FF2B5EF4-FFF2-40B4-BE49-F238E27FC236}">
+                <a16:creationId xmlns:a16="http://schemas.microsoft.com/office/drawing/2014/main" id="{47AD21B9-D51D-4471-B3B4-077FBBAE3100}"/>
+              </a:ext>
+            </a:extLst>
+          </p:cNvPr>
+          <p:cNvSpPr txBox="1"/>
+          <p:nvPr/>
+        </p:nvSpPr>
+        <p:spPr>
+          <a:xfrm>
+            <a:off x="6042101" y="923278"/>
+            <a:ext cx="5308846" cy="369332"/>
+          </a:xfrm>
+          <a:prstGeom prst="rect">
+            <a:avLst/>
+          </a:prstGeom>
+          <a:noFill/>
+        </p:spPr>
+        <p:txBody>
+          <a:bodyPr wrap="square" rtlCol="0">
+            <a:spAutoFit/>
+          </a:bodyPr>
+          <a:lstStyle/>
+          <a:p>
+            <a:r>
+              <a:rPr lang="en-US"/>
+              <a:t>Đặt tên cho ứng dụng cần tạo sau đó nhấn nút “ Tạo” </a:t>
+            </a:r>
+          </a:p>
+        </p:txBody>
+      </p:sp>
+      <p:pic>
+        <p:nvPicPr>
+          <p:cNvPr id="11" name="Picture 10">
+            <a:extLst>
+              <a:ext uri="{FF2B5EF4-FFF2-40B4-BE49-F238E27FC236}">
+                <a16:creationId xmlns:a16="http://schemas.microsoft.com/office/drawing/2014/main" id="{AAFB1FD7-3368-40AD-8368-14656E861071}"/>
+              </a:ext>
+            </a:extLst>
+          </p:cNvPr>
+          <p:cNvPicPr>
+            <a:picLocks noChangeAspect="1"/>
+          </p:cNvPicPr>
+          <p:nvPr/>
+        </p:nvPicPr>
+        <p:blipFill>
+          <a:blip r:embed="rId3"/>
+          <a:stretch>
+            <a:fillRect/>
+          </a:stretch>
+        </p:blipFill>
+        <p:spPr>
+          <a:xfrm>
+            <a:off x="870328" y="3429000"/>
+            <a:ext cx="4094929" cy="3010320"/>
+          </a:xfrm>
+          <a:prstGeom prst="rect">
+            <a:avLst/>
+          </a:prstGeom>
+        </p:spPr>
+      </p:pic>
+      <p:sp>
+        <p:nvSpPr>
+          <p:cNvPr id="12" name="TextBox 11">
+            <a:extLst>
+              <a:ext uri="{FF2B5EF4-FFF2-40B4-BE49-F238E27FC236}">
+                <a16:creationId xmlns:a16="http://schemas.microsoft.com/office/drawing/2014/main" id="{354651CF-1623-4E85-9D93-5B1DA9AC04AE}"/>
+              </a:ext>
+            </a:extLst>
+          </p:cNvPr>
+          <p:cNvSpPr txBox="1"/>
+          <p:nvPr/>
+        </p:nvSpPr>
+        <p:spPr>
+          <a:xfrm>
+            <a:off x="5704750" y="3629954"/>
+            <a:ext cx="5800711" cy="646331"/>
+          </a:xfrm>
+          <a:prstGeom prst="rect">
+            <a:avLst/>
+          </a:prstGeom>
+          <a:noFill/>
+        </p:spPr>
+        <p:txBody>
+          <a:bodyPr wrap="square" rtlCol="0">
+            <a:spAutoFit/>
+          </a:bodyPr>
+          <a:lstStyle/>
+          <a:p>
+            <a:r>
+              <a:rPr lang="en-US"/>
+              <a:t>Đây là dòng mật khẩu ứng dụng cần lấy, Hãy l</a:t>
+            </a:r>
+            <a:r>
+              <a:rPr lang="vi-VN"/>
+              <a:t>ư</a:t>
+            </a:r>
+            <a:r>
+              <a:rPr lang="en-US"/>
+              <a:t>u lại vào một File.</a:t>
+            </a:r>
           </a:p>
         </p:txBody>
       </p:sp>
@@ -6900,12 +7549,115 @@
           <a:chExt cx="0" cy="0"/>
         </a:xfrm>
       </p:grpSpPr>
+      <p:pic>
+        <p:nvPicPr>
+          <p:cNvPr id="4" name="Picture 3">
+            <a:extLst>
+              <a:ext uri="{FF2B5EF4-FFF2-40B4-BE49-F238E27FC236}">
+                <a16:creationId xmlns:a16="http://schemas.microsoft.com/office/drawing/2014/main" id="{9D1B9ABD-0DE7-48AA-93B2-E65D4E4324D9}"/>
+              </a:ext>
+            </a:extLst>
+          </p:cNvPr>
+          <p:cNvPicPr>
+            <a:picLocks noChangeAspect="1"/>
+          </p:cNvPicPr>
+          <p:nvPr/>
+        </p:nvPicPr>
+        <p:blipFill>
+          <a:blip r:embed="rId2"/>
+          <a:stretch>
+            <a:fillRect/>
+          </a:stretch>
+        </p:blipFill>
+        <p:spPr>
+          <a:xfrm>
+            <a:off x="301839" y="110129"/>
+            <a:ext cx="5276697" cy="1336954"/>
+          </a:xfrm>
+          <a:prstGeom prst="rect">
+            <a:avLst/>
+          </a:prstGeom>
+        </p:spPr>
+      </p:pic>
+      <p:sp>
+        <p:nvSpPr>
+          <p:cNvPr id="5" name="TextBox 4">
+            <a:extLst>
+              <a:ext uri="{FF2B5EF4-FFF2-40B4-BE49-F238E27FC236}">
+                <a16:creationId xmlns:a16="http://schemas.microsoft.com/office/drawing/2014/main" id="{3E5974EB-5858-4DB5-BF08-FF39B877136A}"/>
+              </a:ext>
+            </a:extLst>
+          </p:cNvPr>
+          <p:cNvSpPr txBox="1"/>
+          <p:nvPr/>
+        </p:nvSpPr>
+        <p:spPr>
+          <a:xfrm>
+            <a:off x="352347" y="1589103"/>
+            <a:ext cx="5175682" cy="369332"/>
+          </a:xfrm>
+          <a:prstGeom prst="rect">
+            <a:avLst/>
+          </a:prstGeom>
+          <a:noFill/>
+        </p:spPr>
+        <p:txBody>
+          <a:bodyPr wrap="square" rtlCol="0">
+            <a:spAutoFit/>
+          </a:bodyPr>
+          <a:lstStyle/>
+          <a:p>
+            <a:r>
+              <a:rPr lang="en-US"/>
+              <a:t>Ok thì sẽ báo là l</a:t>
+            </a:r>
+            <a:r>
+              <a:rPr lang="vi-VN"/>
+              <a:t>ư</a:t>
+            </a:r>
+            <a:r>
+              <a:rPr lang="en-US"/>
+              <a:t>u cài đặt thành công</a:t>
+            </a:r>
+          </a:p>
+        </p:txBody>
+      </p:sp>
+    </p:spTree>
+    <p:extLst>
+      <p:ext uri="{BB962C8B-B14F-4D97-AF65-F5344CB8AC3E}">
+        <p14:creationId xmlns:p14="http://schemas.microsoft.com/office/powerpoint/2010/main" val="591509021"/>
+      </p:ext>
+    </p:extLst>
+  </p:cSld>
+  <p:clrMapOvr>
+    <a:masterClrMapping/>
+  </p:clrMapOvr>
+</p:sld>
+</file>
+
+<file path=ppt/slides/slide31.xml><?xml version="1.0" encoding="utf-8"?>
+<p:sld xmlns:a="http://schemas.openxmlformats.org/drawingml/2006/main" xmlns:r="http://schemas.openxmlformats.org/officeDocument/2006/relationships" xmlns:p="http://schemas.openxmlformats.org/presentationml/2006/main">
+  <p:cSld>
+    <p:spTree>
+      <p:nvGrpSpPr>
+        <p:cNvPr id="1" name=""/>
+        <p:cNvGrpSpPr/>
+        <p:nvPr/>
+      </p:nvGrpSpPr>
+      <p:grpSpPr>
+        <a:xfrm>
+          <a:off x="0" y="0"/>
+          <a:ext cx="0" cy="0"/>
+          <a:chOff x="0" y="0"/>
+          <a:chExt cx="0" cy="0"/>
+        </a:xfrm>
+      </p:grpSpPr>
       <p:sp>
         <p:nvSpPr>
           <p:cNvPr id="2" name="Title 1">
             <a:extLst>
               <a:ext uri="{FF2B5EF4-FFF2-40B4-BE49-F238E27FC236}">
-                <a16:creationId xmlns:a16="http://schemas.microsoft.com/office/drawing/2014/main" id="{8AF065AF-5043-4B6E-88C0-928F4DFD1FE9}"/>
+                <a16:creationId xmlns:a16="http://schemas.microsoft.com/office/drawing/2014/main" id="{CB1675EA-9BFF-46CD-AA82-95EDAE0E581A}"/>
               </a:ext>
             </a:extLst>
           </p:cNvPr>
@@ -6916,6 +7668,957 @@
             <p:ph type="title"/>
           </p:nvPr>
         </p:nvSpPr>
+        <p:spPr>
+          <a:xfrm>
+            <a:off x="0" y="98082"/>
+            <a:ext cx="10515600" cy="886626"/>
+          </a:xfrm>
+        </p:spPr>
+        <p:txBody>
+          <a:bodyPr/>
+          <a:lstStyle/>
+          <a:p>
+            <a:r>
+              <a:rPr lang="en-US"/>
+              <a:t>Kiểm tra gửi Mail.</a:t>
+            </a:r>
+          </a:p>
+        </p:txBody>
+      </p:sp>
+      <p:pic>
+        <p:nvPicPr>
+          <p:cNvPr id="4" name="Picture 3">
+            <a:extLst>
+              <a:ext uri="{FF2B5EF4-FFF2-40B4-BE49-F238E27FC236}">
+                <a16:creationId xmlns:a16="http://schemas.microsoft.com/office/drawing/2014/main" id="{E4916673-3695-4055-8CDA-5AE3AC8E6D22}"/>
+              </a:ext>
+            </a:extLst>
+          </p:cNvPr>
+          <p:cNvPicPr>
+            <a:picLocks noChangeAspect="1"/>
+          </p:cNvPicPr>
+          <p:nvPr/>
+        </p:nvPicPr>
+        <p:blipFill>
+          <a:blip r:embed="rId2"/>
+          <a:stretch>
+            <a:fillRect/>
+          </a:stretch>
+        </p:blipFill>
+        <p:spPr>
+          <a:xfrm>
+            <a:off x="361226" y="1464103"/>
+            <a:ext cx="5901320" cy="4054082"/>
+          </a:xfrm>
+          <a:prstGeom prst="rect">
+            <a:avLst/>
+          </a:prstGeom>
+        </p:spPr>
+      </p:pic>
+    </p:spTree>
+    <p:extLst>
+      <p:ext uri="{BB962C8B-B14F-4D97-AF65-F5344CB8AC3E}">
+        <p14:creationId xmlns:p14="http://schemas.microsoft.com/office/powerpoint/2010/main" val="789671281"/>
+      </p:ext>
+    </p:extLst>
+  </p:cSld>
+  <p:clrMapOvr>
+    <a:masterClrMapping/>
+  </p:clrMapOvr>
+</p:sld>
+</file>
+
+<file path=ppt/slides/slide32.xml><?xml version="1.0" encoding="utf-8"?>
+<p:sld xmlns:a="http://schemas.openxmlformats.org/drawingml/2006/main" xmlns:r="http://schemas.openxmlformats.org/officeDocument/2006/relationships" xmlns:p="http://schemas.openxmlformats.org/presentationml/2006/main">
+  <p:cSld>
+    <p:spTree>
+      <p:nvGrpSpPr>
+        <p:cNvPr id="1" name=""/>
+        <p:cNvGrpSpPr/>
+        <p:nvPr/>
+      </p:nvGrpSpPr>
+      <p:grpSpPr>
+        <a:xfrm>
+          <a:off x="0" y="0"/>
+          <a:ext cx="0" cy="0"/>
+          <a:chOff x="0" y="0"/>
+          <a:chExt cx="0" cy="0"/>
+        </a:xfrm>
+      </p:grpSpPr>
+      <p:pic>
+        <p:nvPicPr>
+          <p:cNvPr id="4" name="Picture 3">
+            <a:extLst>
+              <a:ext uri="{FF2B5EF4-FFF2-40B4-BE49-F238E27FC236}">
+                <a16:creationId xmlns:a16="http://schemas.microsoft.com/office/drawing/2014/main" id="{7ABF2D71-2271-4001-9377-DBF9E06C18E8}"/>
+              </a:ext>
+            </a:extLst>
+          </p:cNvPr>
+          <p:cNvPicPr>
+            <a:picLocks noChangeAspect="1"/>
+          </p:cNvPicPr>
+          <p:nvPr/>
+        </p:nvPicPr>
+        <p:blipFill>
+          <a:blip r:embed="rId2"/>
+          <a:stretch>
+            <a:fillRect/>
+          </a:stretch>
+        </p:blipFill>
+        <p:spPr>
+          <a:xfrm>
+            <a:off x="623710" y="514051"/>
+            <a:ext cx="5182286" cy="3756108"/>
+          </a:xfrm>
+          <a:prstGeom prst="rect">
+            <a:avLst/>
+          </a:prstGeom>
+        </p:spPr>
+      </p:pic>
+      <p:sp>
+        <p:nvSpPr>
+          <p:cNvPr id="5" name="TextBox 4">
+            <a:extLst>
+              <a:ext uri="{FF2B5EF4-FFF2-40B4-BE49-F238E27FC236}">
+                <a16:creationId xmlns:a16="http://schemas.microsoft.com/office/drawing/2014/main" id="{A4870EA2-9430-4291-B577-E624DB20FC3C}"/>
+              </a:ext>
+            </a:extLst>
+          </p:cNvPr>
+          <p:cNvSpPr txBox="1"/>
+          <p:nvPr/>
+        </p:nvSpPr>
+        <p:spPr>
+          <a:xfrm>
+            <a:off x="623710" y="4634143"/>
+            <a:ext cx="5779363" cy="369332"/>
+          </a:xfrm>
+          <a:prstGeom prst="rect">
+            <a:avLst/>
+          </a:prstGeom>
+          <a:noFill/>
+        </p:spPr>
+        <p:txBody>
+          <a:bodyPr wrap="square" rtlCol="0">
+            <a:spAutoFit/>
+          </a:bodyPr>
+          <a:lstStyle/>
+          <a:p>
+            <a:r>
+              <a:rPr lang="en-US"/>
+              <a:t>Đã đ</a:t>
+            </a:r>
+            <a:r>
+              <a:rPr lang="vi-VN"/>
+              <a:t>ư</a:t>
+            </a:r>
+            <a:r>
+              <a:rPr lang="en-US"/>
+              <a:t>ợc gửi đến thành công.</a:t>
+            </a:r>
+          </a:p>
+        </p:txBody>
+      </p:sp>
+      <p:sp>
+        <p:nvSpPr>
+          <p:cNvPr id="6" name="Rectangle 5">
+            <a:extLst>
+              <a:ext uri="{FF2B5EF4-FFF2-40B4-BE49-F238E27FC236}">
+                <a16:creationId xmlns:a16="http://schemas.microsoft.com/office/drawing/2014/main" id="{A0CF0869-2695-4DEE-9499-A25A928F3A5E}"/>
+              </a:ext>
+            </a:extLst>
+          </p:cNvPr>
+          <p:cNvSpPr/>
+          <p:nvPr/>
+        </p:nvSpPr>
+        <p:spPr>
+          <a:xfrm>
+            <a:off x="623710" y="1899821"/>
+            <a:ext cx="5182286" cy="727969"/>
+          </a:xfrm>
+          <a:prstGeom prst="rect">
+            <a:avLst/>
+          </a:prstGeom>
+          <a:noFill/>
+        </p:spPr>
+        <p:style>
+          <a:lnRef idx="2">
+            <a:schemeClr val="accent2">
+              <a:shade val="50000"/>
+            </a:schemeClr>
+          </a:lnRef>
+          <a:fillRef idx="1">
+            <a:schemeClr val="accent2"/>
+          </a:fillRef>
+          <a:effectRef idx="0">
+            <a:schemeClr val="accent2"/>
+          </a:effectRef>
+          <a:fontRef idx="minor">
+            <a:schemeClr val="lt1"/>
+          </a:fontRef>
+        </p:style>
+        <p:txBody>
+          <a:bodyPr rtlCol="0" anchor="ctr"/>
+          <a:lstStyle/>
+          <a:p>
+            <a:pPr algn="ctr"/>
+            <a:endParaRPr lang="en-US"/>
+          </a:p>
+        </p:txBody>
+      </p:sp>
+    </p:spTree>
+    <p:extLst>
+      <p:ext uri="{BB962C8B-B14F-4D97-AF65-F5344CB8AC3E}">
+        <p14:creationId xmlns:p14="http://schemas.microsoft.com/office/powerpoint/2010/main" val="568605157"/>
+      </p:ext>
+    </p:extLst>
+  </p:cSld>
+  <p:clrMapOvr>
+    <a:masterClrMapping/>
+  </p:clrMapOvr>
+</p:sld>
+</file>
+
+<file path=ppt/slides/slide33.xml><?xml version="1.0" encoding="utf-8"?>
+<p:sld xmlns:a="http://schemas.openxmlformats.org/drawingml/2006/main" xmlns:r="http://schemas.openxmlformats.org/officeDocument/2006/relationships" xmlns:p="http://schemas.openxmlformats.org/presentationml/2006/main">
+  <p:cSld>
+    <p:spTree>
+      <p:nvGrpSpPr>
+        <p:cNvPr id="1" name=""/>
+        <p:cNvGrpSpPr/>
+        <p:nvPr/>
+      </p:nvGrpSpPr>
+      <p:grpSpPr>
+        <a:xfrm>
+          <a:off x="0" y="0"/>
+          <a:ext cx="0" cy="0"/>
+          <a:chOff x="0" y="0"/>
+          <a:chExt cx="0" cy="0"/>
+        </a:xfrm>
+      </p:grpSpPr>
+      <p:sp>
+        <p:nvSpPr>
+          <p:cNvPr id="2" name="Title 1">
+            <a:extLst>
+              <a:ext uri="{FF2B5EF4-FFF2-40B4-BE49-F238E27FC236}">
+                <a16:creationId xmlns:a16="http://schemas.microsoft.com/office/drawing/2014/main" id="{5C5477CC-ECEF-403B-9CDF-BAF9621EE4C9}"/>
+              </a:ext>
+            </a:extLst>
+          </p:cNvPr>
+          <p:cNvSpPr>
+            <a:spLocks noGrp="1"/>
+          </p:cNvSpPr>
+          <p:nvPr>
+            <p:ph type="title"/>
+          </p:nvPr>
+        </p:nvSpPr>
+        <p:spPr>
+          <a:xfrm>
+            <a:off x="0" y="0"/>
+            <a:ext cx="12192000" cy="681037"/>
+          </a:xfrm>
+        </p:spPr>
+        <p:txBody>
+          <a:bodyPr>
+            <a:normAutofit fontScale="90000"/>
+          </a:bodyPr>
+          <a:lstStyle/>
+          <a:p>
+            <a:r>
+              <a:rPr lang="en-US"/>
+              <a:t>Tùy chỉnh b</a:t>
+            </a:r>
+            <a:r>
+              <a:rPr lang="vi-VN"/>
+              <a:t>ư</a:t>
+            </a:r>
+            <a:r>
+              <a:rPr lang="en-US"/>
+              <a:t>ớc cuối trong phần Form liên hệ</a:t>
+            </a:r>
+          </a:p>
+        </p:txBody>
+      </p:sp>
+      <p:pic>
+        <p:nvPicPr>
+          <p:cNvPr id="4" name="Content Placeholder 3">
+            <a:extLst>
+              <a:ext uri="{FF2B5EF4-FFF2-40B4-BE49-F238E27FC236}">
+                <a16:creationId xmlns:a16="http://schemas.microsoft.com/office/drawing/2014/main" id="{7E4D616F-8D08-4AD2-B099-8521ADE20925}"/>
+              </a:ext>
+            </a:extLst>
+          </p:cNvPr>
+          <p:cNvPicPr>
+            <a:picLocks noGrp="1" noChangeAspect="1"/>
+          </p:cNvPicPr>
+          <p:nvPr>
+            <p:ph idx="1"/>
+          </p:nvPr>
+        </p:nvPicPr>
+        <p:blipFill>
+          <a:blip r:embed="rId2"/>
+          <a:stretch>
+            <a:fillRect/>
+          </a:stretch>
+        </p:blipFill>
+        <p:spPr>
+          <a:xfrm>
+            <a:off x="114340" y="746140"/>
+            <a:ext cx="6100030" cy="4846792"/>
+          </a:xfrm>
+          <a:prstGeom prst="rect">
+            <a:avLst/>
+          </a:prstGeom>
+        </p:spPr>
+      </p:pic>
+      <p:sp>
+        <p:nvSpPr>
+          <p:cNvPr id="5" name="TextBox 4">
+            <a:extLst>
+              <a:ext uri="{FF2B5EF4-FFF2-40B4-BE49-F238E27FC236}">
+                <a16:creationId xmlns:a16="http://schemas.microsoft.com/office/drawing/2014/main" id="{1FD4FA8D-C73D-4A28-9241-A30588E893FD}"/>
+              </a:ext>
+            </a:extLst>
+          </p:cNvPr>
+          <p:cNvSpPr txBox="1"/>
+          <p:nvPr/>
+        </p:nvSpPr>
+        <p:spPr>
+          <a:xfrm>
+            <a:off x="6667130" y="887767"/>
+            <a:ext cx="5410530" cy="646331"/>
+          </a:xfrm>
+          <a:prstGeom prst="rect">
+            <a:avLst/>
+          </a:prstGeom>
+          <a:noFill/>
+        </p:spPr>
+        <p:txBody>
+          <a:bodyPr wrap="square" rtlCol="0">
+            <a:spAutoFit/>
+          </a:bodyPr>
+          <a:lstStyle/>
+          <a:p>
+            <a:r>
+              <a:rPr lang="en-US"/>
+              <a:t>Mục “ Cấu hình Mail” đang bị lỗi, vào mục cấu hình Mail để chỉnh sửa.</a:t>
+            </a:r>
+          </a:p>
+        </p:txBody>
+      </p:sp>
+    </p:spTree>
+    <p:extLst>
+      <p:ext uri="{BB962C8B-B14F-4D97-AF65-F5344CB8AC3E}">
+        <p14:creationId xmlns:p14="http://schemas.microsoft.com/office/powerpoint/2010/main" val="3326574969"/>
+      </p:ext>
+    </p:extLst>
+  </p:cSld>
+  <p:clrMapOvr>
+    <a:masterClrMapping/>
+  </p:clrMapOvr>
+</p:sld>
+</file>
+
+<file path=ppt/slides/slide34.xml><?xml version="1.0" encoding="utf-8"?>
+<p:sld xmlns:a="http://schemas.openxmlformats.org/drawingml/2006/main" xmlns:r="http://schemas.openxmlformats.org/officeDocument/2006/relationships" xmlns:p="http://schemas.openxmlformats.org/presentationml/2006/main">
+  <p:cSld>
+    <p:spTree>
+      <p:nvGrpSpPr>
+        <p:cNvPr id="1" name=""/>
+        <p:cNvGrpSpPr/>
+        <p:nvPr/>
+      </p:nvGrpSpPr>
+      <p:grpSpPr>
+        <a:xfrm>
+          <a:off x="0" y="0"/>
+          <a:ext cx="0" cy="0"/>
+          <a:chOff x="0" y="0"/>
+          <a:chExt cx="0" cy="0"/>
+        </a:xfrm>
+      </p:grpSpPr>
+      <p:pic>
+        <p:nvPicPr>
+          <p:cNvPr id="4" name="Picture 3">
+            <a:extLst>
+              <a:ext uri="{FF2B5EF4-FFF2-40B4-BE49-F238E27FC236}">
+                <a16:creationId xmlns:a16="http://schemas.microsoft.com/office/drawing/2014/main" id="{1C772399-2FDC-4C54-BBD0-0C7308ECF46B}"/>
+              </a:ext>
+            </a:extLst>
+          </p:cNvPr>
+          <p:cNvPicPr>
+            <a:picLocks noChangeAspect="1"/>
+          </p:cNvPicPr>
+          <p:nvPr/>
+        </p:nvPicPr>
+        <p:blipFill>
+          <a:blip r:embed="rId2"/>
+          <a:stretch>
+            <a:fillRect/>
+          </a:stretch>
+        </p:blipFill>
+        <p:spPr>
+          <a:xfrm>
+            <a:off x="318384" y="343054"/>
+            <a:ext cx="4777399" cy="4069148"/>
+          </a:xfrm>
+          <a:prstGeom prst="rect">
+            <a:avLst/>
+          </a:prstGeom>
+        </p:spPr>
+      </p:pic>
+      <p:cxnSp>
+        <p:nvCxnSpPr>
+          <p:cNvPr id="6" name="Straight Arrow Connector 5">
+            <a:extLst>
+              <a:ext uri="{FF2B5EF4-FFF2-40B4-BE49-F238E27FC236}">
+                <a16:creationId xmlns:a16="http://schemas.microsoft.com/office/drawing/2014/main" id="{81F569A5-D68C-422B-A0D7-D80524A423F3}"/>
+              </a:ext>
+            </a:extLst>
+          </p:cNvPr>
+          <p:cNvCxnSpPr>
+            <a:cxnSpLocks/>
+            <a:endCxn id="7" idx="1"/>
+          </p:cNvCxnSpPr>
+          <p:nvPr/>
+        </p:nvCxnSpPr>
+        <p:spPr>
+          <a:xfrm flipV="1">
+            <a:off x="2299317" y="676468"/>
+            <a:ext cx="3488923" cy="575283"/>
+          </a:xfrm>
+          <a:prstGeom prst="straightConnector1">
+            <a:avLst/>
+          </a:prstGeom>
+          <a:ln>
+            <a:tailEnd type="triangle"/>
+          </a:ln>
+        </p:spPr>
+        <p:style>
+          <a:lnRef idx="1">
+            <a:schemeClr val="dk1"/>
+          </a:lnRef>
+          <a:fillRef idx="0">
+            <a:schemeClr val="dk1"/>
+          </a:fillRef>
+          <a:effectRef idx="0">
+            <a:schemeClr val="dk1"/>
+          </a:effectRef>
+          <a:fontRef idx="minor">
+            <a:schemeClr val="tx1"/>
+          </a:fontRef>
+        </p:style>
+      </p:cxnSp>
+      <p:sp>
+        <p:nvSpPr>
+          <p:cNvPr id="7" name="TextBox 6">
+            <a:extLst>
+              <a:ext uri="{FF2B5EF4-FFF2-40B4-BE49-F238E27FC236}">
+                <a16:creationId xmlns:a16="http://schemas.microsoft.com/office/drawing/2014/main" id="{6F89CC3B-B3A0-482C-B58A-42ABC2400734}"/>
+              </a:ext>
+            </a:extLst>
+          </p:cNvPr>
+          <p:cNvSpPr txBox="1"/>
+          <p:nvPr/>
+        </p:nvSpPr>
+        <p:spPr>
+          <a:xfrm>
+            <a:off x="5788240" y="491802"/>
+            <a:ext cx="2982897" cy="369332"/>
+          </a:xfrm>
+          <a:prstGeom prst="rect">
+            <a:avLst/>
+          </a:prstGeom>
+          <a:noFill/>
+        </p:spPr>
+        <p:txBody>
+          <a:bodyPr wrap="square" rtlCol="0">
+            <a:spAutoFit/>
+          </a:bodyPr>
+          <a:lstStyle/>
+          <a:p>
+            <a:r>
+              <a:rPr lang="en-US"/>
+              <a:t>Mail nhận thông tin Form.</a:t>
+            </a:r>
+          </a:p>
+        </p:txBody>
+      </p:sp>
+      <p:cxnSp>
+        <p:nvCxnSpPr>
+          <p:cNvPr id="12" name="Straight Arrow Connector 11">
+            <a:extLst>
+              <a:ext uri="{FF2B5EF4-FFF2-40B4-BE49-F238E27FC236}">
+                <a16:creationId xmlns:a16="http://schemas.microsoft.com/office/drawing/2014/main" id="{E0C7FB84-CD2D-4805-A1AC-6DA19AB79327}"/>
+              </a:ext>
+            </a:extLst>
+          </p:cNvPr>
+          <p:cNvCxnSpPr>
+            <a:cxnSpLocks/>
+            <a:endCxn id="14" idx="1"/>
+          </p:cNvCxnSpPr>
+          <p:nvPr/>
+        </p:nvCxnSpPr>
+        <p:spPr>
+          <a:xfrm flipV="1">
+            <a:off x="3000652" y="1871423"/>
+            <a:ext cx="2929631" cy="188196"/>
+          </a:xfrm>
+          <a:prstGeom prst="straightConnector1">
+            <a:avLst/>
+          </a:prstGeom>
+          <a:ln>
+            <a:tailEnd type="triangle"/>
+          </a:ln>
+        </p:spPr>
+        <p:style>
+          <a:lnRef idx="1">
+            <a:schemeClr val="dk1"/>
+          </a:lnRef>
+          <a:fillRef idx="0">
+            <a:schemeClr val="dk1"/>
+          </a:fillRef>
+          <a:effectRef idx="0">
+            <a:schemeClr val="dk1"/>
+          </a:effectRef>
+          <a:fontRef idx="minor">
+            <a:schemeClr val="tx1"/>
+          </a:fontRef>
+        </p:style>
+      </p:cxnSp>
+      <p:sp>
+        <p:nvSpPr>
+          <p:cNvPr id="14" name="TextBox 13">
+            <a:extLst>
+              <a:ext uri="{FF2B5EF4-FFF2-40B4-BE49-F238E27FC236}">
+                <a16:creationId xmlns:a16="http://schemas.microsoft.com/office/drawing/2014/main" id="{3AF307A1-6864-4510-82C9-B07F792F3A67}"/>
+              </a:ext>
+            </a:extLst>
+          </p:cNvPr>
+          <p:cNvSpPr txBox="1"/>
+          <p:nvPr/>
+        </p:nvSpPr>
+        <p:spPr>
+          <a:xfrm>
+            <a:off x="5930283" y="1686757"/>
+            <a:ext cx="5042517" cy="369332"/>
+          </a:xfrm>
+          <a:prstGeom prst="rect">
+            <a:avLst/>
+          </a:prstGeom>
+          <a:noFill/>
+        </p:spPr>
+        <p:txBody>
+          <a:bodyPr wrap="square" rtlCol="0">
+            <a:spAutoFit/>
+          </a:bodyPr>
+          <a:lstStyle/>
+          <a:p>
+            <a:r>
+              <a:rPr lang="en-US"/>
+              <a:t>Nhập tiêu đề “ Thông tin đăng ký khách hàng”</a:t>
+            </a:r>
+          </a:p>
+        </p:txBody>
+      </p:sp>
+      <p:sp>
+        <p:nvSpPr>
+          <p:cNvPr id="16" name="TextBox 15">
+            <a:extLst>
+              <a:ext uri="{FF2B5EF4-FFF2-40B4-BE49-F238E27FC236}">
+                <a16:creationId xmlns:a16="http://schemas.microsoft.com/office/drawing/2014/main" id="{C7FA9431-E07C-49C1-B9F9-4D3E3C1DA4E5}"/>
+              </a:ext>
+            </a:extLst>
+          </p:cNvPr>
+          <p:cNvSpPr txBox="1"/>
+          <p:nvPr/>
+        </p:nvSpPr>
+        <p:spPr>
+          <a:xfrm>
+            <a:off x="5708342" y="2574524"/>
+            <a:ext cx="6165274" cy="369332"/>
+          </a:xfrm>
+          <a:prstGeom prst="rect">
+            <a:avLst/>
+          </a:prstGeom>
+          <a:noFill/>
+        </p:spPr>
+        <p:txBody>
+          <a:bodyPr wrap="square" rtlCol="0">
+            <a:spAutoFit/>
+          </a:bodyPr>
+          <a:lstStyle/>
+          <a:p>
+            <a:r>
+              <a:rPr lang="en-US"/>
+              <a:t>Sau đó nhấn “ L</a:t>
+            </a:r>
+            <a:r>
+              <a:rPr lang="vi-VN"/>
+              <a:t>ư</a:t>
+            </a:r>
+            <a:r>
+              <a:rPr lang="en-US"/>
+              <a:t>u lại”</a:t>
+            </a:r>
+          </a:p>
+        </p:txBody>
+      </p:sp>
+    </p:spTree>
+    <p:extLst>
+      <p:ext uri="{BB962C8B-B14F-4D97-AF65-F5344CB8AC3E}">
+        <p14:creationId xmlns:p14="http://schemas.microsoft.com/office/powerpoint/2010/main" val="38234658"/>
+      </p:ext>
+    </p:extLst>
+  </p:cSld>
+  <p:clrMapOvr>
+    <a:masterClrMapping/>
+  </p:clrMapOvr>
+</p:sld>
+</file>
+
+<file path=ppt/slides/slide35.xml><?xml version="1.0" encoding="utf-8"?>
+<p:sld xmlns:a="http://schemas.openxmlformats.org/drawingml/2006/main" xmlns:r="http://schemas.openxmlformats.org/officeDocument/2006/relationships" xmlns:p="http://schemas.openxmlformats.org/presentationml/2006/main">
+  <p:cSld>
+    <p:spTree>
+      <p:nvGrpSpPr>
+        <p:cNvPr id="1" name=""/>
+        <p:cNvGrpSpPr/>
+        <p:nvPr/>
+      </p:nvGrpSpPr>
+      <p:grpSpPr>
+        <a:xfrm>
+          <a:off x="0" y="0"/>
+          <a:ext cx="0" cy="0"/>
+          <a:chOff x="0" y="0"/>
+          <a:chExt cx="0" cy="0"/>
+        </a:xfrm>
+      </p:grpSpPr>
+      <p:pic>
+        <p:nvPicPr>
+          <p:cNvPr id="4" name="Picture 3">
+            <a:extLst>
+              <a:ext uri="{FF2B5EF4-FFF2-40B4-BE49-F238E27FC236}">
+                <a16:creationId xmlns:a16="http://schemas.microsoft.com/office/drawing/2014/main" id="{9EAD4D97-A038-4AA6-A723-C9164A5E5814}"/>
+              </a:ext>
+            </a:extLst>
+          </p:cNvPr>
+          <p:cNvPicPr>
+            <a:picLocks noChangeAspect="1"/>
+          </p:cNvPicPr>
+          <p:nvPr/>
+        </p:nvPicPr>
+        <p:blipFill>
+          <a:blip r:embed="rId2"/>
+          <a:stretch>
+            <a:fillRect/>
+          </a:stretch>
+        </p:blipFill>
+        <p:spPr>
+          <a:xfrm>
+            <a:off x="838200" y="365125"/>
+            <a:ext cx="6935168" cy="3334215"/>
+          </a:xfrm>
+          <a:prstGeom prst="rect">
+            <a:avLst/>
+          </a:prstGeom>
+        </p:spPr>
+      </p:pic>
+      <p:sp>
+        <p:nvSpPr>
+          <p:cNvPr id="5" name="Rectangle 4">
+            <a:extLst>
+              <a:ext uri="{FF2B5EF4-FFF2-40B4-BE49-F238E27FC236}">
+                <a16:creationId xmlns:a16="http://schemas.microsoft.com/office/drawing/2014/main" id="{FA50483E-DBAF-4EAC-9C29-E10DD43F0FD7}"/>
+              </a:ext>
+            </a:extLst>
+          </p:cNvPr>
+          <p:cNvSpPr/>
+          <p:nvPr/>
+        </p:nvSpPr>
+        <p:spPr>
+          <a:xfrm>
+            <a:off x="2876365" y="365125"/>
+            <a:ext cx="1145219" cy="460498"/>
+          </a:xfrm>
+          <a:prstGeom prst="rect">
+            <a:avLst/>
+          </a:prstGeom>
+          <a:noFill/>
+        </p:spPr>
+        <p:style>
+          <a:lnRef idx="2">
+            <a:schemeClr val="accent2">
+              <a:shade val="50000"/>
+            </a:schemeClr>
+          </a:lnRef>
+          <a:fillRef idx="1">
+            <a:schemeClr val="accent2"/>
+          </a:fillRef>
+          <a:effectRef idx="0">
+            <a:schemeClr val="accent2"/>
+          </a:effectRef>
+          <a:fontRef idx="minor">
+            <a:schemeClr val="lt1"/>
+          </a:fontRef>
+        </p:style>
+        <p:txBody>
+          <a:bodyPr rtlCol="0" anchor="ctr"/>
+          <a:lstStyle/>
+          <a:p>
+            <a:pPr algn="ctr"/>
+            <a:endParaRPr lang="en-US"/>
+          </a:p>
+        </p:txBody>
+      </p:sp>
+      <p:cxnSp>
+        <p:nvCxnSpPr>
+          <p:cNvPr id="7" name="Straight Arrow Connector 6">
+            <a:extLst>
+              <a:ext uri="{FF2B5EF4-FFF2-40B4-BE49-F238E27FC236}">
+                <a16:creationId xmlns:a16="http://schemas.microsoft.com/office/drawing/2014/main" id="{E0BBFD69-05BF-4DE9-ACD4-DF5BA9631B32}"/>
+              </a:ext>
+            </a:extLst>
+          </p:cNvPr>
+          <p:cNvCxnSpPr>
+            <a:cxnSpLocks/>
+          </p:cNvCxnSpPr>
+          <p:nvPr/>
+        </p:nvCxnSpPr>
+        <p:spPr>
+          <a:xfrm>
+            <a:off x="3648722" y="825623"/>
+            <a:ext cx="0" cy="3334215"/>
+          </a:xfrm>
+          <a:prstGeom prst="straightConnector1">
+            <a:avLst/>
+          </a:prstGeom>
+          <a:ln>
+            <a:tailEnd type="triangle"/>
+          </a:ln>
+        </p:spPr>
+        <p:style>
+          <a:lnRef idx="1">
+            <a:schemeClr val="dk1"/>
+          </a:lnRef>
+          <a:fillRef idx="0">
+            <a:schemeClr val="dk1"/>
+          </a:fillRef>
+          <a:effectRef idx="0">
+            <a:schemeClr val="dk1"/>
+          </a:effectRef>
+          <a:fontRef idx="minor">
+            <a:schemeClr val="tx1"/>
+          </a:fontRef>
+        </p:style>
+      </p:cxnSp>
+      <p:sp>
+        <p:nvSpPr>
+          <p:cNvPr id="9" name="TextBox 8">
+            <a:extLst>
+              <a:ext uri="{FF2B5EF4-FFF2-40B4-BE49-F238E27FC236}">
+                <a16:creationId xmlns:a16="http://schemas.microsoft.com/office/drawing/2014/main" id="{7ACF703C-098A-489A-91CF-78159042AA17}"/>
+              </a:ext>
+            </a:extLst>
+          </p:cNvPr>
+          <p:cNvSpPr txBox="1"/>
+          <p:nvPr/>
+        </p:nvSpPr>
+        <p:spPr>
+          <a:xfrm>
+            <a:off x="949911" y="4159838"/>
+            <a:ext cx="6604986" cy="369332"/>
+          </a:xfrm>
+          <a:prstGeom prst="rect">
+            <a:avLst/>
+          </a:prstGeom>
+          <a:noFill/>
+        </p:spPr>
+        <p:txBody>
+          <a:bodyPr wrap="square" rtlCol="0">
+            <a:spAutoFit/>
+          </a:bodyPr>
+          <a:lstStyle/>
+          <a:p>
+            <a:r>
+              <a:rPr lang="en-US"/>
+              <a:t>Sửa lại những phần nội dung cho thông báo</a:t>
+            </a:r>
+          </a:p>
+        </p:txBody>
+      </p:sp>
+    </p:spTree>
+    <p:extLst>
+      <p:ext uri="{BB962C8B-B14F-4D97-AF65-F5344CB8AC3E}">
+        <p14:creationId xmlns:p14="http://schemas.microsoft.com/office/powerpoint/2010/main" val="3923467245"/>
+      </p:ext>
+    </p:extLst>
+  </p:cSld>
+  <p:clrMapOvr>
+    <a:masterClrMapping/>
+  </p:clrMapOvr>
+</p:sld>
+</file>
+
+<file path=ppt/slides/slide36.xml><?xml version="1.0" encoding="utf-8"?>
+<p:sld xmlns:a="http://schemas.openxmlformats.org/drawingml/2006/main" xmlns:r="http://schemas.openxmlformats.org/officeDocument/2006/relationships" xmlns:p="http://schemas.openxmlformats.org/presentationml/2006/main">
+  <p:cSld>
+    <p:spTree>
+      <p:nvGrpSpPr>
+        <p:cNvPr id="1" name=""/>
+        <p:cNvGrpSpPr/>
+        <p:nvPr/>
+      </p:nvGrpSpPr>
+      <p:grpSpPr>
+        <a:xfrm>
+          <a:off x="0" y="0"/>
+          <a:ext cx="0" cy="0"/>
+          <a:chOff x="0" y="0"/>
+          <a:chExt cx="0" cy="0"/>
+        </a:xfrm>
+      </p:grpSpPr>
+      <p:sp>
+        <p:nvSpPr>
+          <p:cNvPr id="2" name="Title 1">
+            <a:extLst>
+              <a:ext uri="{FF2B5EF4-FFF2-40B4-BE49-F238E27FC236}">
+                <a16:creationId xmlns:a16="http://schemas.microsoft.com/office/drawing/2014/main" id="{FD8B725C-8C71-45A5-979A-BE1D51120712}"/>
+              </a:ext>
+            </a:extLst>
+          </p:cNvPr>
+          <p:cNvSpPr>
+            <a:spLocks noGrp="1"/>
+          </p:cNvSpPr>
+          <p:nvPr>
+            <p:ph type="title"/>
+          </p:nvPr>
+        </p:nvSpPr>
+        <p:spPr>
+          <a:xfrm>
+            <a:off x="695604" y="773499"/>
+            <a:ext cx="3511858" cy="948770"/>
+          </a:xfrm>
+        </p:spPr>
+        <p:txBody>
+          <a:bodyPr/>
+          <a:lstStyle/>
+          <a:p>
+            <a:r>
+              <a:rPr lang="en-US"/>
+              <a:t>Thành công:</a:t>
+            </a:r>
+          </a:p>
+        </p:txBody>
+      </p:sp>
+      <p:pic>
+        <p:nvPicPr>
+          <p:cNvPr id="4" name="Picture 3">
+            <a:extLst>
+              <a:ext uri="{FF2B5EF4-FFF2-40B4-BE49-F238E27FC236}">
+                <a16:creationId xmlns:a16="http://schemas.microsoft.com/office/drawing/2014/main" id="{0E49536A-13AF-47E4-ABD6-D6EB2D7CC78C}"/>
+              </a:ext>
+            </a:extLst>
+          </p:cNvPr>
+          <p:cNvPicPr>
+            <a:picLocks noChangeAspect="1"/>
+          </p:cNvPicPr>
+          <p:nvPr/>
+        </p:nvPicPr>
+        <p:blipFill>
+          <a:blip r:embed="rId2"/>
+          <a:stretch>
+            <a:fillRect/>
+          </a:stretch>
+        </p:blipFill>
+        <p:spPr>
+          <a:xfrm>
+            <a:off x="5344358" y="427269"/>
+            <a:ext cx="5415192" cy="3620005"/>
+          </a:xfrm>
+          <a:prstGeom prst="rect">
+            <a:avLst/>
+          </a:prstGeom>
+        </p:spPr>
+      </p:pic>
+      <p:sp>
+        <p:nvSpPr>
+          <p:cNvPr id="5" name="TextBox 4">
+            <a:extLst>
+              <a:ext uri="{FF2B5EF4-FFF2-40B4-BE49-F238E27FC236}">
+                <a16:creationId xmlns:a16="http://schemas.microsoft.com/office/drawing/2014/main" id="{C8E79F0B-77AA-48C5-AFA2-4B2CB2AB5771}"/>
+              </a:ext>
+            </a:extLst>
+          </p:cNvPr>
+          <p:cNvSpPr txBox="1"/>
+          <p:nvPr/>
+        </p:nvSpPr>
+        <p:spPr>
+          <a:xfrm>
+            <a:off x="846524" y="2237271"/>
+            <a:ext cx="2757811" cy="369332"/>
+          </a:xfrm>
+          <a:prstGeom prst="rect">
+            <a:avLst/>
+          </a:prstGeom>
+          <a:noFill/>
+        </p:spPr>
+        <p:txBody>
+          <a:bodyPr wrap="square" rtlCol="0">
+            <a:spAutoFit/>
+          </a:bodyPr>
+          <a:lstStyle/>
+          <a:p>
+            <a:r>
+              <a:rPr lang="en-US"/>
+              <a:t>Đã gửi và nhận đc Mail.</a:t>
+            </a:r>
+          </a:p>
+        </p:txBody>
+      </p:sp>
+    </p:spTree>
+    <p:extLst>
+      <p:ext uri="{BB962C8B-B14F-4D97-AF65-F5344CB8AC3E}">
+        <p14:creationId xmlns:p14="http://schemas.microsoft.com/office/powerpoint/2010/main" val="4099357884"/>
+      </p:ext>
+    </p:extLst>
+  </p:cSld>
+  <p:clrMapOvr>
+    <a:masterClrMapping/>
+  </p:clrMapOvr>
+</p:sld>
+</file>
+
+<file path=ppt/slides/slide37.xml><?xml version="1.0" encoding="utf-8"?>
+<p:sld xmlns:a="http://schemas.openxmlformats.org/drawingml/2006/main" xmlns:r="http://schemas.openxmlformats.org/officeDocument/2006/relationships" xmlns:p="http://schemas.openxmlformats.org/presentationml/2006/main">
+  <p:cSld>
+    <p:spTree>
+      <p:nvGrpSpPr>
+        <p:cNvPr id="1" name=""/>
+        <p:cNvGrpSpPr/>
+        <p:nvPr/>
+      </p:nvGrpSpPr>
+      <p:grpSpPr>
+        <a:xfrm>
+          <a:off x="0" y="0"/>
+          <a:ext cx="0" cy="0"/>
+          <a:chOff x="0" y="0"/>
+          <a:chExt cx="0" cy="0"/>
+        </a:xfrm>
+      </p:grpSpPr>
+      <p:sp>
+        <p:nvSpPr>
+          <p:cNvPr id="2" name="Title 1">
+            <a:extLst>
+              <a:ext uri="{FF2B5EF4-FFF2-40B4-BE49-F238E27FC236}">
+                <a16:creationId xmlns:a16="http://schemas.microsoft.com/office/drawing/2014/main" id="{AF18BBC4-D90F-4CD0-BEC5-6DCAB1680341}"/>
+              </a:ext>
+            </a:extLst>
+          </p:cNvPr>
+          <p:cNvSpPr>
+            <a:spLocks noGrp="1"/>
+          </p:cNvSpPr>
+          <p:nvPr>
+            <p:ph type="title"/>
+          </p:nvPr>
+        </p:nvSpPr>
         <p:spPr/>
         <p:txBody>
           <a:bodyPr/>
@@ -6930,7 +8633,7 @@
           <p:cNvPr id="3" name="Content Placeholder 2">
             <a:extLst>
               <a:ext uri="{FF2B5EF4-FFF2-40B4-BE49-F238E27FC236}">
-                <a16:creationId xmlns:a16="http://schemas.microsoft.com/office/drawing/2014/main" id="{B3FA73A1-72C5-45A8-8C10-373B5B5590F3}"/>
+                <a16:creationId xmlns:a16="http://schemas.microsoft.com/office/drawing/2014/main" id="{358CD89C-DE83-4CFD-A69D-F335E5BA0B8D}"/>
               </a:ext>
             </a:extLst>
           </p:cNvPr>
@@ -6953,7 +8656,167 @@
     </p:spTree>
     <p:extLst>
       <p:ext uri="{BB962C8B-B14F-4D97-AF65-F5344CB8AC3E}">
-        <p14:creationId xmlns:p14="http://schemas.microsoft.com/office/powerpoint/2010/main" val="2104236711"/>
+        <p14:creationId xmlns:p14="http://schemas.microsoft.com/office/powerpoint/2010/main" val="4025241532"/>
+      </p:ext>
+    </p:extLst>
+  </p:cSld>
+  <p:clrMapOvr>
+    <a:masterClrMapping/>
+  </p:clrMapOvr>
+</p:sld>
+</file>
+
+<file path=ppt/slides/slide38.xml><?xml version="1.0" encoding="utf-8"?>
+<p:sld xmlns:a="http://schemas.openxmlformats.org/drawingml/2006/main" xmlns:r="http://schemas.openxmlformats.org/officeDocument/2006/relationships" xmlns:p="http://schemas.openxmlformats.org/presentationml/2006/main">
+  <p:cSld>
+    <p:spTree>
+      <p:nvGrpSpPr>
+        <p:cNvPr id="1" name=""/>
+        <p:cNvGrpSpPr/>
+        <p:nvPr/>
+      </p:nvGrpSpPr>
+      <p:grpSpPr>
+        <a:xfrm>
+          <a:off x="0" y="0"/>
+          <a:ext cx="0" cy="0"/>
+          <a:chOff x="0" y="0"/>
+          <a:chExt cx="0" cy="0"/>
+        </a:xfrm>
+      </p:grpSpPr>
+      <p:sp>
+        <p:nvSpPr>
+          <p:cNvPr id="2" name="Title 1">
+            <a:extLst>
+              <a:ext uri="{FF2B5EF4-FFF2-40B4-BE49-F238E27FC236}">
+                <a16:creationId xmlns:a16="http://schemas.microsoft.com/office/drawing/2014/main" id="{214B6E0A-4828-44C2-BE3E-FFA042115AD3}"/>
+              </a:ext>
+            </a:extLst>
+          </p:cNvPr>
+          <p:cNvSpPr>
+            <a:spLocks noGrp="1"/>
+          </p:cNvSpPr>
+          <p:nvPr>
+            <p:ph type="title"/>
+          </p:nvPr>
+        </p:nvSpPr>
+        <p:spPr/>
+        <p:txBody>
+          <a:bodyPr/>
+          <a:lstStyle/>
+          <a:p>
+            <a:endParaRPr lang="en-US"/>
+          </a:p>
+        </p:txBody>
+      </p:sp>
+      <p:sp>
+        <p:nvSpPr>
+          <p:cNvPr id="3" name="Content Placeholder 2">
+            <a:extLst>
+              <a:ext uri="{FF2B5EF4-FFF2-40B4-BE49-F238E27FC236}">
+                <a16:creationId xmlns:a16="http://schemas.microsoft.com/office/drawing/2014/main" id="{67DE981A-7EED-45F4-B4F0-62065B571C91}"/>
+              </a:ext>
+            </a:extLst>
+          </p:cNvPr>
+          <p:cNvSpPr>
+            <a:spLocks noGrp="1"/>
+          </p:cNvSpPr>
+          <p:nvPr>
+            <p:ph idx="1"/>
+          </p:nvPr>
+        </p:nvSpPr>
+        <p:spPr/>
+        <p:txBody>
+          <a:bodyPr/>
+          <a:lstStyle/>
+          <a:p>
+            <a:endParaRPr lang="en-US"/>
+          </a:p>
+        </p:txBody>
+      </p:sp>
+    </p:spTree>
+    <p:extLst>
+      <p:ext uri="{BB962C8B-B14F-4D97-AF65-F5344CB8AC3E}">
+        <p14:creationId xmlns:p14="http://schemas.microsoft.com/office/powerpoint/2010/main" val="1741703046"/>
+      </p:ext>
+    </p:extLst>
+  </p:cSld>
+  <p:clrMapOvr>
+    <a:masterClrMapping/>
+  </p:clrMapOvr>
+</p:sld>
+</file>
+
+<file path=ppt/slides/slide39.xml><?xml version="1.0" encoding="utf-8"?>
+<p:sld xmlns:a="http://schemas.openxmlformats.org/drawingml/2006/main" xmlns:r="http://schemas.openxmlformats.org/officeDocument/2006/relationships" xmlns:p="http://schemas.openxmlformats.org/presentationml/2006/main">
+  <p:cSld>
+    <p:spTree>
+      <p:nvGrpSpPr>
+        <p:cNvPr id="1" name=""/>
+        <p:cNvGrpSpPr/>
+        <p:nvPr/>
+      </p:nvGrpSpPr>
+      <p:grpSpPr>
+        <a:xfrm>
+          <a:off x="0" y="0"/>
+          <a:ext cx="0" cy="0"/>
+          <a:chOff x="0" y="0"/>
+          <a:chExt cx="0" cy="0"/>
+        </a:xfrm>
+      </p:grpSpPr>
+      <p:sp>
+        <p:nvSpPr>
+          <p:cNvPr id="2" name="Title 1">
+            <a:extLst>
+              <a:ext uri="{FF2B5EF4-FFF2-40B4-BE49-F238E27FC236}">
+                <a16:creationId xmlns:a16="http://schemas.microsoft.com/office/drawing/2014/main" id="{11B182DF-982C-4ED3-9A86-762D43C1E403}"/>
+              </a:ext>
+            </a:extLst>
+          </p:cNvPr>
+          <p:cNvSpPr>
+            <a:spLocks noGrp="1"/>
+          </p:cNvSpPr>
+          <p:nvPr>
+            <p:ph type="title"/>
+          </p:nvPr>
+        </p:nvSpPr>
+        <p:spPr/>
+        <p:txBody>
+          <a:bodyPr/>
+          <a:lstStyle/>
+          <a:p>
+            <a:endParaRPr lang="en-US"/>
+          </a:p>
+        </p:txBody>
+      </p:sp>
+      <p:sp>
+        <p:nvSpPr>
+          <p:cNvPr id="3" name="Content Placeholder 2">
+            <a:extLst>
+              <a:ext uri="{FF2B5EF4-FFF2-40B4-BE49-F238E27FC236}">
+                <a16:creationId xmlns:a16="http://schemas.microsoft.com/office/drawing/2014/main" id="{14D59C24-FD17-4B41-ABCC-124F444B5BFD}"/>
+              </a:ext>
+            </a:extLst>
+          </p:cNvPr>
+          <p:cNvSpPr>
+            <a:spLocks noGrp="1"/>
+          </p:cNvSpPr>
+          <p:nvPr>
+            <p:ph idx="1"/>
+          </p:nvPr>
+        </p:nvSpPr>
+        <p:spPr/>
+        <p:txBody>
+          <a:bodyPr/>
+          <a:lstStyle/>
+          <a:p>
+            <a:endParaRPr lang="en-US"/>
+          </a:p>
+        </p:txBody>
+      </p:sp>
+    </p:spTree>
+    <p:extLst>
+      <p:ext uri="{BB962C8B-B14F-4D97-AF65-F5344CB8AC3E}">
+        <p14:creationId xmlns:p14="http://schemas.microsoft.com/office/powerpoint/2010/main" val="1501496515"/>
       </p:ext>
     </p:extLst>
   </p:cSld>
@@ -7170,6 +9033,246 @@
     <p:extLst>
       <p:ext uri="{BB962C8B-B14F-4D97-AF65-F5344CB8AC3E}">
         <p14:creationId xmlns:p14="http://schemas.microsoft.com/office/powerpoint/2010/main" val="1344471584"/>
+      </p:ext>
+    </p:extLst>
+  </p:cSld>
+  <p:clrMapOvr>
+    <a:masterClrMapping/>
+  </p:clrMapOvr>
+</p:sld>
+</file>
+
+<file path=ppt/slides/slide40.xml><?xml version="1.0" encoding="utf-8"?>
+<p:sld xmlns:a="http://schemas.openxmlformats.org/drawingml/2006/main" xmlns:r="http://schemas.openxmlformats.org/officeDocument/2006/relationships" xmlns:p="http://schemas.openxmlformats.org/presentationml/2006/main">
+  <p:cSld>
+    <p:spTree>
+      <p:nvGrpSpPr>
+        <p:cNvPr id="1" name=""/>
+        <p:cNvGrpSpPr/>
+        <p:nvPr/>
+      </p:nvGrpSpPr>
+      <p:grpSpPr>
+        <a:xfrm>
+          <a:off x="0" y="0"/>
+          <a:ext cx="0" cy="0"/>
+          <a:chOff x="0" y="0"/>
+          <a:chExt cx="0" cy="0"/>
+        </a:xfrm>
+      </p:grpSpPr>
+      <p:sp>
+        <p:nvSpPr>
+          <p:cNvPr id="2" name="Title 1">
+            <a:extLst>
+              <a:ext uri="{FF2B5EF4-FFF2-40B4-BE49-F238E27FC236}">
+                <a16:creationId xmlns:a16="http://schemas.microsoft.com/office/drawing/2014/main" id="{9E1D9E68-9DF5-4405-AB0B-E38C1ABD144B}"/>
+              </a:ext>
+            </a:extLst>
+          </p:cNvPr>
+          <p:cNvSpPr>
+            <a:spLocks noGrp="1"/>
+          </p:cNvSpPr>
+          <p:nvPr>
+            <p:ph type="title"/>
+          </p:nvPr>
+        </p:nvSpPr>
+        <p:spPr/>
+        <p:txBody>
+          <a:bodyPr/>
+          <a:lstStyle/>
+          <a:p>
+            <a:endParaRPr lang="en-US"/>
+          </a:p>
+        </p:txBody>
+      </p:sp>
+      <p:sp>
+        <p:nvSpPr>
+          <p:cNvPr id="3" name="Content Placeholder 2">
+            <a:extLst>
+              <a:ext uri="{FF2B5EF4-FFF2-40B4-BE49-F238E27FC236}">
+                <a16:creationId xmlns:a16="http://schemas.microsoft.com/office/drawing/2014/main" id="{6F2854C2-1915-4327-90F8-B5CCC0FFE93F}"/>
+              </a:ext>
+            </a:extLst>
+          </p:cNvPr>
+          <p:cNvSpPr>
+            <a:spLocks noGrp="1"/>
+          </p:cNvSpPr>
+          <p:nvPr>
+            <p:ph idx="1"/>
+          </p:nvPr>
+        </p:nvSpPr>
+        <p:spPr/>
+        <p:txBody>
+          <a:bodyPr/>
+          <a:lstStyle/>
+          <a:p>
+            <a:endParaRPr lang="en-US"/>
+          </a:p>
+        </p:txBody>
+      </p:sp>
+    </p:spTree>
+    <p:extLst>
+      <p:ext uri="{BB962C8B-B14F-4D97-AF65-F5344CB8AC3E}">
+        <p14:creationId xmlns:p14="http://schemas.microsoft.com/office/powerpoint/2010/main" val="1218794256"/>
+      </p:ext>
+    </p:extLst>
+  </p:cSld>
+  <p:clrMapOvr>
+    <a:masterClrMapping/>
+  </p:clrMapOvr>
+</p:sld>
+</file>
+
+<file path=ppt/slides/slide41.xml><?xml version="1.0" encoding="utf-8"?>
+<p:sld xmlns:a="http://schemas.openxmlformats.org/drawingml/2006/main" xmlns:r="http://schemas.openxmlformats.org/officeDocument/2006/relationships" xmlns:p="http://schemas.openxmlformats.org/presentationml/2006/main">
+  <p:cSld>
+    <p:spTree>
+      <p:nvGrpSpPr>
+        <p:cNvPr id="1" name=""/>
+        <p:cNvGrpSpPr/>
+        <p:nvPr/>
+      </p:nvGrpSpPr>
+      <p:grpSpPr>
+        <a:xfrm>
+          <a:off x="0" y="0"/>
+          <a:ext cx="0" cy="0"/>
+          <a:chOff x="0" y="0"/>
+          <a:chExt cx="0" cy="0"/>
+        </a:xfrm>
+      </p:grpSpPr>
+      <p:sp>
+        <p:nvSpPr>
+          <p:cNvPr id="2" name="Title 1">
+            <a:extLst>
+              <a:ext uri="{FF2B5EF4-FFF2-40B4-BE49-F238E27FC236}">
+                <a16:creationId xmlns:a16="http://schemas.microsoft.com/office/drawing/2014/main" id="{3A8ADD7C-E55B-4171-AF81-BA6E0D3CD3CD}"/>
+              </a:ext>
+            </a:extLst>
+          </p:cNvPr>
+          <p:cNvSpPr>
+            <a:spLocks noGrp="1"/>
+          </p:cNvSpPr>
+          <p:nvPr>
+            <p:ph type="title"/>
+          </p:nvPr>
+        </p:nvSpPr>
+        <p:spPr/>
+        <p:txBody>
+          <a:bodyPr/>
+          <a:lstStyle/>
+          <a:p>
+            <a:endParaRPr lang="en-US"/>
+          </a:p>
+        </p:txBody>
+      </p:sp>
+      <p:sp>
+        <p:nvSpPr>
+          <p:cNvPr id="3" name="Content Placeholder 2">
+            <a:extLst>
+              <a:ext uri="{FF2B5EF4-FFF2-40B4-BE49-F238E27FC236}">
+                <a16:creationId xmlns:a16="http://schemas.microsoft.com/office/drawing/2014/main" id="{C641DDFA-E511-48FC-9CA3-C91D275680FF}"/>
+              </a:ext>
+            </a:extLst>
+          </p:cNvPr>
+          <p:cNvSpPr>
+            <a:spLocks noGrp="1"/>
+          </p:cNvSpPr>
+          <p:nvPr>
+            <p:ph idx="1"/>
+          </p:nvPr>
+        </p:nvSpPr>
+        <p:spPr/>
+        <p:txBody>
+          <a:bodyPr/>
+          <a:lstStyle/>
+          <a:p>
+            <a:endParaRPr lang="en-US"/>
+          </a:p>
+        </p:txBody>
+      </p:sp>
+    </p:spTree>
+    <p:extLst>
+      <p:ext uri="{BB962C8B-B14F-4D97-AF65-F5344CB8AC3E}">
+        <p14:creationId xmlns:p14="http://schemas.microsoft.com/office/powerpoint/2010/main" val="145235525"/>
+      </p:ext>
+    </p:extLst>
+  </p:cSld>
+  <p:clrMapOvr>
+    <a:masterClrMapping/>
+  </p:clrMapOvr>
+</p:sld>
+</file>
+
+<file path=ppt/slides/slide42.xml><?xml version="1.0" encoding="utf-8"?>
+<p:sld xmlns:a="http://schemas.openxmlformats.org/drawingml/2006/main" xmlns:r="http://schemas.openxmlformats.org/officeDocument/2006/relationships" xmlns:p="http://schemas.openxmlformats.org/presentationml/2006/main">
+  <p:cSld>
+    <p:spTree>
+      <p:nvGrpSpPr>
+        <p:cNvPr id="1" name=""/>
+        <p:cNvGrpSpPr/>
+        <p:nvPr/>
+      </p:nvGrpSpPr>
+      <p:grpSpPr>
+        <a:xfrm>
+          <a:off x="0" y="0"/>
+          <a:ext cx="0" cy="0"/>
+          <a:chOff x="0" y="0"/>
+          <a:chExt cx="0" cy="0"/>
+        </a:xfrm>
+      </p:grpSpPr>
+      <p:sp>
+        <p:nvSpPr>
+          <p:cNvPr id="2" name="Title 1">
+            <a:extLst>
+              <a:ext uri="{FF2B5EF4-FFF2-40B4-BE49-F238E27FC236}">
+                <a16:creationId xmlns:a16="http://schemas.microsoft.com/office/drawing/2014/main" id="{8AF065AF-5043-4B6E-88C0-928F4DFD1FE9}"/>
+              </a:ext>
+            </a:extLst>
+          </p:cNvPr>
+          <p:cNvSpPr>
+            <a:spLocks noGrp="1"/>
+          </p:cNvSpPr>
+          <p:nvPr>
+            <p:ph type="title"/>
+          </p:nvPr>
+        </p:nvSpPr>
+        <p:spPr/>
+        <p:txBody>
+          <a:bodyPr/>
+          <a:lstStyle/>
+          <a:p>
+            <a:endParaRPr lang="en-US"/>
+          </a:p>
+        </p:txBody>
+      </p:sp>
+      <p:sp>
+        <p:nvSpPr>
+          <p:cNvPr id="3" name="Content Placeholder 2">
+            <a:extLst>
+              <a:ext uri="{FF2B5EF4-FFF2-40B4-BE49-F238E27FC236}">
+                <a16:creationId xmlns:a16="http://schemas.microsoft.com/office/drawing/2014/main" id="{B3FA73A1-72C5-45A8-8C10-373B5B5590F3}"/>
+              </a:ext>
+            </a:extLst>
+          </p:cNvPr>
+          <p:cNvSpPr>
+            <a:spLocks noGrp="1"/>
+          </p:cNvSpPr>
+          <p:nvPr>
+            <p:ph idx="1"/>
+          </p:nvPr>
+        </p:nvSpPr>
+        <p:spPr/>
+        <p:txBody>
+          <a:bodyPr/>
+          <a:lstStyle/>
+          <a:p>
+            <a:endParaRPr lang="en-US"/>
+          </a:p>
+        </p:txBody>
+      </p:sp>
+    </p:spTree>
+    <p:extLst>
+      <p:ext uri="{BB962C8B-B14F-4D97-AF65-F5344CB8AC3E}">
+        <p14:creationId xmlns:p14="http://schemas.microsoft.com/office/powerpoint/2010/main" val="2104236711"/>
       </p:ext>
     </p:extLst>
   </p:cSld>

--- a/Tạo trang liên hệ trong WebSite.pptx
+++ b/Tạo trang liên hệ trong WebSite.pptx
@@ -300,7 +300,7 @@
           <a:p>
             <a:fld id="{4C6F0748-1381-4B42-9D0A-07F66729CA70}" type="datetimeFigureOut">
               <a:rPr lang="en-US" smtClean="0"/>
-              <a:t>16/10/2024</a:t>
+              <a:t>17/10/2024</a:t>
             </a:fld>
             <a:endParaRPr lang="en-US"/>
           </a:p>
@@ -498,7 +498,7 @@
           <a:p>
             <a:fld id="{4C6F0748-1381-4B42-9D0A-07F66729CA70}" type="datetimeFigureOut">
               <a:rPr lang="en-US" smtClean="0"/>
-              <a:t>16/10/2024</a:t>
+              <a:t>17/10/2024</a:t>
             </a:fld>
             <a:endParaRPr lang="en-US"/>
           </a:p>
@@ -706,7 +706,7 @@
           <a:p>
             <a:fld id="{4C6F0748-1381-4B42-9D0A-07F66729CA70}" type="datetimeFigureOut">
               <a:rPr lang="en-US" smtClean="0"/>
-              <a:t>16/10/2024</a:t>
+              <a:t>17/10/2024</a:t>
             </a:fld>
             <a:endParaRPr lang="en-US"/>
           </a:p>
@@ -904,7 +904,7 @@
           <a:p>
             <a:fld id="{4C6F0748-1381-4B42-9D0A-07F66729CA70}" type="datetimeFigureOut">
               <a:rPr lang="en-US" smtClean="0"/>
-              <a:t>16/10/2024</a:t>
+              <a:t>17/10/2024</a:t>
             </a:fld>
             <a:endParaRPr lang="en-US"/>
           </a:p>
@@ -1179,7 +1179,7 @@
           <a:p>
             <a:fld id="{4C6F0748-1381-4B42-9D0A-07F66729CA70}" type="datetimeFigureOut">
               <a:rPr lang="en-US" smtClean="0"/>
-              <a:t>16/10/2024</a:t>
+              <a:t>17/10/2024</a:t>
             </a:fld>
             <a:endParaRPr lang="en-US"/>
           </a:p>
@@ -1444,7 +1444,7 @@
           <a:p>
             <a:fld id="{4C6F0748-1381-4B42-9D0A-07F66729CA70}" type="datetimeFigureOut">
               <a:rPr lang="en-US" smtClean="0"/>
-              <a:t>16/10/2024</a:t>
+              <a:t>17/10/2024</a:t>
             </a:fld>
             <a:endParaRPr lang="en-US"/>
           </a:p>
@@ -1856,7 +1856,7 @@
           <a:p>
             <a:fld id="{4C6F0748-1381-4B42-9D0A-07F66729CA70}" type="datetimeFigureOut">
               <a:rPr lang="en-US" smtClean="0"/>
-              <a:t>16/10/2024</a:t>
+              <a:t>17/10/2024</a:t>
             </a:fld>
             <a:endParaRPr lang="en-US"/>
           </a:p>
@@ -1997,7 +1997,7 @@
           <a:p>
             <a:fld id="{4C6F0748-1381-4B42-9D0A-07F66729CA70}" type="datetimeFigureOut">
               <a:rPr lang="en-US" smtClean="0"/>
-              <a:t>16/10/2024</a:t>
+              <a:t>17/10/2024</a:t>
             </a:fld>
             <a:endParaRPr lang="en-US"/>
           </a:p>
@@ -2110,7 +2110,7 @@
           <a:p>
             <a:fld id="{4C6F0748-1381-4B42-9D0A-07F66729CA70}" type="datetimeFigureOut">
               <a:rPr lang="en-US" smtClean="0"/>
-              <a:t>16/10/2024</a:t>
+              <a:t>17/10/2024</a:t>
             </a:fld>
             <a:endParaRPr lang="en-US"/>
           </a:p>
@@ -2421,7 +2421,7 @@
           <a:p>
             <a:fld id="{4C6F0748-1381-4B42-9D0A-07F66729CA70}" type="datetimeFigureOut">
               <a:rPr lang="en-US" smtClean="0"/>
-              <a:t>16/10/2024</a:t>
+              <a:t>17/10/2024</a:t>
             </a:fld>
             <a:endParaRPr lang="en-US"/>
           </a:p>
@@ -2709,7 +2709,7 @@
           <a:p>
             <a:fld id="{4C6F0748-1381-4B42-9D0A-07F66729CA70}" type="datetimeFigureOut">
               <a:rPr lang="en-US" smtClean="0"/>
-              <a:t>16/10/2024</a:t>
+              <a:t>17/10/2024</a:t>
             </a:fld>
             <a:endParaRPr lang="en-US"/>
           </a:p>
@@ -2950,7 +2950,7 @@
           <a:p>
             <a:fld id="{4C6F0748-1381-4B42-9D0A-07F66729CA70}" type="datetimeFigureOut">
               <a:rPr lang="en-US" smtClean="0"/>
-              <a:t>16/10/2024</a:t>
+              <a:t>17/10/2024</a:t>
             </a:fld>
             <a:endParaRPr lang="en-US"/>
           </a:p>
@@ -3385,7 +3385,7 @@
         </p:nvSpPr>
         <p:spPr>
           <a:xfrm>
-            <a:off x="1435224" y="1792882"/>
+            <a:off x="1435224" y="430426"/>
             <a:ext cx="9144000" cy="990522"/>
           </a:xfrm>
         </p:spPr>
@@ -3396,6 +3396,141 @@
             <a:r>
               <a:rPr lang="en-US"/>
               <a:t>Trang liên hệ trong WebSite.</a:t>
+            </a:r>
+          </a:p>
+        </p:txBody>
+      </p:sp>
+      <p:pic>
+        <p:nvPicPr>
+          <p:cNvPr id="3" name="Picture 2">
+            <a:extLst>
+              <a:ext uri="{FF2B5EF4-FFF2-40B4-BE49-F238E27FC236}">
+                <a16:creationId xmlns:a16="http://schemas.microsoft.com/office/drawing/2014/main" id="{44C3F220-80FE-4A8C-898E-C9F219B092CE}"/>
+              </a:ext>
+            </a:extLst>
+          </p:cNvPr>
+          <p:cNvPicPr>
+            <a:picLocks noChangeAspect="1"/>
+          </p:cNvPicPr>
+          <p:nvPr/>
+        </p:nvPicPr>
+        <p:blipFill>
+          <a:blip r:embed="rId2"/>
+          <a:stretch>
+            <a:fillRect/>
+          </a:stretch>
+        </p:blipFill>
+        <p:spPr>
+          <a:xfrm>
+            <a:off x="612649" y="1755649"/>
+            <a:ext cx="4264614" cy="1353312"/>
+          </a:xfrm>
+          <a:prstGeom prst="rect">
+            <a:avLst/>
+          </a:prstGeom>
+        </p:spPr>
+      </p:pic>
+      <p:pic>
+        <p:nvPicPr>
+          <p:cNvPr id="4" name="Picture 3">
+            <a:extLst>
+              <a:ext uri="{FF2B5EF4-FFF2-40B4-BE49-F238E27FC236}">
+                <a16:creationId xmlns:a16="http://schemas.microsoft.com/office/drawing/2014/main" id="{EDBEAE6B-E154-4974-8EDC-9797D8C841E3}"/>
+              </a:ext>
+            </a:extLst>
+          </p:cNvPr>
+          <p:cNvPicPr>
+            <a:picLocks noChangeAspect="1"/>
+          </p:cNvPicPr>
+          <p:nvPr/>
+        </p:nvPicPr>
+        <p:blipFill>
+          <a:blip r:embed="rId3"/>
+          <a:stretch>
+            <a:fillRect/>
+          </a:stretch>
+        </p:blipFill>
+        <p:spPr>
+          <a:xfrm>
+            <a:off x="7192817" y="1856583"/>
+            <a:ext cx="3896269" cy="1252378"/>
+          </a:xfrm>
+          <a:prstGeom prst="rect">
+            <a:avLst/>
+          </a:prstGeom>
+        </p:spPr>
+      </p:pic>
+      <p:cxnSp>
+        <p:nvCxnSpPr>
+          <p:cNvPr id="6" name="Straight Arrow Connector 5">
+            <a:extLst>
+              <a:ext uri="{FF2B5EF4-FFF2-40B4-BE49-F238E27FC236}">
+                <a16:creationId xmlns:a16="http://schemas.microsoft.com/office/drawing/2014/main" id="{5F52B9C8-E8F5-4E2A-A00D-9E60D8F24109}"/>
+              </a:ext>
+            </a:extLst>
+          </p:cNvPr>
+          <p:cNvCxnSpPr/>
+          <p:nvPr/>
+        </p:nvCxnSpPr>
+        <p:spPr>
+          <a:xfrm>
+            <a:off x="4946904" y="2368296"/>
+            <a:ext cx="2176272" cy="0"/>
+          </a:xfrm>
+          <a:prstGeom prst="straightConnector1">
+            <a:avLst/>
+          </a:prstGeom>
+          <a:ln>
+            <a:headEnd type="triangle"/>
+            <a:tailEnd type="triangle"/>
+          </a:ln>
+        </p:spPr>
+        <p:style>
+          <a:lnRef idx="1">
+            <a:schemeClr val="dk1"/>
+          </a:lnRef>
+          <a:fillRef idx="0">
+            <a:schemeClr val="dk1"/>
+          </a:fillRef>
+          <a:effectRef idx="0">
+            <a:schemeClr val="dk1"/>
+          </a:effectRef>
+          <a:fontRef idx="minor">
+            <a:schemeClr val="tx1"/>
+          </a:fontRef>
+        </p:style>
+      </p:cxnSp>
+      <p:sp>
+        <p:nvSpPr>
+          <p:cNvPr id="7" name="TextBox 6">
+            <a:extLst>
+              <a:ext uri="{FF2B5EF4-FFF2-40B4-BE49-F238E27FC236}">
+                <a16:creationId xmlns:a16="http://schemas.microsoft.com/office/drawing/2014/main" id="{8E41F414-1974-42F5-8D49-ABC78DD44567}"/>
+              </a:ext>
+            </a:extLst>
+          </p:cNvPr>
+          <p:cNvSpPr txBox="1"/>
+          <p:nvPr/>
+        </p:nvSpPr>
+        <p:spPr>
+          <a:xfrm>
+            <a:off x="1207008" y="3935651"/>
+            <a:ext cx="7680960" cy="369332"/>
+          </a:xfrm>
+          <a:prstGeom prst="rect">
+            <a:avLst/>
+          </a:prstGeom>
+          <a:noFill/>
+        </p:spPr>
+        <p:txBody>
+          <a:bodyPr wrap="square" rtlCol="0">
+            <a:spAutoFit/>
+          </a:bodyPr>
+          <a:lstStyle/>
+          <a:p>
+            <a:r>
+              <a:rPr lang="en-US"/>
+              <a:t>Dùng Contact Form 7 để tạo ra Form liên hệ và “ WP Mail để gửi và nhận Mail”</a:t>
             </a:r>
           </a:p>
         </p:txBody>
@@ -7924,15 +8059,36 @@
           <a:lstStyle/>
           <a:p>
             <a:r>
-              <a:rPr lang="en-US"/>
+              <a:rPr lang="en-US">
+                <a:solidFill>
+                  <a:srgbClr val="FF0000"/>
+                </a:solidFill>
+                <a:highlight>
+                  <a:srgbClr val="FFFF00"/>
+                </a:highlight>
+              </a:rPr>
               <a:t>Tùy chỉnh b</a:t>
             </a:r>
             <a:r>
-              <a:rPr lang="vi-VN"/>
+              <a:rPr lang="vi-VN">
+                <a:solidFill>
+                  <a:srgbClr val="FF0000"/>
+                </a:solidFill>
+                <a:highlight>
+                  <a:srgbClr val="FFFF00"/>
+                </a:highlight>
+              </a:rPr>
               <a:t>ư</a:t>
             </a:r>
             <a:r>
-              <a:rPr lang="en-US"/>
+              <a:rPr lang="en-US">
+                <a:solidFill>
+                  <a:srgbClr val="FF0000"/>
+                </a:solidFill>
+                <a:highlight>
+                  <a:srgbClr val="FFFF00"/>
+                </a:highlight>
+              </a:rPr>
               <a:t>ớc cuối trong phần Form liên hệ</a:t>
             </a:r>
           </a:p>
@@ -8082,8 +8238,8 @@
         </p:nvCxnSpPr>
         <p:spPr>
           <a:xfrm flipV="1">
-            <a:off x="2299317" y="676468"/>
-            <a:ext cx="3488923" cy="575283"/>
+            <a:off x="2468880" y="615624"/>
+            <a:ext cx="3328504" cy="571231"/>
           </a:xfrm>
           <a:prstGeom prst="straightConnector1">
             <a:avLst/>
@@ -8121,8 +8277,8 @@
         </p:nvSpPr>
         <p:spPr>
           <a:xfrm>
-            <a:off x="5788240" y="491802"/>
-            <a:ext cx="2982897" cy="369332"/>
+            <a:off x="5797384" y="292458"/>
+            <a:ext cx="5614328" cy="646331"/>
           </a:xfrm>
           <a:prstGeom prst="rect">
             <a:avLst/>
@@ -8137,7 +8293,7 @@
           <a:p>
             <a:r>
               <a:rPr lang="en-US"/>
-              <a:t>Mail nhận thông tin Form.</a:t>
+              <a:t>Mail nhận thông tin Form.( có thể cấu hình Mail OutLook hoặc Gmail”)</a:t>
             </a:r>
           </a:p>
         </p:txBody>
@@ -8258,6 +8414,191 @@
             <a:r>
               <a:rPr lang="en-US"/>
               <a:t>u lại”</a:t>
+            </a:r>
+          </a:p>
+        </p:txBody>
+      </p:sp>
+      <p:sp>
+        <p:nvSpPr>
+          <p:cNvPr id="2" name="Rectangle 1">
+            <a:extLst>
+              <a:ext uri="{FF2B5EF4-FFF2-40B4-BE49-F238E27FC236}">
+                <a16:creationId xmlns:a16="http://schemas.microsoft.com/office/drawing/2014/main" id="{E8E56C91-C31B-4B84-AC89-9D29071A76FF}"/>
+              </a:ext>
+            </a:extLst>
+          </p:cNvPr>
+          <p:cNvSpPr/>
+          <p:nvPr/>
+        </p:nvSpPr>
+        <p:spPr>
+          <a:xfrm>
+            <a:off x="1152144" y="1106423"/>
+            <a:ext cx="1316736" cy="265177"/>
+          </a:xfrm>
+          <a:prstGeom prst="rect">
+            <a:avLst/>
+          </a:prstGeom>
+          <a:noFill/>
+        </p:spPr>
+        <p:style>
+          <a:lnRef idx="2">
+            <a:schemeClr val="accent2">
+              <a:shade val="50000"/>
+            </a:schemeClr>
+          </a:lnRef>
+          <a:fillRef idx="1">
+            <a:schemeClr val="accent2"/>
+          </a:fillRef>
+          <a:effectRef idx="0">
+            <a:schemeClr val="accent2"/>
+          </a:effectRef>
+          <a:fontRef idx="minor">
+            <a:schemeClr val="lt1"/>
+          </a:fontRef>
+        </p:style>
+        <p:txBody>
+          <a:bodyPr rtlCol="0" anchor="ctr"/>
+          <a:lstStyle/>
+          <a:p>
+            <a:pPr algn="ctr"/>
+            <a:endParaRPr lang="en-US"/>
+          </a:p>
+        </p:txBody>
+      </p:sp>
+      <p:sp>
+        <p:nvSpPr>
+          <p:cNvPr id="3" name="Rectangle 2">
+            <a:extLst>
+              <a:ext uri="{FF2B5EF4-FFF2-40B4-BE49-F238E27FC236}">
+                <a16:creationId xmlns:a16="http://schemas.microsoft.com/office/drawing/2014/main" id="{50D558A3-A3AF-4028-88FE-35179A225A02}"/>
+              </a:ext>
+            </a:extLst>
+          </p:cNvPr>
+          <p:cNvSpPr/>
+          <p:nvPr/>
+        </p:nvSpPr>
+        <p:spPr>
+          <a:xfrm>
+            <a:off x="1106424" y="1517903"/>
+            <a:ext cx="1645920" cy="265177"/>
+          </a:xfrm>
+          <a:prstGeom prst="rect">
+            <a:avLst/>
+          </a:prstGeom>
+          <a:noFill/>
+        </p:spPr>
+        <p:style>
+          <a:lnRef idx="2">
+            <a:schemeClr val="accent2">
+              <a:shade val="50000"/>
+            </a:schemeClr>
+          </a:lnRef>
+          <a:fillRef idx="1">
+            <a:schemeClr val="accent2"/>
+          </a:fillRef>
+          <a:effectRef idx="0">
+            <a:schemeClr val="accent2"/>
+          </a:effectRef>
+          <a:fontRef idx="minor">
+            <a:schemeClr val="lt1"/>
+          </a:fontRef>
+        </p:style>
+        <p:txBody>
+          <a:bodyPr rtlCol="0" anchor="ctr"/>
+          <a:lstStyle/>
+          <a:p>
+            <a:pPr algn="ctr"/>
+            <a:endParaRPr lang="en-US"/>
+          </a:p>
+        </p:txBody>
+      </p:sp>
+      <p:cxnSp>
+        <p:nvCxnSpPr>
+          <p:cNvPr id="8" name="Straight Arrow Connector 7">
+            <a:extLst>
+              <a:ext uri="{FF2B5EF4-FFF2-40B4-BE49-F238E27FC236}">
+                <a16:creationId xmlns:a16="http://schemas.microsoft.com/office/drawing/2014/main" id="{BA6536CF-D0B8-4E68-9A62-CD6774F6F207}"/>
+              </a:ext>
+            </a:extLst>
+          </p:cNvPr>
+          <p:cNvCxnSpPr>
+            <a:cxnSpLocks/>
+            <a:stCxn id="3" idx="3"/>
+          </p:cNvCxnSpPr>
+          <p:nvPr/>
+        </p:nvCxnSpPr>
+        <p:spPr>
+          <a:xfrm flipV="1">
+            <a:off x="2752344" y="1371602"/>
+            <a:ext cx="3131479" cy="278890"/>
+          </a:xfrm>
+          <a:prstGeom prst="straightConnector1">
+            <a:avLst/>
+          </a:prstGeom>
+          <a:ln>
+            <a:tailEnd type="triangle"/>
+          </a:ln>
+        </p:spPr>
+        <p:style>
+          <a:lnRef idx="1">
+            <a:schemeClr val="dk1"/>
+          </a:lnRef>
+          <a:fillRef idx="0">
+            <a:schemeClr val="dk1"/>
+          </a:fillRef>
+          <a:effectRef idx="0">
+            <a:schemeClr val="dk1"/>
+          </a:effectRef>
+          <a:fontRef idx="minor">
+            <a:schemeClr val="tx1"/>
+          </a:fontRef>
+        </p:style>
+      </p:cxnSp>
+      <p:sp>
+        <p:nvSpPr>
+          <p:cNvPr id="10" name="Rectangle 9">
+            <a:extLst>
+              <a:ext uri="{FF2B5EF4-FFF2-40B4-BE49-F238E27FC236}">
+                <a16:creationId xmlns:a16="http://schemas.microsoft.com/office/drawing/2014/main" id="{98D8E12E-6B46-4EE5-8D9D-CC52443DB303}"/>
+              </a:ext>
+            </a:extLst>
+          </p:cNvPr>
+          <p:cNvSpPr/>
+          <p:nvPr/>
+        </p:nvSpPr>
+        <p:spPr>
+          <a:xfrm>
+            <a:off x="5929543" y="1045800"/>
+            <a:ext cx="5546177" cy="575283"/>
+          </a:xfrm>
+          <a:prstGeom prst="rect">
+            <a:avLst/>
+          </a:prstGeom>
+        </p:spPr>
+        <p:style>
+          <a:lnRef idx="2">
+            <a:schemeClr val="accent1">
+              <a:shade val="50000"/>
+            </a:schemeClr>
+          </a:lnRef>
+          <a:fillRef idx="1">
+            <a:schemeClr val="accent1"/>
+          </a:fillRef>
+          <a:effectRef idx="0">
+            <a:schemeClr val="accent1"/>
+          </a:effectRef>
+          <a:fontRef idx="minor">
+            <a:schemeClr val="lt1"/>
+          </a:fontRef>
+        </p:style>
+        <p:txBody>
+          <a:bodyPr rtlCol="0" anchor="ctr"/>
+          <a:lstStyle/>
+          <a:p>
+            <a:pPr algn="ctr"/>
+            <a:r>
+              <a:rPr lang="en-US"/>
+              <a:t>Mail sẽ gửi thông tin Form đi</a:t>
             </a:r>
           </a:p>
         </p:txBody>
@@ -8619,12 +8960,20 @@
             <p:ph type="title"/>
           </p:nvPr>
         </p:nvSpPr>
-        <p:spPr/>
+        <p:spPr>
+          <a:xfrm>
+            <a:off x="0" y="0"/>
+            <a:ext cx="12192000" cy="1325563"/>
+          </a:xfrm>
+        </p:spPr>
         <p:txBody>
           <a:bodyPr/>
           <a:lstStyle/>
           <a:p>
-            <a:endParaRPr lang="en-US"/>
+            <a:r>
+              <a:rPr lang="en-US"/>
+              <a:t>Chỉnh sửa Contact Form 7 với Elementor.</a:t>
+            </a:r>
           </a:p>
         </p:txBody>
       </p:sp>
@@ -8644,12 +8993,98 @@
             <p:ph idx="1"/>
           </p:nvPr>
         </p:nvSpPr>
-        <p:spPr/>
+        <p:spPr>
+          <a:xfrm>
+            <a:off x="0" y="2807208"/>
+            <a:ext cx="12192000" cy="621792"/>
+          </a:xfrm>
+        </p:spPr>
         <p:txBody>
           <a:bodyPr/>
           <a:lstStyle/>
           <a:p>
-            <a:endParaRPr lang="en-US"/>
+            <a:r>
+              <a:rPr lang="en-US"/>
+              <a:t>https://www.youtube.com/watch?v=DBAKZ5J9cbE</a:t>
+            </a:r>
+          </a:p>
+        </p:txBody>
+      </p:sp>
+      <p:sp>
+        <p:nvSpPr>
+          <p:cNvPr id="4" name="TextBox 3">
+            <a:extLst>
+              <a:ext uri="{FF2B5EF4-FFF2-40B4-BE49-F238E27FC236}">
+                <a16:creationId xmlns:a16="http://schemas.microsoft.com/office/drawing/2014/main" id="{B39DFB42-87AD-46D3-8FB6-5347437C45EE}"/>
+              </a:ext>
+            </a:extLst>
+          </p:cNvPr>
+          <p:cNvSpPr txBox="1"/>
+          <p:nvPr/>
+        </p:nvSpPr>
+        <p:spPr>
+          <a:xfrm>
+            <a:off x="100584" y="1088136"/>
+            <a:ext cx="1965960" cy="369332"/>
+          </a:xfrm>
+          <a:prstGeom prst="rect">
+            <a:avLst/>
+          </a:prstGeom>
+          <a:noFill/>
+        </p:spPr>
+        <p:txBody>
+          <a:bodyPr wrap="square" rtlCol="0">
+            <a:spAutoFit/>
+          </a:bodyPr>
+          <a:lstStyle/>
+          <a:p>
+            <a:r>
+              <a:rPr lang="en-US"/>
+              <a:t>Link h</a:t>
+            </a:r>
+            <a:r>
+              <a:rPr lang="vi-VN"/>
+              <a:t>ư</a:t>
+            </a:r>
+            <a:r>
+              <a:rPr lang="en-US"/>
+              <a:t>ớng dẫn:</a:t>
+            </a:r>
+          </a:p>
+        </p:txBody>
+      </p:sp>
+      <p:sp>
+        <p:nvSpPr>
+          <p:cNvPr id="5" name="TextBox 4">
+            <a:extLst>
+              <a:ext uri="{FF2B5EF4-FFF2-40B4-BE49-F238E27FC236}">
+                <a16:creationId xmlns:a16="http://schemas.microsoft.com/office/drawing/2014/main" id="{7C9B3EBD-32AE-4539-BCAC-2F5E8280B8B0}"/>
+              </a:ext>
+            </a:extLst>
+          </p:cNvPr>
+          <p:cNvSpPr txBox="1"/>
+          <p:nvPr/>
+        </p:nvSpPr>
+        <p:spPr>
+          <a:xfrm>
+            <a:off x="2066544" y="1088136"/>
+            <a:ext cx="5413248" cy="369332"/>
+          </a:xfrm>
+          <a:prstGeom prst="rect">
+            <a:avLst/>
+          </a:prstGeom>
+          <a:noFill/>
+        </p:spPr>
+        <p:txBody>
+          <a:bodyPr wrap="square" rtlCol="0">
+            <a:spAutoFit/>
+          </a:bodyPr>
+          <a:lstStyle/>
+          <a:p>
+            <a:r>
+              <a:rPr lang="en-US"/>
+              <a:t>https://www.youtube.com/watch?v=DBAKZ5J9cbE</a:t>
+            </a:r>
           </a:p>
         </p:txBody>
       </p:sp>
